--- a/Slides/Oracle DB & SQL Developer - Bolum I.pptx
+++ b/Slides/Oracle DB & SQL Developer - Bolum I.pptx
@@ -9,6 +9,13 @@
     <p:sldId id="257" r:id="rId3"/>
     <p:sldId id="258" r:id="rId4"/>
     <p:sldId id="259" r:id="rId5"/>
+    <p:sldId id="260" r:id="rId6"/>
+    <p:sldId id="261" r:id="rId7"/>
+    <p:sldId id="262" r:id="rId8"/>
+    <p:sldId id="264" r:id="rId9"/>
+    <p:sldId id="265" r:id="rId10"/>
+    <p:sldId id="266" r:id="rId11"/>
+    <p:sldId id="263" r:id="rId12"/>
   </p:sldIdLst>
   <p:sldSz cx="12192000" cy="6858000"/>
   <p:notesSz cx="6858000" cy="9144000"/>
@@ -107,6 +114,11 @@
       </a:defRPr>
     </a:lvl9pPr>
   </p:defaultTextStyle>
+  <p:extLst>
+    <p:ext uri="{EFAFB233-063F-42B5-8137-9DF3F51BA10A}">
+      <p15:sldGuideLst xmlns:p15="http://schemas.microsoft.com/office/powerpoint/2012/main"/>
+    </p:ext>
+  </p:extLst>
 </p:presentation>
 </file>
 
@@ -3424,24 +3436,44 @@
           </a:bodyPr>
           <a:lstStyle/>
           <a:p>
-            <a:endParaRPr lang="tr-TR" dirty="0"/>
-          </a:p>
-          <a:p>
-            <a:endParaRPr lang="tr-TR" dirty="0"/>
-          </a:p>
-          <a:p>
-            <a:r>
-              <a:rPr lang="en-US" dirty="0"/>
+            <a:endParaRPr lang="tr-TR" b="1" dirty="0">
+              <a:solidFill>
+                <a:srgbClr val="002060"/>
+              </a:solidFill>
+            </a:endParaRPr>
+          </a:p>
+          <a:p>
+            <a:endParaRPr lang="tr-TR" b="1" dirty="0">
+              <a:solidFill>
+                <a:srgbClr val="002060"/>
+              </a:solidFill>
+            </a:endParaRPr>
+          </a:p>
+          <a:p>
+            <a:r>
+              <a:rPr lang="en-US" b="1" dirty="0">
+                <a:solidFill>
+                  <a:srgbClr val="002060"/>
+                </a:solidFill>
+              </a:rPr>
               <a:t>Dr. </a:t>
             </a:r>
             <a:r>
-              <a:rPr lang="tr-TR" dirty="0"/>
+              <a:rPr lang="tr-TR" b="1" dirty="0">
+                <a:solidFill>
+                  <a:srgbClr val="002060"/>
+                </a:solidFill>
+              </a:rPr>
               <a:t>Öğr. Üyesi Sevdanur GENÇ</a:t>
             </a:r>
           </a:p>
           <a:p>
             <a:r>
-              <a:rPr lang="en-US" sz="1800" dirty="0"/>
+              <a:rPr lang="en-US" sz="1800" b="1" dirty="0">
+                <a:solidFill>
+                  <a:srgbClr val="002060"/>
+                </a:solidFill>
+              </a:rPr>
               <a:t>sgenc@kastamonu.edu.tr</a:t>
             </a:r>
           </a:p>
@@ -3451,6 +3483,166 @@
     <p:extLst>
       <p:ext uri="{BB962C8B-B14F-4D97-AF65-F5344CB8AC3E}">
         <p14:creationId xmlns:p14="http://schemas.microsoft.com/office/powerpoint/2010/main" val="1399783634"/>
+      </p:ext>
+    </p:extLst>
+  </p:cSld>
+  <p:clrMapOvr>
+    <a:masterClrMapping/>
+  </p:clrMapOvr>
+</p:sld>
+</file>
+
+<file path=ppt/slides/slide10.xml><?xml version="1.0" encoding="utf-8"?>
+<p:sld xmlns:a="http://schemas.openxmlformats.org/drawingml/2006/main" xmlns:r="http://schemas.openxmlformats.org/officeDocument/2006/relationships" xmlns:p="http://schemas.openxmlformats.org/presentationml/2006/main">
+  <p:cSld>
+    <p:spTree>
+      <p:nvGrpSpPr>
+        <p:cNvPr id="1" name=""/>
+        <p:cNvGrpSpPr/>
+        <p:nvPr/>
+      </p:nvGrpSpPr>
+      <p:grpSpPr>
+        <a:xfrm>
+          <a:off x="0" y="0"/>
+          <a:ext cx="0" cy="0"/>
+          <a:chOff x="0" y="0"/>
+          <a:chExt cx="0" cy="0"/>
+        </a:xfrm>
+      </p:grpSpPr>
+      <p:sp>
+        <p:nvSpPr>
+          <p:cNvPr id="2" name="Title 1">
+            <a:extLst>
+              <a:ext uri="{FF2B5EF4-FFF2-40B4-BE49-F238E27FC236}">
+                <a16:creationId xmlns:a16="http://schemas.microsoft.com/office/drawing/2014/main" id="{7CD88671-C361-AD8C-E030-C260C3A0C55E}"/>
+              </a:ext>
+            </a:extLst>
+          </p:cNvPr>
+          <p:cNvSpPr>
+            <a:spLocks noGrp="1"/>
+          </p:cNvSpPr>
+          <p:nvPr>
+            <p:ph type="title"/>
+          </p:nvPr>
+        </p:nvSpPr>
+        <p:spPr/>
+        <p:txBody>
+          <a:bodyPr/>
+          <a:lstStyle/>
+          <a:p>
+            <a:endParaRPr lang="en-US"/>
+          </a:p>
+        </p:txBody>
+      </p:sp>
+      <p:sp>
+        <p:nvSpPr>
+          <p:cNvPr id="3" name="Content Placeholder 2">
+            <a:extLst>
+              <a:ext uri="{FF2B5EF4-FFF2-40B4-BE49-F238E27FC236}">
+                <a16:creationId xmlns:a16="http://schemas.microsoft.com/office/drawing/2014/main" id="{90CE422F-E590-90F4-37F0-4FB0B27240F9}"/>
+              </a:ext>
+            </a:extLst>
+          </p:cNvPr>
+          <p:cNvSpPr>
+            <a:spLocks noGrp="1"/>
+          </p:cNvSpPr>
+          <p:nvPr>
+            <p:ph idx="1"/>
+          </p:nvPr>
+        </p:nvSpPr>
+        <p:spPr/>
+        <p:txBody>
+          <a:bodyPr/>
+          <a:lstStyle/>
+          <a:p>
+            <a:endParaRPr lang="en-US"/>
+          </a:p>
+        </p:txBody>
+      </p:sp>
+    </p:spTree>
+    <p:extLst>
+      <p:ext uri="{BB962C8B-B14F-4D97-AF65-F5344CB8AC3E}">
+        <p14:creationId xmlns:p14="http://schemas.microsoft.com/office/powerpoint/2010/main" val="847356674"/>
+      </p:ext>
+    </p:extLst>
+  </p:cSld>
+  <p:clrMapOvr>
+    <a:masterClrMapping/>
+  </p:clrMapOvr>
+</p:sld>
+</file>
+
+<file path=ppt/slides/slide11.xml><?xml version="1.0" encoding="utf-8"?>
+<p:sld xmlns:a="http://schemas.openxmlformats.org/drawingml/2006/main" xmlns:r="http://schemas.openxmlformats.org/officeDocument/2006/relationships" xmlns:p="http://schemas.openxmlformats.org/presentationml/2006/main">
+  <p:cSld>
+    <p:spTree>
+      <p:nvGrpSpPr>
+        <p:cNvPr id="1" name=""/>
+        <p:cNvGrpSpPr/>
+        <p:nvPr/>
+      </p:nvGrpSpPr>
+      <p:grpSpPr>
+        <a:xfrm>
+          <a:off x="0" y="0"/>
+          <a:ext cx="0" cy="0"/>
+          <a:chOff x="0" y="0"/>
+          <a:chExt cx="0" cy="0"/>
+        </a:xfrm>
+      </p:grpSpPr>
+      <p:sp>
+        <p:nvSpPr>
+          <p:cNvPr id="2" name="Title 1">
+            <a:extLst>
+              <a:ext uri="{FF2B5EF4-FFF2-40B4-BE49-F238E27FC236}">
+                <a16:creationId xmlns:a16="http://schemas.microsoft.com/office/drawing/2014/main" id="{35A7B3BF-EFCB-2A76-3938-CE869DC81325}"/>
+              </a:ext>
+            </a:extLst>
+          </p:cNvPr>
+          <p:cNvSpPr>
+            <a:spLocks noGrp="1"/>
+          </p:cNvSpPr>
+          <p:nvPr>
+            <p:ph type="title"/>
+          </p:nvPr>
+        </p:nvSpPr>
+        <p:spPr/>
+        <p:txBody>
+          <a:bodyPr/>
+          <a:lstStyle/>
+          <a:p>
+            <a:endParaRPr lang="en-US"/>
+          </a:p>
+        </p:txBody>
+      </p:sp>
+      <p:sp>
+        <p:nvSpPr>
+          <p:cNvPr id="3" name="Content Placeholder 2">
+            <a:extLst>
+              <a:ext uri="{FF2B5EF4-FFF2-40B4-BE49-F238E27FC236}">
+                <a16:creationId xmlns:a16="http://schemas.microsoft.com/office/drawing/2014/main" id="{AE680751-715C-42A6-8624-2A91F309E2E6}"/>
+              </a:ext>
+            </a:extLst>
+          </p:cNvPr>
+          <p:cNvSpPr>
+            <a:spLocks noGrp="1"/>
+          </p:cNvSpPr>
+          <p:nvPr>
+            <p:ph idx="1"/>
+          </p:nvPr>
+        </p:nvSpPr>
+        <p:spPr/>
+        <p:txBody>
+          <a:bodyPr/>
+          <a:lstStyle/>
+          <a:p>
+            <a:endParaRPr lang="en-US"/>
+          </a:p>
+        </p:txBody>
+      </p:sp>
+    </p:spTree>
+    <p:extLst>
+      <p:ext uri="{BB962C8B-B14F-4D97-AF65-F5344CB8AC3E}">
+        <p14:creationId xmlns:p14="http://schemas.microsoft.com/office/powerpoint/2010/main" val="1414320962"/>
       </p:ext>
     </p:extLst>
   </p:cSld>
@@ -3921,7 +4113,14 @@
           <a:bodyPr/>
           <a:lstStyle/>
           <a:p>
-            <a:endParaRPr lang="en-US"/>
+            <a:r>
+              <a:rPr lang="en-US" b="1" dirty="0">
+                <a:solidFill>
+                  <a:srgbClr val="002060"/>
+                </a:solidFill>
+              </a:rPr>
+              <a:t>Oracle</a:t>
+            </a:r>
           </a:p>
         </p:txBody>
       </p:sp>
@@ -3943,10 +4142,578 @@
         </p:nvSpPr>
         <p:spPr/>
         <p:txBody>
-          <a:bodyPr/>
+          <a:bodyPr>
+            <a:normAutofit fontScale="92500"/>
+          </a:bodyPr>
           <a:lstStyle/>
           <a:p>
-            <a:endParaRPr lang="en-US"/>
+            <a:pPr algn="just"/>
+            <a:r>
+              <a:rPr lang="en-US" dirty="0"/>
+              <a:t>Oracle </a:t>
+            </a:r>
+            <a:r>
+              <a:rPr lang="en-US" dirty="0" err="1"/>
+              <a:t>veritabanının</a:t>
+            </a:r>
+            <a:r>
+              <a:rPr lang="en-US" dirty="0"/>
+              <a:t> </a:t>
+            </a:r>
+            <a:r>
+              <a:rPr lang="en-US" dirty="0" err="1"/>
+              <a:t>özellikleri</a:t>
+            </a:r>
+            <a:r>
+              <a:rPr lang="en-US" dirty="0"/>
+              <a:t> </a:t>
+            </a:r>
+            <a:r>
+              <a:rPr lang="en-US" dirty="0" err="1"/>
+              <a:t>şunlardır</a:t>
+            </a:r>
+            <a:r>
+              <a:rPr lang="en-US" dirty="0"/>
+              <a:t>: </a:t>
+            </a:r>
+          </a:p>
+          <a:p>
+            <a:pPr lvl="1" algn="just"/>
+            <a:r>
+              <a:rPr lang="en-US" dirty="0" err="1"/>
+              <a:t>Büyük</a:t>
+            </a:r>
+            <a:r>
+              <a:rPr lang="en-US" dirty="0"/>
+              <a:t> </a:t>
+            </a:r>
+            <a:r>
+              <a:rPr lang="en-US" dirty="0" err="1"/>
+              <a:t>miktarda</a:t>
+            </a:r>
+            <a:r>
+              <a:rPr lang="en-US" dirty="0"/>
+              <a:t> </a:t>
+            </a:r>
+            <a:r>
+              <a:rPr lang="en-US" dirty="0" err="1"/>
+              <a:t>veri</a:t>
+            </a:r>
+            <a:r>
+              <a:rPr lang="en-US" dirty="0"/>
+              <a:t> </a:t>
+            </a:r>
+            <a:r>
+              <a:rPr lang="en-US" dirty="0" err="1"/>
+              <a:t>tutabilmekte</a:t>
+            </a:r>
+            <a:r>
+              <a:rPr lang="en-US" dirty="0"/>
+              <a:t> </a:t>
+            </a:r>
+            <a:r>
+              <a:rPr lang="en-US" dirty="0" err="1"/>
+              <a:t>ve</a:t>
+            </a:r>
+            <a:r>
+              <a:rPr lang="en-US" dirty="0"/>
+              <a:t> </a:t>
+            </a:r>
+            <a:r>
+              <a:rPr lang="en-US" dirty="0" err="1"/>
+              <a:t>verilerin</a:t>
+            </a:r>
+            <a:r>
+              <a:rPr lang="en-US" dirty="0"/>
+              <a:t> </a:t>
+            </a:r>
+            <a:r>
+              <a:rPr lang="en-US" dirty="0" err="1"/>
+              <a:t>depolandığı</a:t>
+            </a:r>
+            <a:r>
+              <a:rPr lang="en-US" dirty="0"/>
+              <a:t> </a:t>
+            </a:r>
+            <a:r>
+              <a:rPr lang="en-US" dirty="0" err="1"/>
+              <a:t>alanları</a:t>
+            </a:r>
+            <a:r>
+              <a:rPr lang="en-US" dirty="0"/>
+              <a:t> </a:t>
+            </a:r>
+            <a:r>
+              <a:rPr lang="en-US" dirty="0" err="1"/>
+              <a:t>ayarlama</a:t>
+            </a:r>
+            <a:r>
+              <a:rPr lang="en-US" dirty="0"/>
+              <a:t> </a:t>
+            </a:r>
+            <a:r>
+              <a:rPr lang="en-US" dirty="0" err="1"/>
+              <a:t>imkânı</a:t>
+            </a:r>
+            <a:r>
+              <a:rPr lang="en-US" dirty="0"/>
+              <a:t> </a:t>
+            </a:r>
+            <a:r>
+              <a:rPr lang="en-US" dirty="0" err="1"/>
+              <a:t>vermektedir</a:t>
+            </a:r>
+            <a:r>
+              <a:rPr lang="en-US" dirty="0"/>
+              <a:t>.(</a:t>
+            </a:r>
+            <a:r>
+              <a:rPr lang="en-US" dirty="0" err="1"/>
+              <a:t>Sayfalama</a:t>
+            </a:r>
+            <a:r>
+              <a:rPr lang="en-US" dirty="0"/>
+              <a:t>) </a:t>
+            </a:r>
+          </a:p>
+          <a:p>
+            <a:pPr lvl="1" algn="just"/>
+            <a:r>
+              <a:rPr lang="en-US" dirty="0" err="1"/>
+              <a:t>Aynı</a:t>
+            </a:r>
+            <a:r>
+              <a:rPr lang="en-US" dirty="0"/>
+              <a:t> </a:t>
+            </a:r>
+            <a:r>
+              <a:rPr lang="en-US" dirty="0" err="1"/>
+              <a:t>anda</a:t>
+            </a:r>
+            <a:r>
+              <a:rPr lang="en-US" dirty="0"/>
+              <a:t> </a:t>
+            </a:r>
+            <a:r>
+              <a:rPr lang="en-US" dirty="0" err="1"/>
+              <a:t>çok</a:t>
+            </a:r>
+            <a:r>
+              <a:rPr lang="en-US" dirty="0"/>
+              <a:t> </a:t>
+            </a:r>
+            <a:r>
+              <a:rPr lang="en-US" dirty="0" err="1"/>
+              <a:t>sayıda</a:t>
+            </a:r>
+            <a:r>
+              <a:rPr lang="en-US" dirty="0"/>
+              <a:t> </a:t>
+            </a:r>
+            <a:r>
+              <a:rPr lang="en-US" dirty="0" err="1"/>
+              <a:t>kullanıcıya</a:t>
+            </a:r>
+            <a:r>
+              <a:rPr lang="en-US" dirty="0"/>
+              <a:t> </a:t>
+            </a:r>
+            <a:r>
+              <a:rPr lang="en-US" dirty="0" err="1"/>
+              <a:t>verilerin</a:t>
+            </a:r>
+            <a:r>
+              <a:rPr lang="en-US" dirty="0"/>
+              <a:t> </a:t>
+            </a:r>
+            <a:r>
+              <a:rPr lang="en-US" dirty="0" err="1"/>
+              <a:t>bütünlüğünü</a:t>
+            </a:r>
+            <a:r>
+              <a:rPr lang="en-US" dirty="0"/>
+              <a:t> </a:t>
+            </a:r>
+            <a:r>
+              <a:rPr lang="en-US" dirty="0" err="1"/>
+              <a:t>bozmadan</a:t>
+            </a:r>
+            <a:r>
+              <a:rPr lang="en-US" dirty="0"/>
+              <a:t> </a:t>
+            </a:r>
+            <a:r>
+              <a:rPr lang="en-US" dirty="0" err="1"/>
+              <a:t>hizmet</a:t>
+            </a:r>
+            <a:r>
+              <a:rPr lang="en-US" dirty="0"/>
+              <a:t> </a:t>
+            </a:r>
+            <a:r>
+              <a:rPr lang="en-US" dirty="0" err="1"/>
+              <a:t>verebilmektedir</a:t>
+            </a:r>
+            <a:r>
+              <a:rPr lang="en-US" dirty="0"/>
+              <a:t>. (Transaction) </a:t>
+            </a:r>
+          </a:p>
+          <a:p>
+            <a:pPr lvl="1" algn="just"/>
+            <a:r>
+              <a:rPr lang="en-US" dirty="0" err="1"/>
+              <a:t>Günler</a:t>
+            </a:r>
+            <a:r>
+              <a:rPr lang="en-US" dirty="0"/>
+              <a:t> </a:t>
+            </a:r>
+            <a:r>
+              <a:rPr lang="en-US" dirty="0" err="1"/>
+              <a:t>ve</a:t>
+            </a:r>
+            <a:r>
+              <a:rPr lang="en-US" dirty="0"/>
+              <a:t> </a:t>
+            </a:r>
+            <a:r>
+              <a:rPr lang="en-US" dirty="0" err="1"/>
+              <a:t>haftalar</a:t>
+            </a:r>
+            <a:r>
+              <a:rPr lang="en-US" dirty="0"/>
+              <a:t> </a:t>
+            </a:r>
+            <a:r>
+              <a:rPr lang="en-US" dirty="0" err="1"/>
+              <a:t>boyu</a:t>
+            </a:r>
+            <a:r>
+              <a:rPr lang="en-US" dirty="0"/>
+              <a:t> </a:t>
+            </a:r>
+            <a:r>
+              <a:rPr lang="en-US" dirty="0" err="1"/>
+              <a:t>hiç</a:t>
+            </a:r>
+            <a:r>
+              <a:rPr lang="en-US" dirty="0"/>
+              <a:t> </a:t>
+            </a:r>
+            <a:r>
+              <a:rPr lang="en-US" dirty="0" err="1"/>
+              <a:t>kapatılmadan</a:t>
+            </a:r>
+            <a:r>
+              <a:rPr lang="en-US" dirty="0"/>
+              <a:t> </a:t>
+            </a:r>
+            <a:r>
+              <a:rPr lang="en-US" dirty="0" err="1"/>
+              <a:t>çalışabilmektedir</a:t>
+            </a:r>
+            <a:r>
+              <a:rPr lang="en-US" dirty="0"/>
+              <a:t>. </a:t>
+            </a:r>
+          </a:p>
+          <a:p>
+            <a:pPr lvl="1" algn="just"/>
+            <a:r>
+              <a:rPr lang="en-US" dirty="0" err="1"/>
+              <a:t>İşletim</a:t>
+            </a:r>
+            <a:r>
+              <a:rPr lang="en-US" dirty="0"/>
+              <a:t> </a:t>
+            </a:r>
+            <a:r>
+              <a:rPr lang="en-US" dirty="0" err="1"/>
+              <a:t>sistemi</a:t>
+            </a:r>
+            <a:r>
+              <a:rPr lang="en-US" dirty="0"/>
+              <a:t>, </a:t>
+            </a:r>
+            <a:r>
+              <a:rPr lang="en-US" dirty="0" err="1"/>
+              <a:t>veri</a:t>
+            </a:r>
+            <a:r>
+              <a:rPr lang="en-US" dirty="0"/>
+              <a:t> </a:t>
+            </a:r>
+            <a:r>
+              <a:rPr lang="en-US" dirty="0" err="1"/>
+              <a:t>erişim</a:t>
+            </a:r>
+            <a:r>
+              <a:rPr lang="en-US" dirty="0"/>
+              <a:t> </a:t>
+            </a:r>
+            <a:r>
+              <a:rPr lang="en-US" dirty="0" err="1"/>
+              <a:t>dilleri</a:t>
+            </a:r>
+            <a:r>
+              <a:rPr lang="en-US" dirty="0"/>
+              <a:t> </a:t>
+            </a:r>
+            <a:r>
+              <a:rPr lang="en-US" dirty="0" err="1"/>
+              <a:t>ve</a:t>
+            </a:r>
+            <a:r>
+              <a:rPr lang="en-US" dirty="0"/>
+              <a:t> </a:t>
+            </a:r>
+            <a:r>
+              <a:rPr lang="en-US" dirty="0" err="1"/>
+              <a:t>ağ</a:t>
+            </a:r>
+            <a:r>
+              <a:rPr lang="en-US" dirty="0"/>
+              <a:t> </a:t>
+            </a:r>
+            <a:r>
+              <a:rPr lang="en-US" dirty="0" err="1"/>
+              <a:t>iletişim</a:t>
+            </a:r>
+            <a:r>
+              <a:rPr lang="en-US" dirty="0"/>
+              <a:t> </a:t>
+            </a:r>
+            <a:r>
+              <a:rPr lang="en-US" dirty="0" err="1"/>
+              <a:t>protokolleri</a:t>
+            </a:r>
+            <a:r>
+              <a:rPr lang="en-US" dirty="0"/>
+              <a:t> </a:t>
+            </a:r>
+            <a:r>
+              <a:rPr lang="en-US" dirty="0" err="1"/>
+              <a:t>standartlarıyla</a:t>
+            </a:r>
+            <a:r>
+              <a:rPr lang="en-US" dirty="0"/>
+              <a:t> </a:t>
+            </a:r>
+            <a:r>
+              <a:rPr lang="en-US" dirty="0" err="1"/>
+              <a:t>uyumludur</a:t>
+            </a:r>
+            <a:r>
+              <a:rPr lang="en-US" dirty="0"/>
+              <a:t>. </a:t>
+            </a:r>
+          </a:p>
+          <a:p>
+            <a:pPr lvl="1" algn="just"/>
+            <a:r>
+              <a:rPr lang="en-US" dirty="0" err="1"/>
+              <a:t>Yetkisiz</a:t>
+            </a:r>
+            <a:r>
+              <a:rPr lang="en-US" dirty="0"/>
+              <a:t> </a:t>
+            </a:r>
+            <a:r>
+              <a:rPr lang="en-US" dirty="0" err="1"/>
+              <a:t>erişimleri</a:t>
+            </a:r>
+            <a:r>
+              <a:rPr lang="en-US" dirty="0"/>
+              <a:t> </a:t>
+            </a:r>
+            <a:r>
+              <a:rPr lang="en-US" dirty="0" err="1"/>
+              <a:t>engelleme</a:t>
+            </a:r>
+            <a:r>
+              <a:rPr lang="en-US" dirty="0"/>
+              <a:t> </a:t>
+            </a:r>
+            <a:r>
+              <a:rPr lang="en-US" dirty="0" err="1"/>
+              <a:t>ve</a:t>
+            </a:r>
+            <a:r>
+              <a:rPr lang="en-US" dirty="0"/>
+              <a:t> </a:t>
+            </a:r>
+            <a:r>
+              <a:rPr lang="en-US" dirty="0" err="1"/>
+              <a:t>kullanıcı</a:t>
+            </a:r>
+            <a:r>
+              <a:rPr lang="en-US" dirty="0"/>
+              <a:t> </a:t>
+            </a:r>
+            <a:r>
+              <a:rPr lang="en-US" dirty="0" err="1"/>
+              <a:t>kontrolünü</a:t>
+            </a:r>
+            <a:r>
+              <a:rPr lang="en-US" dirty="0"/>
+              <a:t> </a:t>
+            </a:r>
+            <a:r>
+              <a:rPr lang="en-US" dirty="0" err="1"/>
+              <a:t>desteklemektedir</a:t>
+            </a:r>
+            <a:r>
+              <a:rPr lang="en-US" dirty="0"/>
+              <a:t>.</a:t>
+            </a:r>
+          </a:p>
+          <a:p>
+            <a:pPr lvl="1" algn="just"/>
+            <a:r>
+              <a:rPr lang="en-US" dirty="0" err="1"/>
+              <a:t>Bütünlüğü</a:t>
+            </a:r>
+            <a:r>
+              <a:rPr lang="en-US" dirty="0"/>
+              <a:t> </a:t>
+            </a:r>
+            <a:r>
+              <a:rPr lang="en-US" dirty="0" err="1"/>
+              <a:t>veritabanı</a:t>
+            </a:r>
+            <a:r>
+              <a:rPr lang="en-US" dirty="0"/>
+              <a:t> </a:t>
+            </a:r>
+            <a:r>
+              <a:rPr lang="en-US" dirty="0" err="1"/>
+              <a:t>düzeyinde</a:t>
+            </a:r>
+            <a:r>
+              <a:rPr lang="en-US" dirty="0"/>
+              <a:t> </a:t>
+            </a:r>
+            <a:r>
+              <a:rPr lang="en-US" dirty="0" err="1"/>
+              <a:t>sağlayabilmektedir</a:t>
+            </a:r>
+            <a:r>
+              <a:rPr lang="en-US" dirty="0"/>
+              <a:t>, </a:t>
+            </a:r>
+            <a:r>
+              <a:rPr lang="en-US" dirty="0" err="1"/>
+              <a:t>böylece</a:t>
+            </a:r>
+            <a:r>
+              <a:rPr lang="en-US" dirty="0"/>
+              <a:t> </a:t>
+            </a:r>
+            <a:r>
+              <a:rPr lang="en-US" dirty="0" err="1"/>
+              <a:t>daha</a:t>
+            </a:r>
+            <a:r>
+              <a:rPr lang="en-US" dirty="0"/>
+              <a:t> </a:t>
+            </a:r>
+            <a:r>
+              <a:rPr lang="en-US" dirty="0" err="1"/>
+              <a:t>az</a:t>
+            </a:r>
+            <a:r>
+              <a:rPr lang="en-US" dirty="0"/>
+              <a:t> </a:t>
+            </a:r>
+            <a:r>
+              <a:rPr lang="en-US" dirty="0" err="1"/>
+              <a:t>kod</a:t>
+            </a:r>
+            <a:r>
+              <a:rPr lang="en-US" dirty="0"/>
+              <a:t> </a:t>
+            </a:r>
+            <a:r>
+              <a:rPr lang="en-US" dirty="0" err="1"/>
+              <a:t>yazılmaktadır</a:t>
+            </a:r>
+            <a:r>
+              <a:rPr lang="en-US" dirty="0"/>
+              <a:t>. </a:t>
+            </a:r>
+          </a:p>
+          <a:p>
+            <a:pPr lvl="1" algn="just"/>
+            <a:r>
+              <a:rPr lang="en-US" dirty="0" err="1"/>
+              <a:t>İstemci</a:t>
+            </a:r>
+            <a:r>
+              <a:rPr lang="en-US" dirty="0"/>
+              <a:t>/</a:t>
+            </a:r>
+            <a:r>
+              <a:rPr lang="en-US" dirty="0" err="1"/>
+              <a:t>Sunucu</a:t>
+            </a:r>
+            <a:r>
+              <a:rPr lang="en-US" dirty="0"/>
+              <a:t> </a:t>
+            </a:r>
+            <a:r>
+              <a:rPr lang="en-US" dirty="0" err="1"/>
+              <a:t>mimarisinin</a:t>
+            </a:r>
+            <a:r>
+              <a:rPr lang="en-US" dirty="0"/>
+              <a:t> </a:t>
+            </a:r>
+            <a:r>
+              <a:rPr lang="en-US" dirty="0" err="1"/>
+              <a:t>bütün</a:t>
+            </a:r>
+            <a:r>
+              <a:rPr lang="en-US" dirty="0"/>
+              <a:t> </a:t>
+            </a:r>
+            <a:r>
+              <a:rPr lang="en-US" dirty="0" err="1"/>
+              <a:t>avantajlarını</a:t>
+            </a:r>
+            <a:r>
+              <a:rPr lang="en-US" dirty="0"/>
+              <a:t> </a:t>
+            </a:r>
+            <a:r>
+              <a:rPr lang="en-US" dirty="0" err="1"/>
+              <a:t>kullanabilmektedir</a:t>
+            </a:r>
+            <a:r>
+              <a:rPr lang="en-US" dirty="0"/>
+              <a:t>. </a:t>
+            </a:r>
+            <a:r>
+              <a:rPr lang="en-US" dirty="0" err="1"/>
+              <a:t>Ağ</a:t>
+            </a:r>
+            <a:r>
+              <a:rPr lang="en-US" dirty="0"/>
+              <a:t> </a:t>
+            </a:r>
+            <a:r>
+              <a:rPr lang="en-US" dirty="0" err="1"/>
+              <a:t>trafiğini</a:t>
+            </a:r>
+            <a:r>
+              <a:rPr lang="en-US" dirty="0"/>
+              <a:t> </a:t>
+            </a:r>
+            <a:r>
+              <a:rPr lang="en-US" dirty="0" err="1"/>
+              <a:t>azaltmaktadır</a:t>
+            </a:r>
+            <a:endParaRPr lang="en-US" dirty="0"/>
           </a:p>
         </p:txBody>
       </p:sp>
@@ -3954,6 +4721,2561 @@
     <p:extLst>
       <p:ext uri="{BB962C8B-B14F-4D97-AF65-F5344CB8AC3E}">
         <p14:creationId xmlns:p14="http://schemas.microsoft.com/office/powerpoint/2010/main" val="1197497730"/>
+      </p:ext>
+    </p:extLst>
+  </p:cSld>
+  <p:clrMapOvr>
+    <a:masterClrMapping/>
+  </p:clrMapOvr>
+</p:sld>
+</file>
+
+<file path=ppt/slides/slide5.xml><?xml version="1.0" encoding="utf-8"?>
+<p:sld xmlns:a="http://schemas.openxmlformats.org/drawingml/2006/main" xmlns:r="http://schemas.openxmlformats.org/officeDocument/2006/relationships" xmlns:p="http://schemas.openxmlformats.org/presentationml/2006/main">
+  <p:cSld>
+    <p:spTree>
+      <p:nvGrpSpPr>
+        <p:cNvPr id="1" name=""/>
+        <p:cNvGrpSpPr/>
+        <p:nvPr/>
+      </p:nvGrpSpPr>
+      <p:grpSpPr>
+        <a:xfrm>
+          <a:off x="0" y="0"/>
+          <a:ext cx="0" cy="0"/>
+          <a:chOff x="0" y="0"/>
+          <a:chExt cx="0" cy="0"/>
+        </a:xfrm>
+      </p:grpSpPr>
+      <p:sp>
+        <p:nvSpPr>
+          <p:cNvPr id="2" name="Title 1">
+            <a:extLst>
+              <a:ext uri="{FF2B5EF4-FFF2-40B4-BE49-F238E27FC236}">
+                <a16:creationId xmlns:a16="http://schemas.microsoft.com/office/drawing/2014/main" id="{C8735605-589B-BD56-9915-9FDE822323BB}"/>
+              </a:ext>
+            </a:extLst>
+          </p:cNvPr>
+          <p:cNvSpPr>
+            <a:spLocks noGrp="1"/>
+          </p:cNvSpPr>
+          <p:nvPr>
+            <p:ph type="title"/>
+          </p:nvPr>
+        </p:nvSpPr>
+        <p:spPr/>
+        <p:txBody>
+          <a:bodyPr/>
+          <a:lstStyle/>
+          <a:p>
+            <a:r>
+              <a:rPr lang="en-US" b="1" dirty="0">
+                <a:solidFill>
+                  <a:srgbClr val="002060"/>
+                </a:solidFill>
+              </a:rPr>
+              <a:t>Oracle </a:t>
+            </a:r>
+            <a:r>
+              <a:rPr lang="tr-TR" b="1" dirty="0">
+                <a:solidFill>
+                  <a:srgbClr val="002060"/>
+                </a:solidFill>
+              </a:rPr>
+              <a:t>Yapısı</a:t>
+            </a:r>
+            <a:endParaRPr lang="en-US" dirty="0"/>
+          </a:p>
+        </p:txBody>
+      </p:sp>
+      <p:sp>
+        <p:nvSpPr>
+          <p:cNvPr id="3" name="Content Placeholder 2">
+            <a:extLst>
+              <a:ext uri="{FF2B5EF4-FFF2-40B4-BE49-F238E27FC236}">
+                <a16:creationId xmlns:a16="http://schemas.microsoft.com/office/drawing/2014/main" id="{6DD4F4E6-9811-3877-8A51-3F5878A26BE3}"/>
+              </a:ext>
+            </a:extLst>
+          </p:cNvPr>
+          <p:cNvSpPr>
+            <a:spLocks noGrp="1"/>
+          </p:cNvSpPr>
+          <p:nvPr>
+            <p:ph idx="1"/>
+          </p:nvPr>
+        </p:nvSpPr>
+        <p:spPr/>
+        <p:txBody>
+          <a:bodyPr>
+            <a:normAutofit fontScale="92500"/>
+          </a:bodyPr>
+          <a:lstStyle/>
+          <a:p>
+            <a:pPr algn="just"/>
+            <a:r>
+              <a:rPr lang="en-US" dirty="0"/>
+              <a:t>Oracle </a:t>
+            </a:r>
+            <a:r>
+              <a:rPr lang="en-US" dirty="0" err="1"/>
+              <a:t>Veritabanı</a:t>
+            </a:r>
+            <a:r>
+              <a:rPr lang="en-US" dirty="0"/>
+              <a:t> </a:t>
+            </a:r>
+            <a:r>
+              <a:rPr lang="en-US" dirty="0" err="1"/>
+              <a:t>fiziksel</a:t>
+            </a:r>
+            <a:r>
+              <a:rPr lang="en-US" dirty="0"/>
+              <a:t>(physical) </a:t>
+            </a:r>
+            <a:r>
+              <a:rPr lang="en-US" dirty="0" err="1"/>
+              <a:t>ve</a:t>
+            </a:r>
+            <a:r>
+              <a:rPr lang="en-US" dirty="0"/>
+              <a:t> </a:t>
+            </a:r>
+            <a:r>
+              <a:rPr lang="en-US" dirty="0" err="1"/>
+              <a:t>mantıksal</a:t>
+            </a:r>
+            <a:r>
+              <a:rPr lang="en-US" dirty="0"/>
+              <a:t>(logical) </a:t>
+            </a:r>
+            <a:r>
+              <a:rPr lang="en-US" dirty="0" err="1"/>
+              <a:t>olmak</a:t>
+            </a:r>
+            <a:r>
+              <a:rPr lang="en-US" dirty="0"/>
+              <a:t> </a:t>
+            </a:r>
+            <a:r>
+              <a:rPr lang="en-US" dirty="0" err="1"/>
+              <a:t>üzere</a:t>
+            </a:r>
+            <a:r>
+              <a:rPr lang="en-US" dirty="0"/>
+              <a:t> </a:t>
+            </a:r>
+            <a:r>
+              <a:rPr lang="en-US" dirty="0" err="1"/>
+              <a:t>iki</a:t>
+            </a:r>
+            <a:r>
+              <a:rPr lang="en-US" dirty="0"/>
+              <a:t> </a:t>
+            </a:r>
+            <a:r>
+              <a:rPr lang="en-US" dirty="0" err="1"/>
+              <a:t>yapıdan</a:t>
+            </a:r>
+            <a:r>
+              <a:rPr lang="en-US" dirty="0"/>
+              <a:t> </a:t>
+            </a:r>
+            <a:r>
+              <a:rPr lang="en-US" dirty="0" err="1"/>
+              <a:t>oluşur</a:t>
+            </a:r>
+            <a:r>
+              <a:rPr lang="en-US" dirty="0"/>
+              <a:t>. </a:t>
+            </a:r>
+            <a:r>
+              <a:rPr lang="en-US" dirty="0" err="1"/>
+              <a:t>Fiziksel</a:t>
+            </a:r>
+            <a:r>
+              <a:rPr lang="en-US" dirty="0"/>
+              <a:t> </a:t>
+            </a:r>
+            <a:r>
+              <a:rPr lang="en-US" dirty="0" err="1"/>
+              <a:t>ve</a:t>
+            </a:r>
+            <a:r>
+              <a:rPr lang="en-US" dirty="0"/>
+              <a:t> </a:t>
+            </a:r>
+            <a:r>
+              <a:rPr lang="en-US" dirty="0" err="1"/>
+              <a:t>mantıksal</a:t>
+            </a:r>
+            <a:r>
+              <a:rPr lang="en-US" dirty="0"/>
+              <a:t> </a:t>
+            </a:r>
+            <a:r>
+              <a:rPr lang="en-US" dirty="0" err="1"/>
+              <a:t>yapı</a:t>
+            </a:r>
+            <a:r>
+              <a:rPr lang="en-US" dirty="0"/>
+              <a:t> </a:t>
+            </a:r>
+            <a:r>
+              <a:rPr lang="en-US" dirty="0" err="1"/>
+              <a:t>birbirinden</a:t>
+            </a:r>
+            <a:r>
+              <a:rPr lang="en-US" dirty="0"/>
+              <a:t> </a:t>
+            </a:r>
+            <a:r>
+              <a:rPr lang="en-US" dirty="0" err="1"/>
+              <a:t>ayrı</a:t>
+            </a:r>
+            <a:r>
+              <a:rPr lang="en-US" dirty="0"/>
+              <a:t> </a:t>
+            </a:r>
+            <a:r>
+              <a:rPr lang="en-US" dirty="0" err="1"/>
+              <a:t>olduğu</a:t>
+            </a:r>
+            <a:r>
+              <a:rPr lang="en-US" dirty="0"/>
+              <a:t> </a:t>
+            </a:r>
+            <a:r>
+              <a:rPr lang="en-US" dirty="0" err="1"/>
+              <a:t>için</a:t>
+            </a:r>
+            <a:r>
+              <a:rPr lang="en-US" dirty="0"/>
+              <a:t> </a:t>
+            </a:r>
+            <a:r>
+              <a:rPr lang="en-US" dirty="0" err="1"/>
+              <a:t>verinin</a:t>
+            </a:r>
+            <a:r>
+              <a:rPr lang="en-US" dirty="0"/>
+              <a:t> </a:t>
+            </a:r>
+            <a:r>
+              <a:rPr lang="en-US" dirty="0" err="1"/>
+              <a:t>fiziksel</a:t>
+            </a:r>
+            <a:r>
+              <a:rPr lang="en-US" dirty="0"/>
+              <a:t> </a:t>
+            </a:r>
+            <a:r>
+              <a:rPr lang="en-US" dirty="0" err="1"/>
+              <a:t>olarak</a:t>
+            </a:r>
+            <a:r>
+              <a:rPr lang="en-US" dirty="0"/>
+              <a:t> </a:t>
+            </a:r>
+            <a:r>
+              <a:rPr lang="en-US" dirty="0" err="1"/>
+              <a:t>saklanma</a:t>
+            </a:r>
+            <a:r>
+              <a:rPr lang="en-US" dirty="0"/>
+              <a:t> </a:t>
+            </a:r>
+            <a:r>
+              <a:rPr lang="en-US" dirty="0" err="1"/>
+              <a:t>şekli</a:t>
+            </a:r>
+            <a:r>
+              <a:rPr lang="en-US" dirty="0"/>
+              <a:t> </a:t>
+            </a:r>
+            <a:r>
+              <a:rPr lang="en-US" dirty="0" err="1"/>
+              <a:t>mantıksal</a:t>
+            </a:r>
+            <a:r>
+              <a:rPr lang="en-US" dirty="0"/>
+              <a:t> </a:t>
+            </a:r>
+            <a:r>
+              <a:rPr lang="en-US" dirty="0" err="1"/>
+              <a:t>yapıya</a:t>
+            </a:r>
+            <a:r>
+              <a:rPr lang="en-US" dirty="0"/>
+              <a:t> </a:t>
+            </a:r>
+            <a:r>
+              <a:rPr lang="en-US" dirty="0" err="1"/>
+              <a:t>erişimi</a:t>
+            </a:r>
+            <a:r>
+              <a:rPr lang="en-US" dirty="0"/>
+              <a:t> </a:t>
+            </a:r>
+            <a:r>
+              <a:rPr lang="en-US" dirty="0" err="1"/>
+              <a:t>etkilemez</a:t>
+            </a:r>
+            <a:r>
+              <a:rPr lang="en-US" dirty="0"/>
+              <a:t>.</a:t>
+            </a:r>
+            <a:endParaRPr lang="tr-TR" dirty="0"/>
+          </a:p>
+          <a:p>
+            <a:pPr algn="just"/>
+            <a:r>
+              <a:rPr lang="en-US" dirty="0" err="1"/>
+              <a:t>Fiziksel</a:t>
+            </a:r>
+            <a:r>
+              <a:rPr lang="en-US" dirty="0"/>
+              <a:t> </a:t>
+            </a:r>
+            <a:r>
+              <a:rPr lang="en-US" dirty="0" err="1"/>
+              <a:t>bölüm</a:t>
+            </a:r>
+            <a:r>
+              <a:rPr lang="en-US" dirty="0"/>
+              <a:t>, </a:t>
+            </a:r>
+            <a:r>
+              <a:rPr lang="en-US" dirty="0" err="1"/>
+              <a:t>işletim</a:t>
+            </a:r>
+            <a:r>
+              <a:rPr lang="en-US" dirty="0"/>
+              <a:t> </a:t>
+            </a:r>
+            <a:r>
+              <a:rPr lang="en-US" dirty="0" err="1"/>
+              <a:t>sistemi</a:t>
+            </a:r>
+            <a:r>
+              <a:rPr lang="en-US" dirty="0"/>
+              <a:t> </a:t>
+            </a:r>
+            <a:r>
+              <a:rPr lang="en-US" dirty="0" err="1"/>
+              <a:t>tarafından</a:t>
+            </a:r>
+            <a:r>
+              <a:rPr lang="en-US" dirty="0"/>
+              <a:t> </a:t>
+            </a:r>
+            <a:r>
+              <a:rPr lang="en-US" dirty="0" err="1"/>
+              <a:t>görülen</a:t>
+            </a:r>
+            <a:r>
+              <a:rPr lang="en-US" dirty="0"/>
+              <a:t> </a:t>
+            </a:r>
+            <a:r>
+              <a:rPr lang="en-US" dirty="0" err="1"/>
+              <a:t>bölümlerden</a:t>
+            </a:r>
+            <a:r>
+              <a:rPr lang="en-US" dirty="0"/>
+              <a:t> </a:t>
+            </a:r>
+            <a:r>
+              <a:rPr lang="en-US" dirty="0" err="1"/>
+              <a:t>oluşmaktadır</a:t>
+            </a:r>
+            <a:r>
+              <a:rPr lang="en-US" dirty="0"/>
+              <a:t>. Data File (Veri </a:t>
+            </a:r>
+            <a:r>
+              <a:rPr lang="en-US" dirty="0" err="1"/>
+              <a:t>Dosyası</a:t>
+            </a:r>
+            <a:r>
+              <a:rPr lang="en-US" dirty="0"/>
+              <a:t>)</a:t>
+            </a:r>
+            <a:r>
+              <a:rPr lang="tr-TR" dirty="0"/>
+              <a:t>, </a:t>
+            </a:r>
+            <a:r>
+              <a:rPr lang="en-US" dirty="0"/>
+              <a:t>Control File (</a:t>
+            </a:r>
+            <a:r>
+              <a:rPr lang="en-US" dirty="0" err="1"/>
+              <a:t>Kontrol</a:t>
+            </a:r>
+            <a:r>
+              <a:rPr lang="en-US" dirty="0"/>
+              <a:t> </a:t>
+            </a:r>
+            <a:r>
+              <a:rPr lang="en-US" dirty="0" err="1"/>
+              <a:t>Dosyası</a:t>
+            </a:r>
+            <a:r>
+              <a:rPr lang="en-US" dirty="0"/>
+              <a:t>)</a:t>
+            </a:r>
+            <a:r>
+              <a:rPr lang="tr-TR" dirty="0"/>
+              <a:t>, </a:t>
+            </a:r>
+            <a:r>
+              <a:rPr lang="en-US" dirty="0"/>
+              <a:t>Redo Log File (Log </a:t>
+            </a:r>
+            <a:r>
+              <a:rPr lang="en-US" dirty="0" err="1"/>
+              <a:t>Dosyası</a:t>
+            </a:r>
+            <a:r>
+              <a:rPr lang="en-US" dirty="0"/>
+              <a:t>)'</a:t>
+            </a:r>
+            <a:r>
+              <a:rPr lang="en-US" dirty="0" err="1"/>
+              <a:t>dır</a:t>
+            </a:r>
+            <a:r>
+              <a:rPr lang="en-US" dirty="0"/>
+              <a:t>.</a:t>
+            </a:r>
+            <a:endParaRPr lang="tr-TR" dirty="0"/>
+          </a:p>
+          <a:p>
+            <a:pPr algn="just"/>
+            <a:r>
+              <a:rPr lang="en-US" dirty="0" err="1"/>
+              <a:t>Mantıksal</a:t>
+            </a:r>
+            <a:r>
+              <a:rPr lang="en-US" dirty="0"/>
+              <a:t> </a:t>
+            </a:r>
+            <a:r>
+              <a:rPr lang="en-US" dirty="0" err="1"/>
+              <a:t>Bölüm</a:t>
+            </a:r>
+            <a:r>
+              <a:rPr lang="en-US" dirty="0"/>
+              <a:t> </a:t>
+            </a:r>
+            <a:r>
+              <a:rPr lang="en-US" dirty="0" err="1"/>
+              <a:t>ise</a:t>
+            </a:r>
+            <a:r>
+              <a:rPr lang="en-US" dirty="0"/>
+              <a:t>, Tablo </a:t>
+            </a:r>
+            <a:r>
+              <a:rPr lang="en-US" dirty="0" err="1"/>
+              <a:t>uzayı</a:t>
+            </a:r>
+            <a:r>
+              <a:rPr lang="en-US" dirty="0"/>
+              <a:t> (Tablespace)</a:t>
+            </a:r>
+            <a:r>
+              <a:rPr lang="tr-TR" dirty="0"/>
+              <a:t>, </a:t>
+            </a:r>
+            <a:r>
+              <a:rPr lang="en-US" dirty="0" err="1"/>
+              <a:t>Tablolar</a:t>
+            </a:r>
+            <a:r>
+              <a:rPr lang="en-US" dirty="0"/>
+              <a:t> (Table)</a:t>
+            </a:r>
+            <a:r>
+              <a:rPr lang="tr-TR" dirty="0"/>
+              <a:t>, </a:t>
+            </a:r>
+            <a:r>
+              <a:rPr lang="en-US" dirty="0" err="1"/>
+              <a:t>Görüntüler</a:t>
+            </a:r>
+            <a:r>
+              <a:rPr lang="en-US" dirty="0"/>
+              <a:t> (View)</a:t>
+            </a:r>
+            <a:r>
+              <a:rPr lang="tr-TR" dirty="0"/>
+              <a:t>, </a:t>
+            </a:r>
+            <a:r>
+              <a:rPr lang="en-US" dirty="0" err="1"/>
+              <a:t>Sıralar</a:t>
+            </a:r>
+            <a:r>
+              <a:rPr lang="en-US" dirty="0"/>
+              <a:t> (sequence), </a:t>
+            </a:r>
+            <a:r>
+              <a:rPr lang="en-US" dirty="0" err="1"/>
+              <a:t>Eşanlamlar</a:t>
+            </a:r>
+            <a:r>
+              <a:rPr lang="en-US" dirty="0"/>
+              <a:t> (synonym), </a:t>
+            </a:r>
+            <a:r>
+              <a:rPr lang="en-US" dirty="0" err="1"/>
+              <a:t>İndeksler</a:t>
+            </a:r>
+            <a:r>
+              <a:rPr lang="en-US" dirty="0"/>
+              <a:t> (index),</a:t>
+            </a:r>
+            <a:r>
+              <a:rPr lang="tr-TR" dirty="0"/>
+              <a:t> </a:t>
+            </a:r>
+            <a:r>
+              <a:rPr lang="en-US" dirty="0" err="1"/>
+              <a:t>Kümeler</a:t>
+            </a:r>
+            <a:r>
+              <a:rPr lang="en-US" dirty="0"/>
+              <a:t> (cluster),</a:t>
+            </a:r>
+            <a:r>
+              <a:rPr lang="tr-TR" dirty="0"/>
+              <a:t> </a:t>
+            </a:r>
+            <a:r>
+              <a:rPr lang="en-US" dirty="0" err="1"/>
+              <a:t>Veritabanı</a:t>
+            </a:r>
+            <a:r>
+              <a:rPr lang="en-US" dirty="0"/>
+              <a:t> </a:t>
+            </a:r>
+            <a:r>
+              <a:rPr lang="en-US" dirty="0" err="1"/>
+              <a:t>bağlantıları</a:t>
+            </a:r>
+            <a:r>
+              <a:rPr lang="en-US" dirty="0"/>
+              <a:t> (database link),</a:t>
+            </a:r>
+            <a:r>
+              <a:rPr lang="tr-TR" dirty="0"/>
+              <a:t> </a:t>
+            </a:r>
+            <a:r>
+              <a:rPr lang="en-US" dirty="0" err="1"/>
+              <a:t>Prosedürler</a:t>
+            </a:r>
+            <a:r>
+              <a:rPr lang="en-US" dirty="0"/>
+              <a:t> (procedure),</a:t>
+            </a:r>
+            <a:r>
+              <a:rPr lang="tr-TR" dirty="0"/>
+              <a:t> </a:t>
+            </a:r>
+            <a:r>
+              <a:rPr lang="en-US" dirty="0" err="1"/>
+              <a:t>Fonksiyonlar</a:t>
+            </a:r>
+            <a:r>
+              <a:rPr lang="en-US" dirty="0"/>
+              <a:t> (function),</a:t>
+            </a:r>
+            <a:r>
+              <a:rPr lang="tr-TR" dirty="0"/>
+              <a:t> </a:t>
+            </a:r>
+            <a:r>
+              <a:rPr lang="en-US" dirty="0" err="1"/>
+              <a:t>Paketlerden</a:t>
+            </a:r>
+            <a:r>
+              <a:rPr lang="en-US" dirty="0"/>
+              <a:t> (package) </a:t>
+            </a:r>
+            <a:r>
+              <a:rPr lang="en-US" dirty="0" err="1"/>
+              <a:t>oluşan</a:t>
+            </a:r>
+            <a:r>
+              <a:rPr lang="en-US" dirty="0"/>
+              <a:t> </a:t>
+            </a:r>
+            <a:r>
+              <a:rPr lang="en-US" dirty="0" err="1"/>
+              <a:t>şema</a:t>
+            </a:r>
+            <a:r>
+              <a:rPr lang="en-US" dirty="0"/>
+              <a:t> </a:t>
+            </a:r>
+            <a:r>
+              <a:rPr lang="en-US" dirty="0" err="1"/>
+              <a:t>nesnelerinden</a:t>
+            </a:r>
+            <a:r>
+              <a:rPr lang="en-US" dirty="0"/>
+              <a:t> </a:t>
+            </a:r>
+            <a:r>
+              <a:rPr lang="en-US" dirty="0" err="1"/>
+              <a:t>oluşmaktadır</a:t>
+            </a:r>
+            <a:r>
+              <a:rPr lang="en-US" dirty="0"/>
+              <a:t>.</a:t>
+            </a:r>
+          </a:p>
+        </p:txBody>
+      </p:sp>
+    </p:spTree>
+    <p:extLst>
+      <p:ext uri="{BB962C8B-B14F-4D97-AF65-F5344CB8AC3E}">
+        <p14:creationId xmlns:p14="http://schemas.microsoft.com/office/powerpoint/2010/main" val="3174768369"/>
+      </p:ext>
+    </p:extLst>
+  </p:cSld>
+  <p:clrMapOvr>
+    <a:masterClrMapping/>
+  </p:clrMapOvr>
+</p:sld>
+</file>
+
+<file path=ppt/slides/slide6.xml><?xml version="1.0" encoding="utf-8"?>
+<p:sld xmlns:a="http://schemas.openxmlformats.org/drawingml/2006/main" xmlns:r="http://schemas.openxmlformats.org/officeDocument/2006/relationships" xmlns:p="http://schemas.openxmlformats.org/presentationml/2006/main">
+  <p:cSld>
+    <p:spTree>
+      <p:nvGrpSpPr>
+        <p:cNvPr id="1" name=""/>
+        <p:cNvGrpSpPr/>
+        <p:nvPr/>
+      </p:nvGrpSpPr>
+      <p:grpSpPr>
+        <a:xfrm>
+          <a:off x="0" y="0"/>
+          <a:ext cx="0" cy="0"/>
+          <a:chOff x="0" y="0"/>
+          <a:chExt cx="0" cy="0"/>
+        </a:xfrm>
+      </p:grpSpPr>
+      <p:pic>
+        <p:nvPicPr>
+          <p:cNvPr id="5" name="Picture 4">
+            <a:extLst>
+              <a:ext uri="{FF2B5EF4-FFF2-40B4-BE49-F238E27FC236}">
+                <a16:creationId xmlns:a16="http://schemas.microsoft.com/office/drawing/2014/main" id="{74AD5407-5EF2-3E20-DCB1-ED905A22A73F}"/>
+              </a:ext>
+            </a:extLst>
+          </p:cNvPr>
+          <p:cNvPicPr>
+            <a:picLocks noChangeAspect="1"/>
+          </p:cNvPicPr>
+          <p:nvPr/>
+        </p:nvPicPr>
+        <p:blipFill>
+          <a:blip r:embed="rId2"/>
+          <a:stretch>
+            <a:fillRect/>
+          </a:stretch>
+        </p:blipFill>
+        <p:spPr>
+          <a:xfrm>
+            <a:off x="1597481" y="1044941"/>
+            <a:ext cx="9653968" cy="4768118"/>
+          </a:xfrm>
+          <a:prstGeom prst="rect">
+            <a:avLst/>
+          </a:prstGeom>
+        </p:spPr>
+      </p:pic>
+    </p:spTree>
+    <p:extLst>
+      <p:ext uri="{BB962C8B-B14F-4D97-AF65-F5344CB8AC3E}">
+        <p14:creationId xmlns:p14="http://schemas.microsoft.com/office/powerpoint/2010/main" val="1087832890"/>
+      </p:ext>
+    </p:extLst>
+  </p:cSld>
+  <p:clrMapOvr>
+    <a:masterClrMapping/>
+  </p:clrMapOvr>
+</p:sld>
+</file>
+
+<file path=ppt/slides/slide7.xml><?xml version="1.0" encoding="utf-8"?>
+<p:sld xmlns:a="http://schemas.openxmlformats.org/drawingml/2006/main" xmlns:r="http://schemas.openxmlformats.org/officeDocument/2006/relationships" xmlns:p="http://schemas.openxmlformats.org/presentationml/2006/main">
+  <p:cSld>
+    <p:spTree>
+      <p:nvGrpSpPr>
+        <p:cNvPr id="1" name=""/>
+        <p:cNvGrpSpPr/>
+        <p:nvPr/>
+      </p:nvGrpSpPr>
+      <p:grpSpPr>
+        <a:xfrm>
+          <a:off x="0" y="0"/>
+          <a:ext cx="0" cy="0"/>
+          <a:chOff x="0" y="0"/>
+          <a:chExt cx="0" cy="0"/>
+        </a:xfrm>
+      </p:grpSpPr>
+      <p:sp>
+        <p:nvSpPr>
+          <p:cNvPr id="2" name="Title 1">
+            <a:extLst>
+              <a:ext uri="{FF2B5EF4-FFF2-40B4-BE49-F238E27FC236}">
+                <a16:creationId xmlns:a16="http://schemas.microsoft.com/office/drawing/2014/main" id="{CAECEDAB-F0D5-E131-B40B-2DA331EE1DC3}"/>
+              </a:ext>
+            </a:extLst>
+          </p:cNvPr>
+          <p:cNvSpPr>
+            <a:spLocks noGrp="1"/>
+          </p:cNvSpPr>
+          <p:nvPr>
+            <p:ph type="title"/>
+          </p:nvPr>
+        </p:nvSpPr>
+        <p:spPr/>
+        <p:txBody>
+          <a:bodyPr/>
+          <a:lstStyle/>
+          <a:p>
+            <a:r>
+              <a:rPr lang="en-US" b="1" dirty="0">
+                <a:solidFill>
+                  <a:srgbClr val="002060"/>
+                </a:solidFill>
+              </a:rPr>
+              <a:t>ORACLE </a:t>
+            </a:r>
+            <a:r>
+              <a:rPr lang="en-US" b="1" dirty="0" err="1">
+                <a:solidFill>
+                  <a:srgbClr val="002060"/>
+                </a:solidFill>
+              </a:rPr>
+              <a:t>Veritabanı</a:t>
+            </a:r>
+            <a:r>
+              <a:rPr lang="en-US" b="1" dirty="0">
+                <a:solidFill>
+                  <a:srgbClr val="002060"/>
+                </a:solidFill>
+              </a:rPr>
+              <a:t> </a:t>
+            </a:r>
+            <a:r>
+              <a:rPr lang="en-US" b="1" dirty="0" err="1">
+                <a:solidFill>
+                  <a:srgbClr val="002060"/>
+                </a:solidFill>
+              </a:rPr>
+              <a:t>Hafıza</a:t>
+            </a:r>
+            <a:r>
+              <a:rPr lang="en-US" b="1" dirty="0">
+                <a:solidFill>
+                  <a:srgbClr val="002060"/>
+                </a:solidFill>
+              </a:rPr>
+              <a:t> </a:t>
+            </a:r>
+            <a:r>
+              <a:rPr lang="en-US" b="1" dirty="0" err="1">
+                <a:solidFill>
+                  <a:srgbClr val="002060"/>
+                </a:solidFill>
+              </a:rPr>
+              <a:t>Yapısı</a:t>
+            </a:r>
+            <a:endParaRPr lang="en-US" b="1" dirty="0">
+              <a:solidFill>
+                <a:srgbClr val="002060"/>
+              </a:solidFill>
+            </a:endParaRPr>
+          </a:p>
+        </p:txBody>
+      </p:sp>
+      <p:sp>
+        <p:nvSpPr>
+          <p:cNvPr id="3" name="Content Placeholder 2">
+            <a:extLst>
+              <a:ext uri="{FF2B5EF4-FFF2-40B4-BE49-F238E27FC236}">
+                <a16:creationId xmlns:a16="http://schemas.microsoft.com/office/drawing/2014/main" id="{8365A072-ADDF-BB5F-E001-6C2A93C8E894}"/>
+              </a:ext>
+            </a:extLst>
+          </p:cNvPr>
+          <p:cNvSpPr>
+            <a:spLocks noGrp="1"/>
+          </p:cNvSpPr>
+          <p:nvPr>
+            <p:ph idx="1"/>
+          </p:nvPr>
+        </p:nvSpPr>
+        <p:spPr/>
+        <p:txBody>
+          <a:bodyPr/>
+          <a:lstStyle/>
+          <a:p>
+            <a:pPr algn="just"/>
+            <a:r>
+              <a:rPr lang="en-US" dirty="0" err="1">
+                <a:solidFill>
+                  <a:srgbClr val="002060"/>
+                </a:solidFill>
+              </a:rPr>
+              <a:t>Oracle'da</a:t>
+            </a:r>
+            <a:r>
+              <a:rPr lang="en-US" dirty="0">
+                <a:solidFill>
+                  <a:srgbClr val="002060"/>
+                </a:solidFill>
+              </a:rPr>
+              <a:t> 2 </a:t>
+            </a:r>
+            <a:r>
+              <a:rPr lang="en-US" dirty="0" err="1">
+                <a:solidFill>
+                  <a:srgbClr val="002060"/>
+                </a:solidFill>
+              </a:rPr>
+              <a:t>tane</a:t>
+            </a:r>
+            <a:r>
+              <a:rPr lang="en-US" dirty="0">
+                <a:solidFill>
+                  <a:srgbClr val="002060"/>
+                </a:solidFill>
+              </a:rPr>
+              <a:t> </a:t>
+            </a:r>
+            <a:r>
+              <a:rPr lang="en-US" dirty="0" err="1">
+                <a:solidFill>
+                  <a:srgbClr val="002060"/>
+                </a:solidFill>
+              </a:rPr>
+              <a:t>hafıza</a:t>
+            </a:r>
+            <a:r>
+              <a:rPr lang="en-US" dirty="0">
+                <a:solidFill>
+                  <a:srgbClr val="002060"/>
+                </a:solidFill>
+              </a:rPr>
+              <a:t> </a:t>
+            </a:r>
+            <a:r>
+              <a:rPr lang="en-US" dirty="0" err="1">
+                <a:solidFill>
+                  <a:srgbClr val="002060"/>
+                </a:solidFill>
+              </a:rPr>
+              <a:t>yapısı</a:t>
+            </a:r>
+            <a:r>
+              <a:rPr lang="en-US" dirty="0">
+                <a:solidFill>
+                  <a:srgbClr val="002060"/>
+                </a:solidFill>
+              </a:rPr>
+              <a:t> </a:t>
+            </a:r>
+            <a:r>
+              <a:rPr lang="en-US" dirty="0" err="1">
+                <a:solidFill>
+                  <a:srgbClr val="002060"/>
+                </a:solidFill>
+              </a:rPr>
+              <a:t>mevcuttur</a:t>
+            </a:r>
+            <a:r>
+              <a:rPr lang="en-US" dirty="0">
+                <a:solidFill>
+                  <a:srgbClr val="002060"/>
+                </a:solidFill>
+              </a:rPr>
+              <a:t>. </a:t>
+            </a:r>
+            <a:r>
+              <a:rPr lang="en-US" dirty="0" err="1">
+                <a:solidFill>
+                  <a:srgbClr val="002060"/>
+                </a:solidFill>
+              </a:rPr>
+              <a:t>Bunlar</a:t>
+            </a:r>
+            <a:r>
+              <a:rPr lang="en-US" dirty="0">
+                <a:solidFill>
+                  <a:srgbClr val="002060"/>
+                </a:solidFill>
+              </a:rPr>
+              <a:t> da PGA(Program Global Area) </a:t>
+            </a:r>
+            <a:r>
+              <a:rPr lang="en-US" dirty="0" err="1">
+                <a:solidFill>
+                  <a:srgbClr val="002060"/>
+                </a:solidFill>
+              </a:rPr>
+              <a:t>ve</a:t>
+            </a:r>
+            <a:r>
+              <a:rPr lang="en-US" dirty="0">
+                <a:solidFill>
+                  <a:srgbClr val="002060"/>
+                </a:solidFill>
+              </a:rPr>
+              <a:t> SGA( System Global Area)'</a:t>
+            </a:r>
+            <a:r>
+              <a:rPr lang="en-US" dirty="0" err="1">
+                <a:solidFill>
+                  <a:srgbClr val="002060"/>
+                </a:solidFill>
+              </a:rPr>
+              <a:t>dır</a:t>
+            </a:r>
+            <a:r>
+              <a:rPr lang="en-US" dirty="0">
+                <a:solidFill>
+                  <a:srgbClr val="002060"/>
+                </a:solidFill>
+              </a:rPr>
+              <a:t>.</a:t>
+            </a:r>
+            <a:endParaRPr lang="tr-TR" dirty="0">
+              <a:solidFill>
+                <a:srgbClr val="002060"/>
+              </a:solidFill>
+            </a:endParaRPr>
+          </a:p>
+          <a:p>
+            <a:pPr algn="just"/>
+            <a:r>
+              <a:rPr lang="en-US" dirty="0">
+                <a:solidFill>
+                  <a:srgbClr val="002060"/>
+                </a:solidFill>
+              </a:rPr>
+              <a:t>PGA, </a:t>
+            </a:r>
+            <a:r>
+              <a:rPr lang="en-US" dirty="0" err="1">
+                <a:solidFill>
+                  <a:srgbClr val="002060"/>
+                </a:solidFill>
+              </a:rPr>
+              <a:t>sunucu</a:t>
+            </a:r>
+            <a:r>
+              <a:rPr lang="en-US" dirty="0">
+                <a:solidFill>
+                  <a:srgbClr val="002060"/>
+                </a:solidFill>
+              </a:rPr>
+              <a:t> </a:t>
+            </a:r>
+            <a:r>
+              <a:rPr lang="en-US" dirty="0" err="1">
+                <a:solidFill>
+                  <a:srgbClr val="002060"/>
+                </a:solidFill>
+              </a:rPr>
+              <a:t>işlemleri</a:t>
+            </a:r>
+            <a:r>
+              <a:rPr lang="en-US" dirty="0">
+                <a:solidFill>
+                  <a:srgbClr val="002060"/>
+                </a:solidFill>
+              </a:rPr>
+              <a:t> </a:t>
+            </a:r>
+            <a:r>
+              <a:rPr lang="en-US" dirty="0" err="1">
+                <a:solidFill>
+                  <a:srgbClr val="002060"/>
+                </a:solidFill>
+              </a:rPr>
+              <a:t>için</a:t>
+            </a:r>
+            <a:r>
+              <a:rPr lang="en-US" dirty="0">
+                <a:solidFill>
+                  <a:srgbClr val="002060"/>
+                </a:solidFill>
+              </a:rPr>
+              <a:t> </a:t>
+            </a:r>
+            <a:r>
+              <a:rPr lang="en-US" dirty="0" err="1">
+                <a:solidFill>
+                  <a:srgbClr val="002060"/>
+                </a:solidFill>
+              </a:rPr>
+              <a:t>gereken</a:t>
+            </a:r>
+            <a:r>
+              <a:rPr lang="en-US" dirty="0">
+                <a:solidFill>
+                  <a:srgbClr val="002060"/>
+                </a:solidFill>
+              </a:rPr>
+              <a:t> </a:t>
+            </a:r>
+            <a:r>
+              <a:rPr lang="en-US" dirty="0" err="1">
+                <a:solidFill>
+                  <a:srgbClr val="002060"/>
+                </a:solidFill>
+              </a:rPr>
+              <a:t>veri</a:t>
+            </a:r>
+            <a:r>
+              <a:rPr lang="en-US" dirty="0">
+                <a:solidFill>
+                  <a:srgbClr val="002060"/>
+                </a:solidFill>
+              </a:rPr>
+              <a:t> </a:t>
+            </a:r>
+            <a:r>
+              <a:rPr lang="en-US" dirty="0" err="1">
+                <a:solidFill>
+                  <a:srgbClr val="002060"/>
+                </a:solidFill>
+              </a:rPr>
+              <a:t>ve</a:t>
+            </a:r>
+            <a:r>
+              <a:rPr lang="en-US" dirty="0">
+                <a:solidFill>
+                  <a:srgbClr val="002060"/>
+                </a:solidFill>
+              </a:rPr>
+              <a:t> </a:t>
+            </a:r>
+            <a:r>
+              <a:rPr lang="en-US" dirty="0" err="1">
+                <a:solidFill>
+                  <a:srgbClr val="002060"/>
+                </a:solidFill>
+              </a:rPr>
+              <a:t>kontrol</a:t>
+            </a:r>
+            <a:r>
+              <a:rPr lang="en-US" dirty="0">
+                <a:solidFill>
+                  <a:srgbClr val="002060"/>
+                </a:solidFill>
+              </a:rPr>
+              <a:t> </a:t>
+            </a:r>
+            <a:r>
+              <a:rPr lang="en-US" dirty="0" err="1">
+                <a:solidFill>
+                  <a:srgbClr val="002060"/>
+                </a:solidFill>
+              </a:rPr>
+              <a:t>bilgilerini</a:t>
+            </a:r>
+            <a:r>
+              <a:rPr lang="en-US" dirty="0">
+                <a:solidFill>
+                  <a:srgbClr val="002060"/>
+                </a:solidFill>
+              </a:rPr>
+              <a:t> </a:t>
+            </a:r>
+            <a:r>
+              <a:rPr lang="en-US" dirty="0" err="1">
+                <a:solidFill>
+                  <a:srgbClr val="002060"/>
+                </a:solidFill>
+              </a:rPr>
+              <a:t>tutmak</a:t>
+            </a:r>
+            <a:r>
+              <a:rPr lang="en-US" dirty="0">
+                <a:solidFill>
+                  <a:srgbClr val="002060"/>
+                </a:solidFill>
+              </a:rPr>
+              <a:t> </a:t>
+            </a:r>
+            <a:r>
+              <a:rPr lang="en-US" dirty="0" err="1">
+                <a:solidFill>
+                  <a:srgbClr val="002060"/>
+                </a:solidFill>
+              </a:rPr>
+              <a:t>için</a:t>
+            </a:r>
+            <a:r>
+              <a:rPr lang="en-US" dirty="0">
+                <a:solidFill>
+                  <a:srgbClr val="002060"/>
+                </a:solidFill>
+              </a:rPr>
+              <a:t> </a:t>
+            </a:r>
+            <a:r>
+              <a:rPr lang="en-US" dirty="0" err="1">
+                <a:solidFill>
+                  <a:srgbClr val="002060"/>
+                </a:solidFill>
+              </a:rPr>
+              <a:t>tahsis</a:t>
+            </a:r>
+            <a:r>
+              <a:rPr lang="en-US" dirty="0">
+                <a:solidFill>
+                  <a:srgbClr val="002060"/>
+                </a:solidFill>
+              </a:rPr>
+              <a:t> </a:t>
+            </a:r>
+            <a:r>
+              <a:rPr lang="en-US" dirty="0" err="1">
+                <a:solidFill>
+                  <a:srgbClr val="002060"/>
+                </a:solidFill>
+              </a:rPr>
+              <a:t>edilen</a:t>
+            </a:r>
+            <a:r>
+              <a:rPr lang="en-US" dirty="0">
+                <a:solidFill>
+                  <a:srgbClr val="002060"/>
+                </a:solidFill>
+              </a:rPr>
+              <a:t> tampon </a:t>
+            </a:r>
+            <a:r>
+              <a:rPr lang="en-US" dirty="0" err="1">
+                <a:solidFill>
+                  <a:srgbClr val="002060"/>
+                </a:solidFill>
+              </a:rPr>
+              <a:t>bellektir</a:t>
+            </a:r>
+            <a:r>
+              <a:rPr lang="en-US" dirty="0">
+                <a:solidFill>
+                  <a:srgbClr val="002060"/>
+                </a:solidFill>
+              </a:rPr>
+              <a:t>. Oracle </a:t>
+            </a:r>
+            <a:r>
+              <a:rPr lang="en-US" dirty="0" err="1">
+                <a:solidFill>
+                  <a:srgbClr val="002060"/>
+                </a:solidFill>
+              </a:rPr>
+              <a:t>tarafından</a:t>
+            </a:r>
+            <a:r>
+              <a:rPr lang="en-US" dirty="0">
+                <a:solidFill>
+                  <a:srgbClr val="002060"/>
+                </a:solidFill>
+              </a:rPr>
+              <a:t> </a:t>
+            </a:r>
+            <a:r>
+              <a:rPr lang="en-US" dirty="0" err="1">
+                <a:solidFill>
+                  <a:srgbClr val="002060"/>
+                </a:solidFill>
+              </a:rPr>
+              <a:t>bir</a:t>
+            </a:r>
+            <a:r>
+              <a:rPr lang="en-US" dirty="0">
+                <a:solidFill>
+                  <a:srgbClr val="002060"/>
+                </a:solidFill>
+              </a:rPr>
+              <a:t> </a:t>
+            </a:r>
+            <a:r>
+              <a:rPr lang="en-US" dirty="0" err="1">
+                <a:solidFill>
+                  <a:srgbClr val="002060"/>
+                </a:solidFill>
+              </a:rPr>
+              <a:t>sunucu</a:t>
+            </a:r>
+            <a:r>
+              <a:rPr lang="en-US" dirty="0">
+                <a:solidFill>
+                  <a:srgbClr val="002060"/>
+                </a:solidFill>
+              </a:rPr>
+              <a:t> </a:t>
+            </a:r>
+            <a:r>
+              <a:rPr lang="en-US" dirty="0" err="1">
+                <a:solidFill>
+                  <a:srgbClr val="002060"/>
+                </a:solidFill>
+              </a:rPr>
+              <a:t>işlemi</a:t>
+            </a:r>
+            <a:r>
+              <a:rPr lang="en-US" dirty="0">
+                <a:solidFill>
+                  <a:srgbClr val="002060"/>
+                </a:solidFill>
+              </a:rPr>
+              <a:t> </a:t>
+            </a:r>
+            <a:r>
+              <a:rPr lang="en-US" dirty="0" err="1">
+                <a:solidFill>
+                  <a:srgbClr val="002060"/>
+                </a:solidFill>
+              </a:rPr>
+              <a:t>başladığında</a:t>
+            </a:r>
+            <a:r>
+              <a:rPr lang="en-US" dirty="0">
+                <a:solidFill>
+                  <a:srgbClr val="002060"/>
+                </a:solidFill>
+              </a:rPr>
+              <a:t> </a:t>
+            </a:r>
+            <a:r>
+              <a:rPr lang="en-US" dirty="0" err="1">
+                <a:solidFill>
+                  <a:srgbClr val="002060"/>
+                </a:solidFill>
+              </a:rPr>
+              <a:t>otomatik</a:t>
+            </a:r>
+            <a:r>
+              <a:rPr lang="en-US" dirty="0">
+                <a:solidFill>
+                  <a:srgbClr val="002060"/>
+                </a:solidFill>
+              </a:rPr>
+              <a:t> </a:t>
+            </a:r>
+            <a:r>
+              <a:rPr lang="en-US" dirty="0" err="1">
+                <a:solidFill>
+                  <a:srgbClr val="002060"/>
+                </a:solidFill>
+              </a:rPr>
+              <a:t>olarak</a:t>
+            </a:r>
+            <a:r>
+              <a:rPr lang="en-US" dirty="0">
+                <a:solidFill>
+                  <a:srgbClr val="002060"/>
+                </a:solidFill>
+              </a:rPr>
+              <a:t> </a:t>
+            </a:r>
+            <a:r>
+              <a:rPr lang="en-US" dirty="0" err="1">
+                <a:solidFill>
+                  <a:srgbClr val="002060"/>
+                </a:solidFill>
+              </a:rPr>
+              <a:t>tahsis</a:t>
+            </a:r>
+            <a:r>
+              <a:rPr lang="en-US" dirty="0">
+                <a:solidFill>
+                  <a:srgbClr val="002060"/>
+                </a:solidFill>
+              </a:rPr>
+              <a:t> </a:t>
+            </a:r>
+            <a:r>
+              <a:rPr lang="en-US" dirty="0" err="1">
+                <a:solidFill>
+                  <a:srgbClr val="002060"/>
+                </a:solidFill>
+              </a:rPr>
+              <a:t>edilir</a:t>
+            </a:r>
+            <a:r>
+              <a:rPr lang="en-US" dirty="0">
+                <a:solidFill>
+                  <a:srgbClr val="002060"/>
+                </a:solidFill>
+              </a:rPr>
+              <a:t>. </a:t>
+            </a:r>
+            <a:r>
+              <a:rPr lang="en-US" dirty="0" err="1">
+                <a:solidFill>
+                  <a:srgbClr val="002060"/>
+                </a:solidFill>
+              </a:rPr>
+              <a:t>İçinde</a:t>
+            </a:r>
+            <a:r>
+              <a:rPr lang="en-US" dirty="0">
+                <a:solidFill>
+                  <a:srgbClr val="002060"/>
+                </a:solidFill>
+              </a:rPr>
+              <a:t> </a:t>
+            </a:r>
+            <a:r>
+              <a:rPr lang="en-US" dirty="0" err="1">
+                <a:solidFill>
+                  <a:srgbClr val="002060"/>
+                </a:solidFill>
+              </a:rPr>
+              <a:t>tutulacak</a:t>
+            </a:r>
+            <a:r>
+              <a:rPr lang="en-US" dirty="0">
+                <a:solidFill>
+                  <a:srgbClr val="002060"/>
+                </a:solidFill>
+              </a:rPr>
+              <a:t> </a:t>
+            </a:r>
+            <a:r>
+              <a:rPr lang="en-US" dirty="0" err="1">
+                <a:solidFill>
+                  <a:srgbClr val="002060"/>
+                </a:solidFill>
+              </a:rPr>
+              <a:t>bilgi</a:t>
+            </a:r>
+            <a:r>
+              <a:rPr lang="en-US" dirty="0">
+                <a:solidFill>
+                  <a:srgbClr val="002060"/>
+                </a:solidFill>
+              </a:rPr>
+              <a:t> oracle </a:t>
+            </a:r>
+            <a:r>
+              <a:rPr lang="en-US" dirty="0" err="1">
+                <a:solidFill>
+                  <a:srgbClr val="002060"/>
+                </a:solidFill>
+              </a:rPr>
+              <a:t>konfigürasyonuna</a:t>
+            </a:r>
+            <a:r>
+              <a:rPr lang="en-US" dirty="0">
+                <a:solidFill>
+                  <a:srgbClr val="002060"/>
+                </a:solidFill>
+              </a:rPr>
+              <a:t> </a:t>
+            </a:r>
+            <a:r>
+              <a:rPr lang="en-US" dirty="0" err="1">
+                <a:solidFill>
+                  <a:srgbClr val="002060"/>
+                </a:solidFill>
+              </a:rPr>
+              <a:t>bağlıdır</a:t>
+            </a:r>
+            <a:r>
+              <a:rPr lang="en-US" dirty="0">
+                <a:solidFill>
+                  <a:srgbClr val="002060"/>
+                </a:solidFill>
+              </a:rPr>
+              <a:t>. SGA, </a:t>
+            </a:r>
+            <a:r>
+              <a:rPr lang="en-US" dirty="0" err="1">
+                <a:solidFill>
+                  <a:srgbClr val="002060"/>
+                </a:solidFill>
+              </a:rPr>
+              <a:t>Hafızanın</a:t>
+            </a:r>
+            <a:r>
+              <a:rPr lang="en-US" dirty="0">
+                <a:solidFill>
+                  <a:srgbClr val="002060"/>
+                </a:solidFill>
+              </a:rPr>
+              <a:t> </a:t>
+            </a:r>
+            <a:r>
+              <a:rPr lang="en-US" dirty="0" err="1">
+                <a:solidFill>
+                  <a:srgbClr val="002060"/>
+                </a:solidFill>
+              </a:rPr>
+              <a:t>veritabanı</a:t>
+            </a:r>
+            <a:r>
+              <a:rPr lang="en-US" dirty="0">
+                <a:solidFill>
+                  <a:srgbClr val="002060"/>
+                </a:solidFill>
+              </a:rPr>
+              <a:t> </a:t>
+            </a:r>
+            <a:r>
+              <a:rPr lang="en-US" dirty="0" err="1">
+                <a:solidFill>
+                  <a:srgbClr val="002060"/>
+                </a:solidFill>
+              </a:rPr>
+              <a:t>instance'ı</a:t>
+            </a:r>
+            <a:r>
+              <a:rPr lang="en-US" dirty="0">
+                <a:solidFill>
+                  <a:srgbClr val="002060"/>
+                </a:solidFill>
+              </a:rPr>
+              <a:t> </a:t>
+            </a:r>
+            <a:r>
+              <a:rPr lang="en-US" dirty="0" err="1">
+                <a:solidFill>
+                  <a:srgbClr val="002060"/>
+                </a:solidFill>
+              </a:rPr>
+              <a:t>ile</a:t>
+            </a:r>
+            <a:r>
+              <a:rPr lang="en-US" dirty="0">
+                <a:solidFill>
+                  <a:srgbClr val="002060"/>
+                </a:solidFill>
+              </a:rPr>
+              <a:t> </a:t>
+            </a:r>
+            <a:r>
+              <a:rPr lang="en-US" dirty="0" err="1">
+                <a:solidFill>
+                  <a:srgbClr val="002060"/>
+                </a:solidFill>
+              </a:rPr>
+              <a:t>ilgili</a:t>
+            </a:r>
+            <a:r>
+              <a:rPr lang="en-US" dirty="0">
+                <a:solidFill>
+                  <a:srgbClr val="002060"/>
+                </a:solidFill>
+              </a:rPr>
+              <a:t> </a:t>
+            </a:r>
+            <a:r>
+              <a:rPr lang="en-US" dirty="0" err="1">
+                <a:solidFill>
+                  <a:srgbClr val="002060"/>
+                </a:solidFill>
+              </a:rPr>
+              <a:t>veri</a:t>
+            </a:r>
+            <a:r>
+              <a:rPr lang="en-US" dirty="0">
+                <a:solidFill>
+                  <a:srgbClr val="002060"/>
+                </a:solidFill>
+              </a:rPr>
+              <a:t> </a:t>
+            </a:r>
+            <a:r>
+              <a:rPr lang="en-US" dirty="0" err="1">
+                <a:solidFill>
+                  <a:srgbClr val="002060"/>
+                </a:solidFill>
+              </a:rPr>
+              <a:t>ve</a:t>
+            </a:r>
+            <a:r>
+              <a:rPr lang="en-US" dirty="0">
+                <a:solidFill>
+                  <a:srgbClr val="002060"/>
+                </a:solidFill>
+              </a:rPr>
+              <a:t> </a:t>
+            </a:r>
+            <a:r>
+              <a:rPr lang="en-US" dirty="0" err="1">
+                <a:solidFill>
+                  <a:srgbClr val="002060"/>
+                </a:solidFill>
+              </a:rPr>
+              <a:t>kontrol</a:t>
+            </a:r>
+            <a:r>
+              <a:rPr lang="en-US" dirty="0">
+                <a:solidFill>
+                  <a:srgbClr val="002060"/>
+                </a:solidFill>
+              </a:rPr>
+              <a:t> </a:t>
+            </a:r>
+            <a:r>
+              <a:rPr lang="en-US" dirty="0" err="1">
+                <a:solidFill>
+                  <a:srgbClr val="002060"/>
+                </a:solidFill>
+              </a:rPr>
+              <a:t>bilgisinin</a:t>
+            </a:r>
+            <a:r>
+              <a:rPr lang="en-US" dirty="0">
+                <a:solidFill>
+                  <a:srgbClr val="002060"/>
+                </a:solidFill>
+              </a:rPr>
+              <a:t> </a:t>
+            </a:r>
+            <a:r>
+              <a:rPr lang="en-US" dirty="0" err="1">
+                <a:solidFill>
+                  <a:srgbClr val="002060"/>
+                </a:solidFill>
+              </a:rPr>
+              <a:t>bulunduğu</a:t>
+            </a:r>
+            <a:r>
+              <a:rPr lang="en-US" dirty="0">
+                <a:solidFill>
+                  <a:srgbClr val="002060"/>
+                </a:solidFill>
+              </a:rPr>
+              <a:t> </a:t>
+            </a:r>
+            <a:r>
+              <a:rPr lang="en-US" dirty="0" err="1">
+                <a:solidFill>
+                  <a:srgbClr val="002060"/>
+                </a:solidFill>
+              </a:rPr>
+              <a:t>yerdir</a:t>
+            </a:r>
+            <a:r>
+              <a:rPr lang="en-US" dirty="0">
+                <a:solidFill>
+                  <a:srgbClr val="002060"/>
+                </a:solidFill>
+              </a:rPr>
+              <a:t>. SGA </a:t>
+            </a:r>
+            <a:r>
+              <a:rPr lang="en-US" dirty="0" err="1">
+                <a:solidFill>
+                  <a:srgbClr val="002060"/>
+                </a:solidFill>
+              </a:rPr>
+              <a:t>tek</a:t>
+            </a:r>
+            <a:r>
+              <a:rPr lang="en-US" dirty="0">
+                <a:solidFill>
+                  <a:srgbClr val="002060"/>
+                </a:solidFill>
+              </a:rPr>
+              <a:t> </a:t>
+            </a:r>
+            <a:r>
+              <a:rPr lang="en-US" dirty="0" err="1">
+                <a:solidFill>
+                  <a:srgbClr val="002060"/>
+                </a:solidFill>
+              </a:rPr>
+              <a:t>bir</a:t>
+            </a:r>
+            <a:r>
+              <a:rPr lang="en-US" dirty="0">
+                <a:solidFill>
+                  <a:srgbClr val="002060"/>
+                </a:solidFill>
+              </a:rPr>
+              <a:t> oracle </a:t>
+            </a:r>
+            <a:r>
+              <a:rPr lang="en-US" dirty="0" err="1">
+                <a:solidFill>
+                  <a:srgbClr val="002060"/>
+                </a:solidFill>
+              </a:rPr>
+              <a:t>instance'in</a:t>
+            </a:r>
+            <a:r>
+              <a:rPr lang="en-US" dirty="0">
+                <a:solidFill>
+                  <a:srgbClr val="002060"/>
+                </a:solidFill>
+              </a:rPr>
+              <a:t> </a:t>
+            </a:r>
+            <a:r>
+              <a:rPr lang="en-US" dirty="0" err="1">
+                <a:solidFill>
+                  <a:srgbClr val="002060"/>
+                </a:solidFill>
+              </a:rPr>
+              <a:t>ihtiyaç</a:t>
+            </a:r>
+            <a:r>
+              <a:rPr lang="en-US" dirty="0">
+                <a:solidFill>
+                  <a:srgbClr val="002060"/>
+                </a:solidFill>
+              </a:rPr>
+              <a:t> </a:t>
+            </a:r>
+            <a:r>
+              <a:rPr lang="en-US" dirty="0" err="1">
+                <a:solidFill>
+                  <a:srgbClr val="002060"/>
+                </a:solidFill>
+              </a:rPr>
+              <a:t>duyduğu</a:t>
+            </a:r>
+            <a:r>
+              <a:rPr lang="en-US" dirty="0">
+                <a:solidFill>
+                  <a:srgbClr val="002060"/>
+                </a:solidFill>
+              </a:rPr>
+              <a:t> </a:t>
+            </a:r>
+            <a:r>
+              <a:rPr lang="en-US" dirty="0" err="1">
+                <a:solidFill>
+                  <a:srgbClr val="002060"/>
+                </a:solidFill>
+              </a:rPr>
+              <a:t>veri</a:t>
+            </a:r>
+            <a:r>
+              <a:rPr lang="en-US" dirty="0">
+                <a:solidFill>
+                  <a:srgbClr val="002060"/>
+                </a:solidFill>
+              </a:rPr>
+              <a:t> </a:t>
+            </a:r>
+            <a:r>
+              <a:rPr lang="en-US" dirty="0" err="1">
+                <a:solidFill>
+                  <a:srgbClr val="002060"/>
+                </a:solidFill>
+              </a:rPr>
+              <a:t>ve</a:t>
+            </a:r>
+            <a:r>
+              <a:rPr lang="en-US" dirty="0">
+                <a:solidFill>
+                  <a:srgbClr val="002060"/>
+                </a:solidFill>
+              </a:rPr>
+              <a:t> </a:t>
+            </a:r>
+            <a:r>
+              <a:rPr lang="en-US" dirty="0" err="1">
+                <a:solidFill>
+                  <a:srgbClr val="002060"/>
+                </a:solidFill>
+              </a:rPr>
+              <a:t>kontrol</a:t>
+            </a:r>
+            <a:r>
+              <a:rPr lang="en-US" dirty="0">
+                <a:solidFill>
+                  <a:srgbClr val="002060"/>
+                </a:solidFill>
+              </a:rPr>
+              <a:t> </a:t>
+            </a:r>
+            <a:r>
+              <a:rPr lang="en-US" dirty="0" err="1">
+                <a:solidFill>
+                  <a:srgbClr val="002060"/>
+                </a:solidFill>
+              </a:rPr>
+              <a:t>bilgilerinin</a:t>
+            </a:r>
+            <a:r>
+              <a:rPr lang="en-US" dirty="0">
+                <a:solidFill>
+                  <a:srgbClr val="002060"/>
+                </a:solidFill>
+              </a:rPr>
+              <a:t> </a:t>
+            </a:r>
+            <a:r>
+              <a:rPr lang="en-US" dirty="0" err="1">
+                <a:solidFill>
+                  <a:srgbClr val="002060"/>
+                </a:solidFill>
+              </a:rPr>
+              <a:t>tutulduğu</a:t>
+            </a:r>
+            <a:r>
+              <a:rPr lang="en-US" dirty="0">
+                <a:solidFill>
+                  <a:srgbClr val="002060"/>
+                </a:solidFill>
+              </a:rPr>
+              <a:t> </a:t>
+            </a:r>
+            <a:r>
+              <a:rPr lang="en-US" dirty="0" err="1">
+                <a:solidFill>
+                  <a:srgbClr val="002060"/>
+                </a:solidFill>
+              </a:rPr>
+              <a:t>paylaşıma</a:t>
+            </a:r>
+            <a:r>
+              <a:rPr lang="en-US" dirty="0">
+                <a:solidFill>
+                  <a:srgbClr val="002060"/>
+                </a:solidFill>
+              </a:rPr>
+              <a:t> </a:t>
+            </a:r>
+            <a:r>
+              <a:rPr lang="en-US" dirty="0" err="1">
+                <a:solidFill>
+                  <a:srgbClr val="002060"/>
+                </a:solidFill>
+              </a:rPr>
+              <a:t>açık</a:t>
+            </a:r>
+            <a:r>
+              <a:rPr lang="en-US" dirty="0">
+                <a:solidFill>
+                  <a:srgbClr val="002060"/>
+                </a:solidFill>
+              </a:rPr>
+              <a:t> </a:t>
+            </a:r>
+            <a:r>
+              <a:rPr lang="en-US" dirty="0" err="1">
+                <a:solidFill>
+                  <a:srgbClr val="002060"/>
+                </a:solidFill>
+              </a:rPr>
+              <a:t>bellek</a:t>
+            </a:r>
+            <a:r>
+              <a:rPr lang="en-US" dirty="0">
+                <a:solidFill>
+                  <a:srgbClr val="002060"/>
+                </a:solidFill>
+              </a:rPr>
+              <a:t> </a:t>
+            </a:r>
+            <a:r>
+              <a:rPr lang="en-US" dirty="0" err="1">
+                <a:solidFill>
+                  <a:srgbClr val="002060"/>
+                </a:solidFill>
+              </a:rPr>
+              <a:t>alanıdır</a:t>
+            </a:r>
+            <a:r>
+              <a:rPr lang="tr-TR" dirty="0">
+                <a:solidFill>
+                  <a:srgbClr val="002060"/>
+                </a:solidFill>
+              </a:rPr>
+              <a:t>.</a:t>
+            </a:r>
+            <a:endParaRPr lang="en-US" dirty="0">
+              <a:solidFill>
+                <a:srgbClr val="002060"/>
+              </a:solidFill>
+            </a:endParaRPr>
+          </a:p>
+        </p:txBody>
+      </p:sp>
+    </p:spTree>
+    <p:extLst>
+      <p:ext uri="{BB962C8B-B14F-4D97-AF65-F5344CB8AC3E}">
+        <p14:creationId xmlns:p14="http://schemas.microsoft.com/office/powerpoint/2010/main" val="3462228543"/>
+      </p:ext>
+    </p:extLst>
+  </p:cSld>
+  <p:clrMapOvr>
+    <a:masterClrMapping/>
+  </p:clrMapOvr>
+</p:sld>
+</file>
+
+<file path=ppt/slides/slide8.xml><?xml version="1.0" encoding="utf-8"?>
+<p:sld xmlns:a="http://schemas.openxmlformats.org/drawingml/2006/main" xmlns:r="http://schemas.openxmlformats.org/officeDocument/2006/relationships" xmlns:p="http://schemas.openxmlformats.org/presentationml/2006/main">
+  <p:cSld>
+    <p:spTree>
+      <p:nvGrpSpPr>
+        <p:cNvPr id="1" name=""/>
+        <p:cNvGrpSpPr/>
+        <p:nvPr/>
+      </p:nvGrpSpPr>
+      <p:grpSpPr>
+        <a:xfrm>
+          <a:off x="0" y="0"/>
+          <a:ext cx="0" cy="0"/>
+          <a:chOff x="0" y="0"/>
+          <a:chExt cx="0" cy="0"/>
+        </a:xfrm>
+      </p:grpSpPr>
+      <p:sp>
+        <p:nvSpPr>
+          <p:cNvPr id="3" name="Content Placeholder 2">
+            <a:extLst>
+              <a:ext uri="{FF2B5EF4-FFF2-40B4-BE49-F238E27FC236}">
+                <a16:creationId xmlns:a16="http://schemas.microsoft.com/office/drawing/2014/main" id="{5F4D9C42-F2F4-3612-29A4-42A44C231A0B}"/>
+              </a:ext>
+            </a:extLst>
+          </p:cNvPr>
+          <p:cNvSpPr>
+            <a:spLocks noGrp="1"/>
+          </p:cNvSpPr>
+          <p:nvPr>
+            <p:ph idx="1"/>
+          </p:nvPr>
+        </p:nvSpPr>
+        <p:spPr>
+          <a:xfrm>
+            <a:off x="372141" y="627321"/>
+            <a:ext cx="4805916" cy="5549642"/>
+          </a:xfrm>
+        </p:spPr>
+        <p:txBody>
+          <a:bodyPr>
+            <a:normAutofit/>
+          </a:bodyPr>
+          <a:lstStyle/>
+          <a:p>
+            <a:pPr algn="just"/>
+            <a:r>
+              <a:rPr lang="en-US" sz="2000" dirty="0" err="1"/>
+              <a:t>SGA’yı</a:t>
+            </a:r>
+            <a:r>
+              <a:rPr lang="en-US" sz="2000" dirty="0"/>
+              <a:t> 6 </a:t>
+            </a:r>
+            <a:r>
+              <a:rPr lang="en-US" sz="2000" dirty="0" err="1"/>
+              <a:t>bölüm</a:t>
+            </a:r>
+            <a:r>
+              <a:rPr lang="en-US" sz="2000" dirty="0"/>
+              <a:t> </a:t>
+            </a:r>
+            <a:r>
+              <a:rPr lang="en-US" sz="2000" dirty="0" err="1"/>
+              <a:t>olarak</a:t>
+            </a:r>
+            <a:r>
+              <a:rPr lang="en-US" sz="2000" dirty="0"/>
+              <a:t> </a:t>
+            </a:r>
+            <a:r>
+              <a:rPr lang="en-US" sz="2000" dirty="0" err="1"/>
+              <a:t>inceleyebiliriz</a:t>
+            </a:r>
+            <a:r>
+              <a:rPr lang="en-US" sz="2000" dirty="0"/>
+              <a:t>. </a:t>
+            </a:r>
+            <a:r>
+              <a:rPr lang="en-US" sz="2000" dirty="0" err="1"/>
+              <a:t>Bunlar</a:t>
+            </a:r>
+            <a:r>
+              <a:rPr lang="en-US" sz="2000" dirty="0"/>
+              <a:t>: </a:t>
+            </a:r>
+            <a:endParaRPr lang="tr-TR" sz="2000" dirty="0"/>
+          </a:p>
+          <a:p>
+            <a:pPr lvl="1" algn="just"/>
+            <a:r>
+              <a:rPr lang="en-US" sz="1600" dirty="0" err="1"/>
+              <a:t>Büyük</a:t>
+            </a:r>
+            <a:r>
+              <a:rPr lang="en-US" sz="1600" dirty="0"/>
+              <a:t> </a:t>
+            </a:r>
+            <a:r>
+              <a:rPr lang="en-US" sz="1600" dirty="0" err="1"/>
+              <a:t>Havuz</a:t>
+            </a:r>
+            <a:r>
+              <a:rPr lang="tr-TR" sz="1600" dirty="0"/>
+              <a:t> </a:t>
+            </a:r>
+            <a:r>
+              <a:rPr lang="en-US" sz="1600" dirty="0"/>
+              <a:t>(Large Pool)</a:t>
+            </a:r>
+            <a:endParaRPr lang="tr-TR" sz="1600" dirty="0"/>
+          </a:p>
+          <a:p>
+            <a:pPr lvl="1" algn="just"/>
+            <a:r>
+              <a:rPr lang="en-US" sz="1600" dirty="0" err="1"/>
+              <a:t>Paylaşılmış</a:t>
+            </a:r>
+            <a:r>
+              <a:rPr lang="en-US" sz="1600" dirty="0"/>
+              <a:t> </a:t>
+            </a:r>
+            <a:r>
+              <a:rPr lang="en-US" sz="1600" dirty="0" err="1"/>
+              <a:t>Havuz</a:t>
+            </a:r>
+            <a:r>
+              <a:rPr lang="tr-TR" sz="1600" dirty="0"/>
+              <a:t> </a:t>
+            </a:r>
+            <a:r>
+              <a:rPr lang="en-US" sz="1600" dirty="0"/>
+              <a:t>(Shared Pool)</a:t>
+            </a:r>
+            <a:endParaRPr lang="tr-TR" sz="1600" dirty="0"/>
+          </a:p>
+          <a:p>
+            <a:pPr lvl="1" algn="just"/>
+            <a:r>
+              <a:rPr lang="en-US" sz="1600" dirty="0"/>
+              <a:t>Geri Alma </a:t>
+            </a:r>
+            <a:r>
+              <a:rPr lang="en-US" sz="1600" dirty="0" err="1"/>
+              <a:t>Tamponları</a:t>
+            </a:r>
+            <a:r>
+              <a:rPr lang="tr-TR" sz="1600" dirty="0"/>
+              <a:t> </a:t>
+            </a:r>
+            <a:r>
+              <a:rPr lang="en-US" sz="1600" dirty="0"/>
+              <a:t>(Redo Log Buffer)</a:t>
+            </a:r>
+            <a:endParaRPr lang="tr-TR" sz="1600" dirty="0"/>
+          </a:p>
+          <a:p>
+            <a:pPr lvl="1" algn="just"/>
+            <a:r>
+              <a:rPr lang="en-US" sz="1600" dirty="0" err="1"/>
+              <a:t>Veritabanı</a:t>
+            </a:r>
+            <a:r>
+              <a:rPr lang="en-US" sz="1600" dirty="0"/>
+              <a:t> </a:t>
+            </a:r>
+            <a:r>
+              <a:rPr lang="en-US" sz="1600" dirty="0" err="1"/>
+              <a:t>Tamponları</a:t>
+            </a:r>
+            <a:r>
+              <a:rPr lang="tr-TR" sz="1600" dirty="0"/>
+              <a:t> </a:t>
+            </a:r>
+            <a:r>
+              <a:rPr lang="en-US" sz="1600" dirty="0"/>
+              <a:t>(Database Buffer Cache)</a:t>
+            </a:r>
+            <a:endParaRPr lang="tr-TR" sz="1600" dirty="0"/>
+          </a:p>
+          <a:p>
+            <a:pPr lvl="1" algn="just"/>
+            <a:r>
+              <a:rPr lang="en-US" sz="1600" dirty="0" err="1"/>
+              <a:t>İş</a:t>
+            </a:r>
+            <a:r>
+              <a:rPr lang="en-US" sz="1600" dirty="0"/>
+              <a:t> </a:t>
+            </a:r>
+            <a:r>
+              <a:rPr lang="en-US" sz="1600" dirty="0" err="1"/>
+              <a:t>Akışı</a:t>
+            </a:r>
+            <a:r>
+              <a:rPr lang="en-US" sz="1600" dirty="0"/>
+              <a:t> </a:t>
+            </a:r>
+            <a:r>
+              <a:rPr lang="en-US" sz="1600" dirty="0" err="1"/>
+              <a:t>Havuzu</a:t>
+            </a:r>
+            <a:r>
+              <a:rPr lang="tr-TR" sz="1600" dirty="0"/>
+              <a:t> </a:t>
+            </a:r>
+            <a:r>
+              <a:rPr lang="en-US" sz="1600" dirty="0"/>
+              <a:t>(Streams Pool)</a:t>
+            </a:r>
+            <a:endParaRPr lang="tr-TR" sz="1600" dirty="0"/>
+          </a:p>
+          <a:p>
+            <a:pPr lvl="1" algn="just"/>
+            <a:r>
+              <a:rPr lang="en-US" sz="1600" dirty="0"/>
+              <a:t>Java </a:t>
+            </a:r>
+            <a:r>
+              <a:rPr lang="en-US" sz="1600" dirty="0" err="1"/>
+              <a:t>Havuzu</a:t>
+            </a:r>
+            <a:r>
+              <a:rPr lang="en-US" sz="1600" dirty="0"/>
+              <a:t> (Java Pool</a:t>
+            </a:r>
+            <a:r>
+              <a:rPr lang="tr-TR" sz="1600" dirty="0"/>
+              <a:t>)</a:t>
+            </a:r>
+            <a:endParaRPr lang="en-US" sz="1600" dirty="0"/>
+          </a:p>
+        </p:txBody>
+      </p:sp>
+      <p:sp>
+        <p:nvSpPr>
+          <p:cNvPr id="4" name="Content Placeholder 2">
+            <a:extLst>
+              <a:ext uri="{FF2B5EF4-FFF2-40B4-BE49-F238E27FC236}">
+                <a16:creationId xmlns:a16="http://schemas.microsoft.com/office/drawing/2014/main" id="{388D83A4-CE72-EC31-74EF-7EFCCE665407}"/>
+              </a:ext>
+            </a:extLst>
+          </p:cNvPr>
+          <p:cNvSpPr txBox="1">
+            <a:spLocks/>
+          </p:cNvSpPr>
+          <p:nvPr/>
+        </p:nvSpPr>
+        <p:spPr>
+          <a:xfrm>
+            <a:off x="361508" y="654179"/>
+            <a:ext cx="5475767" cy="5549642"/>
+          </a:xfrm>
+          <a:prstGeom prst="rect">
+            <a:avLst/>
+          </a:prstGeom>
+        </p:spPr>
+        <p:txBody>
+          <a:bodyPr vert="horz" lIns="91440" tIns="45720" rIns="91440" bIns="45720" rtlCol="0">
+            <a:normAutofit/>
+          </a:bodyPr>
+          <a:lstStyle>
+            <a:lvl1pPr marL="228600" indent="-228600" algn="l" defTabSz="914400" rtl="0" eaLnBrk="1" latinLnBrk="0" hangingPunct="1">
+              <a:lnSpc>
+                <a:spcPct val="90000"/>
+              </a:lnSpc>
+              <a:spcBef>
+                <a:spcPts val="1000"/>
+              </a:spcBef>
+              <a:buFont typeface="Arial" panose="020B0604020202020204" pitchFamily="34" charset="0"/>
+              <a:buChar char="•"/>
+              <a:defRPr sz="2800" kern="1200">
+                <a:solidFill>
+                  <a:schemeClr val="tx1"/>
+                </a:solidFill>
+                <a:latin typeface="+mn-lt"/>
+                <a:ea typeface="+mn-ea"/>
+                <a:cs typeface="+mn-cs"/>
+              </a:defRPr>
+            </a:lvl1pPr>
+            <a:lvl2pPr marL="685800" indent="-228600" algn="l" defTabSz="914400" rtl="0" eaLnBrk="1" latinLnBrk="0" hangingPunct="1">
+              <a:lnSpc>
+                <a:spcPct val="90000"/>
+              </a:lnSpc>
+              <a:spcBef>
+                <a:spcPts val="500"/>
+              </a:spcBef>
+              <a:buFont typeface="Arial" panose="020B0604020202020204" pitchFamily="34" charset="0"/>
+              <a:buChar char="•"/>
+              <a:defRPr sz="2400" kern="1200">
+                <a:solidFill>
+                  <a:schemeClr val="tx1"/>
+                </a:solidFill>
+                <a:latin typeface="+mn-lt"/>
+                <a:ea typeface="+mn-ea"/>
+                <a:cs typeface="+mn-cs"/>
+              </a:defRPr>
+            </a:lvl2pPr>
+            <a:lvl3pPr marL="1143000" indent="-228600" algn="l" defTabSz="914400" rtl="0" eaLnBrk="1" latinLnBrk="0" hangingPunct="1">
+              <a:lnSpc>
+                <a:spcPct val="90000"/>
+              </a:lnSpc>
+              <a:spcBef>
+                <a:spcPts val="500"/>
+              </a:spcBef>
+              <a:buFont typeface="Arial" panose="020B0604020202020204" pitchFamily="34" charset="0"/>
+              <a:buChar char="•"/>
+              <a:defRPr sz="2000" kern="1200">
+                <a:solidFill>
+                  <a:schemeClr val="tx1"/>
+                </a:solidFill>
+                <a:latin typeface="+mn-lt"/>
+                <a:ea typeface="+mn-ea"/>
+                <a:cs typeface="+mn-cs"/>
+              </a:defRPr>
+            </a:lvl3pPr>
+            <a:lvl4pPr marL="1600200" indent="-228600" algn="l" defTabSz="914400" rtl="0" eaLnBrk="1" latinLnBrk="0" hangingPunct="1">
+              <a:lnSpc>
+                <a:spcPct val="90000"/>
+              </a:lnSpc>
+              <a:spcBef>
+                <a:spcPts val="500"/>
+              </a:spcBef>
+              <a:buFont typeface="Arial" panose="020B0604020202020204" pitchFamily="34" charset="0"/>
+              <a:buChar char="•"/>
+              <a:defRPr sz="1800" kern="1200">
+                <a:solidFill>
+                  <a:schemeClr val="tx1"/>
+                </a:solidFill>
+                <a:latin typeface="+mn-lt"/>
+                <a:ea typeface="+mn-ea"/>
+                <a:cs typeface="+mn-cs"/>
+              </a:defRPr>
+            </a:lvl4pPr>
+            <a:lvl5pPr marL="2057400" indent="-228600" algn="l" defTabSz="914400" rtl="0" eaLnBrk="1" latinLnBrk="0" hangingPunct="1">
+              <a:lnSpc>
+                <a:spcPct val="90000"/>
+              </a:lnSpc>
+              <a:spcBef>
+                <a:spcPts val="500"/>
+              </a:spcBef>
+              <a:buFont typeface="Arial" panose="020B0604020202020204" pitchFamily="34" charset="0"/>
+              <a:buChar char="•"/>
+              <a:defRPr sz="1800" kern="1200">
+                <a:solidFill>
+                  <a:schemeClr val="tx1"/>
+                </a:solidFill>
+                <a:latin typeface="+mn-lt"/>
+                <a:ea typeface="+mn-ea"/>
+                <a:cs typeface="+mn-cs"/>
+              </a:defRPr>
+            </a:lvl5pPr>
+            <a:lvl6pPr marL="2514600" indent="-228600" algn="l" defTabSz="914400" rtl="0" eaLnBrk="1" latinLnBrk="0" hangingPunct="1">
+              <a:lnSpc>
+                <a:spcPct val="90000"/>
+              </a:lnSpc>
+              <a:spcBef>
+                <a:spcPts val="500"/>
+              </a:spcBef>
+              <a:buFont typeface="Arial" panose="020B0604020202020204" pitchFamily="34" charset="0"/>
+              <a:buChar char="•"/>
+              <a:defRPr sz="1800" kern="1200">
+                <a:solidFill>
+                  <a:schemeClr val="tx1"/>
+                </a:solidFill>
+                <a:latin typeface="+mn-lt"/>
+                <a:ea typeface="+mn-ea"/>
+                <a:cs typeface="+mn-cs"/>
+              </a:defRPr>
+            </a:lvl6pPr>
+            <a:lvl7pPr marL="2971800" indent="-228600" algn="l" defTabSz="914400" rtl="0" eaLnBrk="1" latinLnBrk="0" hangingPunct="1">
+              <a:lnSpc>
+                <a:spcPct val="90000"/>
+              </a:lnSpc>
+              <a:spcBef>
+                <a:spcPts val="500"/>
+              </a:spcBef>
+              <a:buFont typeface="Arial" panose="020B0604020202020204" pitchFamily="34" charset="0"/>
+              <a:buChar char="•"/>
+              <a:defRPr sz="1800" kern="1200">
+                <a:solidFill>
+                  <a:schemeClr val="tx1"/>
+                </a:solidFill>
+                <a:latin typeface="+mn-lt"/>
+                <a:ea typeface="+mn-ea"/>
+                <a:cs typeface="+mn-cs"/>
+              </a:defRPr>
+            </a:lvl7pPr>
+            <a:lvl8pPr marL="3429000" indent="-228600" algn="l" defTabSz="914400" rtl="0" eaLnBrk="1" latinLnBrk="0" hangingPunct="1">
+              <a:lnSpc>
+                <a:spcPct val="90000"/>
+              </a:lnSpc>
+              <a:spcBef>
+                <a:spcPts val="500"/>
+              </a:spcBef>
+              <a:buFont typeface="Arial" panose="020B0604020202020204" pitchFamily="34" charset="0"/>
+              <a:buChar char="•"/>
+              <a:defRPr sz="1800" kern="1200">
+                <a:solidFill>
+                  <a:schemeClr val="tx1"/>
+                </a:solidFill>
+                <a:latin typeface="+mn-lt"/>
+                <a:ea typeface="+mn-ea"/>
+                <a:cs typeface="+mn-cs"/>
+              </a:defRPr>
+            </a:lvl8pPr>
+            <a:lvl9pPr marL="3886200" indent="-228600" algn="l" defTabSz="914400" rtl="0" eaLnBrk="1" latinLnBrk="0" hangingPunct="1">
+              <a:lnSpc>
+                <a:spcPct val="90000"/>
+              </a:lnSpc>
+              <a:spcBef>
+                <a:spcPts val="500"/>
+              </a:spcBef>
+              <a:buFont typeface="Arial" panose="020B0604020202020204" pitchFamily="34" charset="0"/>
+              <a:buChar char="•"/>
+              <a:defRPr sz="1800" kern="1200">
+                <a:solidFill>
+                  <a:schemeClr val="tx1"/>
+                </a:solidFill>
+                <a:latin typeface="+mn-lt"/>
+                <a:ea typeface="+mn-ea"/>
+                <a:cs typeface="+mn-cs"/>
+              </a:defRPr>
+            </a:lvl9pPr>
+          </a:lstStyle>
+          <a:p>
+            <a:endParaRPr lang="en-US" dirty="0"/>
+          </a:p>
+        </p:txBody>
+      </p:sp>
+      <p:pic>
+        <p:nvPicPr>
+          <p:cNvPr id="6" name="Picture 5">
+            <a:extLst>
+              <a:ext uri="{FF2B5EF4-FFF2-40B4-BE49-F238E27FC236}">
+                <a16:creationId xmlns:a16="http://schemas.microsoft.com/office/drawing/2014/main" id="{91796686-5396-696A-DEE7-2D40B1E4D287}"/>
+              </a:ext>
+            </a:extLst>
+          </p:cNvPr>
+          <p:cNvPicPr>
+            <a:picLocks noChangeAspect="1"/>
+          </p:cNvPicPr>
+          <p:nvPr/>
+        </p:nvPicPr>
+        <p:blipFill>
+          <a:blip r:embed="rId2"/>
+          <a:stretch>
+            <a:fillRect/>
+          </a:stretch>
+        </p:blipFill>
+        <p:spPr>
+          <a:xfrm>
+            <a:off x="3608380" y="2690038"/>
+            <a:ext cx="8211479" cy="3849944"/>
+          </a:xfrm>
+          <a:prstGeom prst="rect">
+            <a:avLst/>
+          </a:prstGeom>
+        </p:spPr>
+      </p:pic>
+    </p:spTree>
+    <p:extLst>
+      <p:ext uri="{BB962C8B-B14F-4D97-AF65-F5344CB8AC3E}">
+        <p14:creationId xmlns:p14="http://schemas.microsoft.com/office/powerpoint/2010/main" val="2348574810"/>
+      </p:ext>
+    </p:extLst>
+  </p:cSld>
+  <p:clrMapOvr>
+    <a:masterClrMapping/>
+  </p:clrMapOvr>
+</p:sld>
+</file>
+
+<file path=ppt/slides/slide9.xml><?xml version="1.0" encoding="utf-8"?>
+<p:sld xmlns:a="http://schemas.openxmlformats.org/drawingml/2006/main" xmlns:r="http://schemas.openxmlformats.org/officeDocument/2006/relationships" xmlns:p="http://schemas.openxmlformats.org/presentationml/2006/main">
+  <p:cSld>
+    <p:spTree>
+      <p:nvGrpSpPr>
+        <p:cNvPr id="1" name=""/>
+        <p:cNvGrpSpPr/>
+        <p:nvPr/>
+      </p:nvGrpSpPr>
+      <p:grpSpPr>
+        <a:xfrm>
+          <a:off x="0" y="0"/>
+          <a:ext cx="0" cy="0"/>
+          <a:chOff x="0" y="0"/>
+          <a:chExt cx="0" cy="0"/>
+        </a:xfrm>
+      </p:grpSpPr>
+      <p:sp>
+        <p:nvSpPr>
+          <p:cNvPr id="4" name="Content Placeholder 1">
+            <a:extLst>
+              <a:ext uri="{FF2B5EF4-FFF2-40B4-BE49-F238E27FC236}">
+                <a16:creationId xmlns:a16="http://schemas.microsoft.com/office/drawing/2014/main" id="{5B10FEEE-DEDE-E4E9-8759-B88CCFDEDF42}"/>
+              </a:ext>
+            </a:extLst>
+          </p:cNvPr>
+          <p:cNvSpPr txBox="1">
+            <a:spLocks/>
+          </p:cNvSpPr>
+          <p:nvPr/>
+        </p:nvSpPr>
+        <p:spPr>
+          <a:xfrm>
+            <a:off x="1487488" y="2924175"/>
+            <a:ext cx="9577387" cy="2520950"/>
+          </a:xfrm>
+          <a:prstGeom prst="rect">
+            <a:avLst/>
+          </a:prstGeom>
+        </p:spPr>
+        <p:txBody>
+          <a:bodyPr>
+            <a:normAutofit/>
+          </a:bodyPr>
+          <a:lstStyle>
+            <a:lvl1pPr marL="228600" indent="-228600" algn="l" defTabSz="914400" rtl="0" eaLnBrk="1" latinLnBrk="0" hangingPunct="1">
+              <a:lnSpc>
+                <a:spcPct val="90000"/>
+              </a:lnSpc>
+              <a:spcBef>
+                <a:spcPts val="1000"/>
+              </a:spcBef>
+              <a:buFont typeface="Arial" panose="020B0604020202020204" pitchFamily="34" charset="0"/>
+              <a:buChar char="•"/>
+              <a:defRPr sz="2800" kern="1200">
+                <a:solidFill>
+                  <a:schemeClr val="tx1"/>
+                </a:solidFill>
+                <a:latin typeface="+mn-lt"/>
+                <a:ea typeface="+mn-ea"/>
+                <a:cs typeface="+mn-cs"/>
+              </a:defRPr>
+            </a:lvl1pPr>
+            <a:lvl2pPr marL="685800" indent="-228600" algn="l" defTabSz="914400" rtl="0" eaLnBrk="1" latinLnBrk="0" hangingPunct="1">
+              <a:lnSpc>
+                <a:spcPct val="90000"/>
+              </a:lnSpc>
+              <a:spcBef>
+                <a:spcPts val="500"/>
+              </a:spcBef>
+              <a:buFont typeface="Arial" panose="020B0604020202020204" pitchFamily="34" charset="0"/>
+              <a:buChar char="•"/>
+              <a:defRPr sz="2400" kern="1200">
+                <a:solidFill>
+                  <a:schemeClr val="tx1"/>
+                </a:solidFill>
+                <a:latin typeface="+mn-lt"/>
+                <a:ea typeface="+mn-ea"/>
+                <a:cs typeface="+mn-cs"/>
+              </a:defRPr>
+            </a:lvl2pPr>
+            <a:lvl3pPr marL="1143000" indent="-228600" algn="l" defTabSz="914400" rtl="0" eaLnBrk="1" latinLnBrk="0" hangingPunct="1">
+              <a:lnSpc>
+                <a:spcPct val="90000"/>
+              </a:lnSpc>
+              <a:spcBef>
+                <a:spcPts val="500"/>
+              </a:spcBef>
+              <a:buFont typeface="Arial" panose="020B0604020202020204" pitchFamily="34" charset="0"/>
+              <a:buChar char="•"/>
+              <a:defRPr sz="2000" kern="1200">
+                <a:solidFill>
+                  <a:schemeClr val="tx1"/>
+                </a:solidFill>
+                <a:latin typeface="+mn-lt"/>
+                <a:ea typeface="+mn-ea"/>
+                <a:cs typeface="+mn-cs"/>
+              </a:defRPr>
+            </a:lvl3pPr>
+            <a:lvl4pPr marL="1600200" indent="-228600" algn="l" defTabSz="914400" rtl="0" eaLnBrk="1" latinLnBrk="0" hangingPunct="1">
+              <a:lnSpc>
+                <a:spcPct val="90000"/>
+              </a:lnSpc>
+              <a:spcBef>
+                <a:spcPts val="500"/>
+              </a:spcBef>
+              <a:buFont typeface="Arial" panose="020B0604020202020204" pitchFamily="34" charset="0"/>
+              <a:buChar char="•"/>
+              <a:defRPr sz="1800" kern="1200">
+                <a:solidFill>
+                  <a:schemeClr val="tx1"/>
+                </a:solidFill>
+                <a:latin typeface="+mn-lt"/>
+                <a:ea typeface="+mn-ea"/>
+                <a:cs typeface="+mn-cs"/>
+              </a:defRPr>
+            </a:lvl4pPr>
+            <a:lvl5pPr marL="2057400" indent="-228600" algn="l" defTabSz="914400" rtl="0" eaLnBrk="1" latinLnBrk="0" hangingPunct="1">
+              <a:lnSpc>
+                <a:spcPct val="90000"/>
+              </a:lnSpc>
+              <a:spcBef>
+                <a:spcPts val="500"/>
+              </a:spcBef>
+              <a:buFont typeface="Arial" panose="020B0604020202020204" pitchFamily="34" charset="0"/>
+              <a:buChar char="•"/>
+              <a:defRPr sz="1800" kern="1200">
+                <a:solidFill>
+                  <a:schemeClr val="tx1"/>
+                </a:solidFill>
+                <a:latin typeface="+mn-lt"/>
+                <a:ea typeface="+mn-ea"/>
+                <a:cs typeface="+mn-cs"/>
+              </a:defRPr>
+            </a:lvl5pPr>
+            <a:lvl6pPr marL="2514600" indent="-228600" algn="l" defTabSz="914400" rtl="0" eaLnBrk="1" latinLnBrk="0" hangingPunct="1">
+              <a:lnSpc>
+                <a:spcPct val="90000"/>
+              </a:lnSpc>
+              <a:spcBef>
+                <a:spcPts val="500"/>
+              </a:spcBef>
+              <a:buFont typeface="Arial" panose="020B0604020202020204" pitchFamily="34" charset="0"/>
+              <a:buChar char="•"/>
+              <a:defRPr sz="1800" kern="1200">
+                <a:solidFill>
+                  <a:schemeClr val="tx1"/>
+                </a:solidFill>
+                <a:latin typeface="+mn-lt"/>
+                <a:ea typeface="+mn-ea"/>
+                <a:cs typeface="+mn-cs"/>
+              </a:defRPr>
+            </a:lvl6pPr>
+            <a:lvl7pPr marL="2971800" indent="-228600" algn="l" defTabSz="914400" rtl="0" eaLnBrk="1" latinLnBrk="0" hangingPunct="1">
+              <a:lnSpc>
+                <a:spcPct val="90000"/>
+              </a:lnSpc>
+              <a:spcBef>
+                <a:spcPts val="500"/>
+              </a:spcBef>
+              <a:buFont typeface="Arial" panose="020B0604020202020204" pitchFamily="34" charset="0"/>
+              <a:buChar char="•"/>
+              <a:defRPr sz="1800" kern="1200">
+                <a:solidFill>
+                  <a:schemeClr val="tx1"/>
+                </a:solidFill>
+                <a:latin typeface="+mn-lt"/>
+                <a:ea typeface="+mn-ea"/>
+                <a:cs typeface="+mn-cs"/>
+              </a:defRPr>
+            </a:lvl7pPr>
+            <a:lvl8pPr marL="3429000" indent="-228600" algn="l" defTabSz="914400" rtl="0" eaLnBrk="1" latinLnBrk="0" hangingPunct="1">
+              <a:lnSpc>
+                <a:spcPct val="90000"/>
+              </a:lnSpc>
+              <a:spcBef>
+                <a:spcPts val="500"/>
+              </a:spcBef>
+              <a:buFont typeface="Arial" panose="020B0604020202020204" pitchFamily="34" charset="0"/>
+              <a:buChar char="•"/>
+              <a:defRPr sz="1800" kern="1200">
+                <a:solidFill>
+                  <a:schemeClr val="tx1"/>
+                </a:solidFill>
+                <a:latin typeface="+mn-lt"/>
+                <a:ea typeface="+mn-ea"/>
+                <a:cs typeface="+mn-cs"/>
+              </a:defRPr>
+            </a:lvl8pPr>
+            <a:lvl9pPr marL="3886200" indent="-228600" algn="l" defTabSz="914400" rtl="0" eaLnBrk="1" latinLnBrk="0" hangingPunct="1">
+              <a:lnSpc>
+                <a:spcPct val="90000"/>
+              </a:lnSpc>
+              <a:spcBef>
+                <a:spcPts val="500"/>
+              </a:spcBef>
+              <a:buFont typeface="Arial" panose="020B0604020202020204" pitchFamily="34" charset="0"/>
+              <a:buChar char="•"/>
+              <a:defRPr sz="1800" kern="1200">
+                <a:solidFill>
+                  <a:schemeClr val="tx1"/>
+                </a:solidFill>
+                <a:latin typeface="+mn-lt"/>
+                <a:ea typeface="+mn-ea"/>
+                <a:cs typeface="+mn-cs"/>
+              </a:defRPr>
+            </a:lvl9pPr>
+          </a:lstStyle>
+          <a:p>
+            <a:pPr marL="0" indent="0" algn="ctr">
+              <a:lnSpc>
+                <a:spcPct val="70000"/>
+              </a:lnSpc>
+              <a:buFont typeface="Arial" panose="020B0604020202020204" pitchFamily="34" charset="0"/>
+              <a:buNone/>
+            </a:pPr>
+            <a:r>
+              <a:rPr lang="tr-TR" altLang="en-US" sz="3400" b="1" dirty="0">
+                <a:solidFill>
+                  <a:srgbClr val="002060"/>
+                </a:solidFill>
+              </a:rPr>
+              <a:t>keyifli çalışmalar...</a:t>
+            </a:r>
+            <a:endParaRPr lang="en-US" altLang="en-US" sz="3400" b="1" dirty="0">
+              <a:solidFill>
+                <a:srgbClr val="002060"/>
+              </a:solidFill>
+            </a:endParaRPr>
+          </a:p>
+          <a:p>
+            <a:pPr marL="0" indent="0" algn="ctr">
+              <a:lnSpc>
+                <a:spcPct val="70000"/>
+              </a:lnSpc>
+              <a:buFont typeface="Arial" panose="020B0604020202020204" pitchFamily="34" charset="0"/>
+              <a:buNone/>
+            </a:pPr>
+            <a:endParaRPr lang="en-US" altLang="en-US" sz="3400" b="1" dirty="0">
+              <a:solidFill>
+                <a:srgbClr val="002060"/>
+              </a:solidFill>
+            </a:endParaRPr>
+          </a:p>
+          <a:p>
+            <a:pPr marL="0" indent="0" algn="ctr">
+              <a:lnSpc>
+                <a:spcPct val="70000"/>
+              </a:lnSpc>
+              <a:buFont typeface="Arial" panose="020B0604020202020204" pitchFamily="34" charset="0"/>
+              <a:buNone/>
+            </a:pPr>
+            <a:endParaRPr lang="en-US" altLang="en-US" sz="3400" b="1" dirty="0">
+              <a:solidFill>
+                <a:srgbClr val="002060"/>
+              </a:solidFill>
+            </a:endParaRPr>
+          </a:p>
+          <a:p>
+            <a:pPr marL="0" indent="0" algn="ctr">
+              <a:lnSpc>
+                <a:spcPct val="70000"/>
+              </a:lnSpc>
+              <a:buFont typeface="Arial" panose="020B0604020202020204" pitchFamily="34" charset="0"/>
+              <a:buNone/>
+            </a:pPr>
+            <a:endParaRPr lang="en-US" altLang="en-US" sz="3400" b="1" dirty="0">
+              <a:solidFill>
+                <a:srgbClr val="002060"/>
+              </a:solidFill>
+            </a:endParaRPr>
+          </a:p>
+        </p:txBody>
+      </p:sp>
+    </p:spTree>
+    <p:extLst>
+      <p:ext uri="{BB962C8B-B14F-4D97-AF65-F5344CB8AC3E}">
+        <p14:creationId xmlns:p14="http://schemas.microsoft.com/office/powerpoint/2010/main" val="3217771155"/>
       </p:ext>
     </p:extLst>
   </p:cSld>

--- a/Slides/Oracle DB & SQL Developer - Bolum I.pptx
+++ b/Slides/Oracle DB & SQL Developer - Bolum I.pptx
@@ -14,8 +14,6 @@
     <p:sldId id="262" r:id="rId8"/>
     <p:sldId id="264" r:id="rId9"/>
     <p:sldId id="265" r:id="rId10"/>
-    <p:sldId id="266" r:id="rId11"/>
-    <p:sldId id="263" r:id="rId12"/>
   </p:sldIdLst>
   <p:sldSz cx="12192000" cy="6858000"/>
   <p:notesSz cx="6858000" cy="9144000"/>
@@ -269,7 +267,7 @@
           <a:p>
             <a:fld id="{1EF65BA3-D42C-4D83-83AF-D4390FDCAD1F}" type="datetimeFigureOut">
               <a:rPr lang="en-US" smtClean="0"/>
-              <a:t>5/2/2023</a:t>
+              <a:t>5/4/2023</a:t>
             </a:fld>
             <a:endParaRPr lang="en-US"/>
           </a:p>
@@ -467,7 +465,7 @@
           <a:p>
             <a:fld id="{1EF65BA3-D42C-4D83-83AF-D4390FDCAD1F}" type="datetimeFigureOut">
               <a:rPr lang="en-US" smtClean="0"/>
-              <a:t>5/2/2023</a:t>
+              <a:t>5/4/2023</a:t>
             </a:fld>
             <a:endParaRPr lang="en-US"/>
           </a:p>
@@ -675,7 +673,7 @@
           <a:p>
             <a:fld id="{1EF65BA3-D42C-4D83-83AF-D4390FDCAD1F}" type="datetimeFigureOut">
               <a:rPr lang="en-US" smtClean="0"/>
-              <a:t>5/2/2023</a:t>
+              <a:t>5/4/2023</a:t>
             </a:fld>
             <a:endParaRPr lang="en-US"/>
           </a:p>
@@ -873,7 +871,7 @@
           <a:p>
             <a:fld id="{1EF65BA3-D42C-4D83-83AF-D4390FDCAD1F}" type="datetimeFigureOut">
               <a:rPr lang="en-US" smtClean="0"/>
-              <a:t>5/2/2023</a:t>
+              <a:t>5/4/2023</a:t>
             </a:fld>
             <a:endParaRPr lang="en-US"/>
           </a:p>
@@ -1148,7 +1146,7 @@
           <a:p>
             <a:fld id="{1EF65BA3-D42C-4D83-83AF-D4390FDCAD1F}" type="datetimeFigureOut">
               <a:rPr lang="en-US" smtClean="0"/>
-              <a:t>5/2/2023</a:t>
+              <a:t>5/4/2023</a:t>
             </a:fld>
             <a:endParaRPr lang="en-US"/>
           </a:p>
@@ -1413,7 +1411,7 @@
           <a:p>
             <a:fld id="{1EF65BA3-D42C-4D83-83AF-D4390FDCAD1F}" type="datetimeFigureOut">
               <a:rPr lang="en-US" smtClean="0"/>
-              <a:t>5/2/2023</a:t>
+              <a:t>5/4/2023</a:t>
             </a:fld>
             <a:endParaRPr lang="en-US"/>
           </a:p>
@@ -1825,7 +1823,7 @@
           <a:p>
             <a:fld id="{1EF65BA3-D42C-4D83-83AF-D4390FDCAD1F}" type="datetimeFigureOut">
               <a:rPr lang="en-US" smtClean="0"/>
-              <a:t>5/2/2023</a:t>
+              <a:t>5/4/2023</a:t>
             </a:fld>
             <a:endParaRPr lang="en-US"/>
           </a:p>
@@ -1966,7 +1964,7 @@
           <a:p>
             <a:fld id="{1EF65BA3-D42C-4D83-83AF-D4390FDCAD1F}" type="datetimeFigureOut">
               <a:rPr lang="en-US" smtClean="0"/>
-              <a:t>5/2/2023</a:t>
+              <a:t>5/4/2023</a:t>
             </a:fld>
             <a:endParaRPr lang="en-US"/>
           </a:p>
@@ -2079,7 +2077,7 @@
           <a:p>
             <a:fld id="{1EF65BA3-D42C-4D83-83AF-D4390FDCAD1F}" type="datetimeFigureOut">
               <a:rPr lang="en-US" smtClean="0"/>
-              <a:t>5/2/2023</a:t>
+              <a:t>5/4/2023</a:t>
             </a:fld>
             <a:endParaRPr lang="en-US"/>
           </a:p>
@@ -2390,7 +2388,7 @@
           <a:p>
             <a:fld id="{1EF65BA3-D42C-4D83-83AF-D4390FDCAD1F}" type="datetimeFigureOut">
               <a:rPr lang="en-US" smtClean="0"/>
-              <a:t>5/2/2023</a:t>
+              <a:t>5/4/2023</a:t>
             </a:fld>
             <a:endParaRPr lang="en-US"/>
           </a:p>
@@ -2678,7 +2676,7 @@
           <a:p>
             <a:fld id="{1EF65BA3-D42C-4D83-83AF-D4390FDCAD1F}" type="datetimeFigureOut">
               <a:rPr lang="en-US" smtClean="0"/>
-              <a:t>5/2/2023</a:t>
+              <a:t>5/4/2023</a:t>
             </a:fld>
             <a:endParaRPr lang="en-US"/>
           </a:p>
@@ -2919,7 +2917,7 @@
           <a:p>
             <a:fld id="{1EF65BA3-D42C-4D83-83AF-D4390FDCAD1F}" type="datetimeFigureOut">
               <a:rPr lang="en-US" smtClean="0"/>
-              <a:t>5/2/2023</a:t>
+              <a:t>5/4/2023</a:t>
             </a:fld>
             <a:endParaRPr lang="en-US"/>
           </a:p>
@@ -3492,166 +3490,6 @@
 </p:sld>
 </file>
 
-<file path=ppt/slides/slide10.xml><?xml version="1.0" encoding="utf-8"?>
-<p:sld xmlns:a="http://schemas.openxmlformats.org/drawingml/2006/main" xmlns:r="http://schemas.openxmlformats.org/officeDocument/2006/relationships" xmlns:p="http://schemas.openxmlformats.org/presentationml/2006/main">
-  <p:cSld>
-    <p:spTree>
-      <p:nvGrpSpPr>
-        <p:cNvPr id="1" name=""/>
-        <p:cNvGrpSpPr/>
-        <p:nvPr/>
-      </p:nvGrpSpPr>
-      <p:grpSpPr>
-        <a:xfrm>
-          <a:off x="0" y="0"/>
-          <a:ext cx="0" cy="0"/>
-          <a:chOff x="0" y="0"/>
-          <a:chExt cx="0" cy="0"/>
-        </a:xfrm>
-      </p:grpSpPr>
-      <p:sp>
-        <p:nvSpPr>
-          <p:cNvPr id="2" name="Title 1">
-            <a:extLst>
-              <a:ext uri="{FF2B5EF4-FFF2-40B4-BE49-F238E27FC236}">
-                <a16:creationId xmlns:a16="http://schemas.microsoft.com/office/drawing/2014/main" id="{7CD88671-C361-AD8C-E030-C260C3A0C55E}"/>
-              </a:ext>
-            </a:extLst>
-          </p:cNvPr>
-          <p:cNvSpPr>
-            <a:spLocks noGrp="1"/>
-          </p:cNvSpPr>
-          <p:nvPr>
-            <p:ph type="title"/>
-          </p:nvPr>
-        </p:nvSpPr>
-        <p:spPr/>
-        <p:txBody>
-          <a:bodyPr/>
-          <a:lstStyle/>
-          <a:p>
-            <a:endParaRPr lang="en-US"/>
-          </a:p>
-        </p:txBody>
-      </p:sp>
-      <p:sp>
-        <p:nvSpPr>
-          <p:cNvPr id="3" name="Content Placeholder 2">
-            <a:extLst>
-              <a:ext uri="{FF2B5EF4-FFF2-40B4-BE49-F238E27FC236}">
-                <a16:creationId xmlns:a16="http://schemas.microsoft.com/office/drawing/2014/main" id="{90CE422F-E590-90F4-37F0-4FB0B27240F9}"/>
-              </a:ext>
-            </a:extLst>
-          </p:cNvPr>
-          <p:cNvSpPr>
-            <a:spLocks noGrp="1"/>
-          </p:cNvSpPr>
-          <p:nvPr>
-            <p:ph idx="1"/>
-          </p:nvPr>
-        </p:nvSpPr>
-        <p:spPr/>
-        <p:txBody>
-          <a:bodyPr/>
-          <a:lstStyle/>
-          <a:p>
-            <a:endParaRPr lang="en-US"/>
-          </a:p>
-        </p:txBody>
-      </p:sp>
-    </p:spTree>
-    <p:extLst>
-      <p:ext uri="{BB962C8B-B14F-4D97-AF65-F5344CB8AC3E}">
-        <p14:creationId xmlns:p14="http://schemas.microsoft.com/office/powerpoint/2010/main" val="847356674"/>
-      </p:ext>
-    </p:extLst>
-  </p:cSld>
-  <p:clrMapOvr>
-    <a:masterClrMapping/>
-  </p:clrMapOvr>
-</p:sld>
-</file>
-
-<file path=ppt/slides/slide11.xml><?xml version="1.0" encoding="utf-8"?>
-<p:sld xmlns:a="http://schemas.openxmlformats.org/drawingml/2006/main" xmlns:r="http://schemas.openxmlformats.org/officeDocument/2006/relationships" xmlns:p="http://schemas.openxmlformats.org/presentationml/2006/main">
-  <p:cSld>
-    <p:spTree>
-      <p:nvGrpSpPr>
-        <p:cNvPr id="1" name=""/>
-        <p:cNvGrpSpPr/>
-        <p:nvPr/>
-      </p:nvGrpSpPr>
-      <p:grpSpPr>
-        <a:xfrm>
-          <a:off x="0" y="0"/>
-          <a:ext cx="0" cy="0"/>
-          <a:chOff x="0" y="0"/>
-          <a:chExt cx="0" cy="0"/>
-        </a:xfrm>
-      </p:grpSpPr>
-      <p:sp>
-        <p:nvSpPr>
-          <p:cNvPr id="2" name="Title 1">
-            <a:extLst>
-              <a:ext uri="{FF2B5EF4-FFF2-40B4-BE49-F238E27FC236}">
-                <a16:creationId xmlns:a16="http://schemas.microsoft.com/office/drawing/2014/main" id="{35A7B3BF-EFCB-2A76-3938-CE869DC81325}"/>
-              </a:ext>
-            </a:extLst>
-          </p:cNvPr>
-          <p:cNvSpPr>
-            <a:spLocks noGrp="1"/>
-          </p:cNvSpPr>
-          <p:nvPr>
-            <p:ph type="title"/>
-          </p:nvPr>
-        </p:nvSpPr>
-        <p:spPr/>
-        <p:txBody>
-          <a:bodyPr/>
-          <a:lstStyle/>
-          <a:p>
-            <a:endParaRPr lang="en-US"/>
-          </a:p>
-        </p:txBody>
-      </p:sp>
-      <p:sp>
-        <p:nvSpPr>
-          <p:cNvPr id="3" name="Content Placeholder 2">
-            <a:extLst>
-              <a:ext uri="{FF2B5EF4-FFF2-40B4-BE49-F238E27FC236}">
-                <a16:creationId xmlns:a16="http://schemas.microsoft.com/office/drawing/2014/main" id="{AE680751-715C-42A6-8624-2A91F309E2E6}"/>
-              </a:ext>
-            </a:extLst>
-          </p:cNvPr>
-          <p:cNvSpPr>
-            <a:spLocks noGrp="1"/>
-          </p:cNvSpPr>
-          <p:nvPr>
-            <p:ph idx="1"/>
-          </p:nvPr>
-        </p:nvSpPr>
-        <p:spPr/>
-        <p:txBody>
-          <a:bodyPr/>
-          <a:lstStyle/>
-          <a:p>
-            <a:endParaRPr lang="en-US"/>
-          </a:p>
-        </p:txBody>
-      </p:sp>
-    </p:spTree>
-    <p:extLst>
-      <p:ext uri="{BB962C8B-B14F-4D97-AF65-F5344CB8AC3E}">
-        <p14:creationId xmlns:p14="http://schemas.microsoft.com/office/powerpoint/2010/main" val="1414320962"/>
-      </p:ext>
-    </p:extLst>
-  </p:cSld>
-  <p:clrMapOvr>
-    <a:masterClrMapping/>
-  </p:clrMapOvr>
-</p:sld>
-</file>
-
 <file path=ppt/slides/slide2.xml><?xml version="1.0" encoding="utf-8"?>
 <p:sld xmlns:a="http://schemas.openxmlformats.org/drawingml/2006/main" xmlns:r="http://schemas.openxmlformats.org/officeDocument/2006/relationships" xmlns:p="http://schemas.openxmlformats.org/presentationml/2006/main">
   <p:cSld>
@@ -3733,7 +3571,6 @@
                   <a:srgbClr val="002060"/>
                 </a:solidFill>
                 <a:effectLst/>
-                <a:latin typeface="-apple-system"/>
               </a:rPr>
               <a:t>Oracle Database 21c Express Edition </a:t>
             </a:r>
@@ -3743,7 +3580,6 @@
                   <a:srgbClr val="002060"/>
                 </a:solidFill>
                 <a:effectLst/>
-                <a:latin typeface="-apple-system"/>
               </a:rPr>
               <a:t>ve</a:t>
             </a:r>
@@ -3753,51 +3589,117 @@
                   <a:srgbClr val="002060"/>
                 </a:solidFill>
                 <a:effectLst/>
-                <a:latin typeface="-apple-system"/>
               </a:rPr>
               <a:t> SQL Developer </a:t>
             </a:r>
             <a:r>
-              <a:rPr lang="en-US" i="0" dirty="0" err="1">
+              <a:rPr lang="tr-TR" i="0" dirty="0">
                 <a:solidFill>
                   <a:srgbClr val="002060"/>
                 </a:solidFill>
                 <a:effectLst/>
-                <a:latin typeface="-apple-system"/>
               </a:rPr>
-              <a:t>nasıl</a:t>
-            </a:r>
-            <a:r>
-              <a:rPr lang="en-US" i="0" dirty="0">
+              <a:t>kurulum</a:t>
+            </a:r>
+          </a:p>
+          <a:p>
+            <a:r>
+              <a:rPr lang="en-US" dirty="0">
                 <a:solidFill>
                   <a:srgbClr val="002060"/>
                 </a:solidFill>
-                <a:effectLst/>
-                <a:latin typeface="-apple-system"/>
               </a:rPr>
-              <a:t> </a:t>
-            </a:r>
-            <a:r>
-              <a:rPr lang="en-US" i="0" dirty="0" err="1">
+              <a:t>Oracle</a:t>
+            </a:r>
+          </a:p>
+          <a:p>
+            <a:r>
+              <a:rPr lang="en-US" dirty="0">
                 <a:solidFill>
                   <a:srgbClr val="002060"/>
                 </a:solidFill>
-                <a:effectLst/>
-                <a:latin typeface="-apple-system"/>
               </a:rPr>
-              <a:t>kurulur</a:t>
-            </a:r>
-            <a:r>
-              <a:rPr lang="en-US" i="0" dirty="0">
+              <a:t>Oracle </a:t>
+            </a:r>
+            <a:r>
+              <a:rPr lang="tr-TR" dirty="0">
                 <a:solidFill>
                   <a:srgbClr val="002060"/>
                 </a:solidFill>
-                <a:effectLst/>
-                <a:latin typeface="-apple-system"/>
               </a:rPr>
-              <a:t>?</a:t>
-            </a:r>
-            <a:endParaRPr lang="en-US" dirty="0"/>
+              <a:t>y</a:t>
+            </a:r>
+            <a:r>
+              <a:rPr lang="en-US" dirty="0">
+                <a:solidFill>
+                  <a:srgbClr val="002060"/>
+                </a:solidFill>
+              </a:rPr>
+              <a:t>a</a:t>
+            </a:r>
+            <a:r>
+              <a:rPr lang="tr-TR" dirty="0">
+                <a:solidFill>
+                  <a:srgbClr val="002060"/>
+                </a:solidFill>
+              </a:rPr>
+              <a:t>pısı</a:t>
+            </a:r>
+          </a:p>
+          <a:p>
+            <a:r>
+              <a:rPr lang="en-US" dirty="0">
+                <a:solidFill>
+                  <a:srgbClr val="002060"/>
+                </a:solidFill>
+              </a:rPr>
+              <a:t>ORACLE </a:t>
+            </a:r>
+            <a:r>
+              <a:rPr lang="en-US" dirty="0" err="1">
+                <a:solidFill>
+                  <a:srgbClr val="002060"/>
+                </a:solidFill>
+              </a:rPr>
+              <a:t>Veritabanı</a:t>
+            </a:r>
+            <a:r>
+              <a:rPr lang="en-US" dirty="0">
+                <a:solidFill>
+                  <a:srgbClr val="002060"/>
+                </a:solidFill>
+              </a:rPr>
+              <a:t> </a:t>
+            </a:r>
+            <a:r>
+              <a:rPr lang="en-US" dirty="0" err="1">
+                <a:solidFill>
+                  <a:srgbClr val="002060"/>
+                </a:solidFill>
+              </a:rPr>
+              <a:t>Hafıza</a:t>
+            </a:r>
+            <a:r>
+              <a:rPr lang="en-US" dirty="0">
+                <a:solidFill>
+                  <a:srgbClr val="002060"/>
+                </a:solidFill>
+              </a:rPr>
+              <a:t> </a:t>
+            </a:r>
+            <a:r>
+              <a:rPr lang="en-US" dirty="0" err="1">
+                <a:solidFill>
+                  <a:srgbClr val="002060"/>
+                </a:solidFill>
+              </a:rPr>
+              <a:t>Yapısı</a:t>
+            </a:r>
+            <a:endParaRPr lang="en-US" dirty="0">
+              <a:solidFill>
+                <a:srgbClr val="002060"/>
+              </a:solidFill>
+            </a:endParaRPr>
           </a:p>
         </p:txBody>
       </p:sp>
@@ -4143,7 +4045,7 @@
         <p:spPr/>
         <p:txBody>
           <a:bodyPr>
-            <a:normAutofit fontScale="92500"/>
+            <a:normAutofit fontScale="92500" lnSpcReduction="10000"/>
           </a:bodyPr>
           <a:lstStyle/>
           <a:p>
@@ -4180,35 +4082,35 @@
           <a:p>
             <a:pPr lvl="1" algn="just"/>
             <a:r>
-              <a:rPr lang="en-US" dirty="0" err="1"/>
+              <a:rPr lang="en-US" b="1" dirty="0" err="1"/>
               <a:t>Büyük</a:t>
             </a:r>
             <a:r>
-              <a:rPr lang="en-US" dirty="0"/>
-              <a:t> </a:t>
-            </a:r>
-            <a:r>
-              <a:rPr lang="en-US" dirty="0" err="1"/>
+              <a:rPr lang="en-US" b="1" dirty="0"/>
+              <a:t> </a:t>
+            </a:r>
+            <a:r>
+              <a:rPr lang="en-US" b="1" dirty="0" err="1"/>
               <a:t>miktarda</a:t>
             </a:r>
             <a:r>
-              <a:rPr lang="en-US" dirty="0"/>
-              <a:t> </a:t>
-            </a:r>
-            <a:r>
-              <a:rPr lang="en-US" dirty="0" err="1"/>
+              <a:rPr lang="en-US" b="1" dirty="0"/>
+              <a:t> </a:t>
+            </a:r>
+            <a:r>
+              <a:rPr lang="en-US" b="1" dirty="0" err="1"/>
               <a:t>veri</a:t>
             </a:r>
             <a:r>
-              <a:rPr lang="en-US" dirty="0"/>
-              <a:t> </a:t>
-            </a:r>
-            <a:r>
-              <a:rPr lang="en-US" dirty="0" err="1"/>
+              <a:rPr lang="en-US" b="1" dirty="0"/>
+              <a:t> </a:t>
+            </a:r>
+            <a:r>
+              <a:rPr lang="en-US" b="1" dirty="0" err="1"/>
               <a:t>tutabilmekte</a:t>
             </a:r>
             <a:r>
-              <a:rPr lang="en-US" dirty="0"/>
+              <a:rPr lang="en-US" b="1" dirty="0"/>
               <a:t> </a:t>
             </a:r>
             <a:r>
@@ -4295,27 +4197,27 @@
               <a:t> </a:t>
             </a:r>
             <a:r>
-              <a:rPr lang="en-US" dirty="0" err="1"/>
+              <a:rPr lang="en-US" b="1" dirty="0" err="1"/>
               <a:t>çok</a:t>
             </a:r>
             <a:r>
-              <a:rPr lang="en-US" dirty="0"/>
-              <a:t> </a:t>
-            </a:r>
-            <a:r>
-              <a:rPr lang="en-US" dirty="0" err="1"/>
+              <a:rPr lang="en-US" b="1" dirty="0"/>
+              <a:t> </a:t>
+            </a:r>
+            <a:r>
+              <a:rPr lang="en-US" b="1" dirty="0" err="1"/>
               <a:t>sayıda</a:t>
             </a:r>
             <a:r>
-              <a:rPr lang="en-US" dirty="0"/>
-              <a:t> </a:t>
-            </a:r>
-            <a:r>
-              <a:rPr lang="en-US" dirty="0" err="1"/>
+              <a:rPr lang="en-US" b="1" dirty="0"/>
+              <a:t> </a:t>
+            </a:r>
+            <a:r>
+              <a:rPr lang="en-US" b="1" dirty="0" err="1"/>
               <a:t>kullanıcıya</a:t>
             </a:r>
             <a:r>
-              <a:rPr lang="en-US" dirty="0"/>
+              <a:rPr lang="en-US" b="1" dirty="0"/>
               <a:t> </a:t>
             </a:r>
             <a:r>
@@ -4394,19 +4296,19 @@
               <a:t> </a:t>
             </a:r>
             <a:r>
-              <a:rPr lang="en-US" dirty="0" err="1"/>
+              <a:rPr lang="en-US" b="1" dirty="0" err="1"/>
               <a:t>hiç</a:t>
             </a:r>
             <a:r>
-              <a:rPr lang="en-US" dirty="0"/>
-              <a:t> </a:t>
-            </a:r>
-            <a:r>
-              <a:rPr lang="en-US" dirty="0" err="1"/>
+              <a:rPr lang="en-US" b="1" dirty="0"/>
+              <a:t> </a:t>
+            </a:r>
+            <a:r>
+              <a:rPr lang="en-US" b="1" dirty="0" err="1"/>
               <a:t>kapatılmadan</a:t>
             </a:r>
             <a:r>
-              <a:rPr lang="en-US" dirty="0"/>
+              <a:rPr lang="en-US" b="1" dirty="0"/>
               <a:t> </a:t>
             </a:r>
             <a:r>
@@ -4437,7 +4339,7 @@
               <a:t>, </a:t>
             </a:r>
             <a:r>
-              <a:rPr lang="en-US" dirty="0" err="1"/>
+              <a:rPr lang="en-US" b="1" dirty="0" err="1"/>
               <a:t>veri</a:t>
             </a:r>
             <a:r>
@@ -4469,35 +4371,35 @@
               <a:t> </a:t>
             </a:r>
             <a:r>
-              <a:rPr lang="en-US" dirty="0" err="1"/>
+              <a:rPr lang="en-US" b="1" dirty="0" err="1"/>
               <a:t>ağ</a:t>
             </a:r>
             <a:r>
-              <a:rPr lang="en-US" dirty="0"/>
-              <a:t> </a:t>
-            </a:r>
-            <a:r>
-              <a:rPr lang="en-US" dirty="0" err="1"/>
+              <a:rPr lang="en-US" b="1" dirty="0"/>
+              <a:t> </a:t>
+            </a:r>
+            <a:r>
+              <a:rPr lang="en-US" b="1" dirty="0" err="1"/>
               <a:t>iletişim</a:t>
             </a:r>
             <a:r>
-              <a:rPr lang="en-US" dirty="0"/>
-              <a:t> </a:t>
-            </a:r>
-            <a:r>
-              <a:rPr lang="en-US" dirty="0" err="1"/>
+              <a:rPr lang="en-US" b="1" dirty="0"/>
+              <a:t> </a:t>
+            </a:r>
+            <a:r>
+              <a:rPr lang="en-US" b="1" dirty="0" err="1"/>
               <a:t>protokolleri</a:t>
             </a:r>
             <a:r>
-              <a:rPr lang="en-US" dirty="0"/>
-              <a:t> </a:t>
-            </a:r>
-            <a:r>
-              <a:rPr lang="en-US" dirty="0" err="1"/>
+              <a:rPr lang="en-US" b="1" dirty="0"/>
+              <a:t> </a:t>
+            </a:r>
+            <a:r>
+              <a:rPr lang="en-US" b="1" dirty="0" err="1"/>
               <a:t>standartlarıyla</a:t>
             </a:r>
             <a:r>
-              <a:rPr lang="en-US" dirty="0"/>
+              <a:rPr lang="en-US" b="1" dirty="0"/>
               <a:t> </a:t>
             </a:r>
             <a:r>
@@ -4520,7 +4422,7 @@
               <a:t> </a:t>
             </a:r>
             <a:r>
-              <a:rPr lang="en-US" dirty="0" err="1"/>
+              <a:rPr lang="en-US" b="1" dirty="0" err="1"/>
               <a:t>erişimleri</a:t>
             </a:r>
             <a:r>
@@ -4528,7 +4430,7 @@
               <a:t> </a:t>
             </a:r>
             <a:r>
-              <a:rPr lang="en-US" dirty="0" err="1"/>
+              <a:rPr lang="en-US" b="1" dirty="0" err="1"/>
               <a:t>engelleme</a:t>
             </a:r>
             <a:r>
@@ -4544,19 +4446,19 @@
               <a:t> </a:t>
             </a:r>
             <a:r>
-              <a:rPr lang="en-US" dirty="0" err="1"/>
+              <a:rPr lang="en-US" b="1" dirty="0" err="1"/>
               <a:t>kullanıcı</a:t>
             </a:r>
             <a:r>
-              <a:rPr lang="en-US" dirty="0"/>
-              <a:t> </a:t>
-            </a:r>
-            <a:r>
-              <a:rPr lang="en-US" dirty="0" err="1"/>
+              <a:rPr lang="en-US" b="1" dirty="0"/>
+              <a:t> </a:t>
+            </a:r>
+            <a:r>
+              <a:rPr lang="en-US" b="1" dirty="0" err="1"/>
               <a:t>kontrolünü</a:t>
             </a:r>
             <a:r>
-              <a:rPr lang="en-US" dirty="0"/>
+              <a:rPr lang="en-US" b="1" dirty="0"/>
               <a:t> </a:t>
             </a:r>
             <a:r>
@@ -4619,23 +4521,23 @@
               <a:t> </a:t>
             </a:r>
             <a:r>
-              <a:rPr lang="en-US" dirty="0" err="1"/>
+              <a:rPr lang="en-US" b="1" dirty="0" err="1"/>
               <a:t>az</a:t>
             </a:r>
             <a:r>
-              <a:rPr lang="en-US" dirty="0"/>
-              <a:t> </a:t>
-            </a:r>
-            <a:r>
-              <a:rPr lang="en-US" dirty="0" err="1"/>
+              <a:rPr lang="en-US" b="1" dirty="0"/>
+              <a:t> </a:t>
+            </a:r>
+            <a:r>
+              <a:rPr lang="en-US" b="1" dirty="0" err="1"/>
               <a:t>kod</a:t>
             </a:r>
             <a:r>
-              <a:rPr lang="en-US" dirty="0"/>
-              <a:t> </a:t>
-            </a:r>
-            <a:r>
-              <a:rPr lang="en-US" dirty="0" err="1"/>
+              <a:rPr lang="en-US" b="1" dirty="0"/>
+              <a:t> </a:t>
+            </a:r>
+            <a:r>
+              <a:rPr lang="en-US" b="1" dirty="0" err="1"/>
               <a:t>yazılmaktadır</a:t>
             </a:r>
             <a:r>
@@ -4694,26 +4596,26 @@
               <a:t>. </a:t>
             </a:r>
             <a:r>
-              <a:rPr lang="en-US" dirty="0" err="1"/>
+              <a:rPr lang="en-US" b="1" dirty="0" err="1"/>
               <a:t>Ağ</a:t>
             </a:r>
             <a:r>
-              <a:rPr lang="en-US" dirty="0"/>
-              <a:t> </a:t>
-            </a:r>
-            <a:r>
-              <a:rPr lang="en-US" dirty="0" err="1"/>
+              <a:rPr lang="en-US" b="1" dirty="0"/>
+              <a:t> </a:t>
+            </a:r>
+            <a:r>
+              <a:rPr lang="en-US" b="1" dirty="0" err="1"/>
               <a:t>trafiğini</a:t>
             </a:r>
             <a:r>
-              <a:rPr lang="en-US" dirty="0"/>
-              <a:t> </a:t>
-            </a:r>
-            <a:r>
-              <a:rPr lang="en-US" dirty="0" err="1"/>
+              <a:rPr lang="en-US" b="1" dirty="0"/>
+              <a:t> </a:t>
+            </a:r>
+            <a:r>
+              <a:rPr lang="en-US" b="1" dirty="0" err="1"/>
               <a:t>azaltmaktadır</a:t>
             </a:r>
-            <a:endParaRPr lang="en-US" dirty="0"/>
+            <a:endParaRPr lang="en-US" b="1" dirty="0"/>
           </a:p>
         </p:txBody>
       </p:sp>
@@ -4829,6 +4731,10 @@
               <a:t>fiziksel</a:t>
             </a:r>
             <a:r>
+              <a:rPr lang="tr-TR" dirty="0"/>
+              <a:t> </a:t>
+            </a:r>
+            <a:r>
               <a:rPr lang="en-US" dirty="0"/>
               <a:t>(physical) </a:t>
             </a:r>
@@ -4845,6 +4751,10 @@
               <a:t>mantıksal</a:t>
             </a:r>
             <a:r>
+              <a:rPr lang="tr-TR" dirty="0"/>
+              <a:t> </a:t>
+            </a:r>
+            <a:r>
               <a:rPr lang="en-US" dirty="0"/>
               <a:t>(logical) </a:t>
             </a:r>
@@ -4953,91 +4863,91 @@
               <a:t> </a:t>
             </a:r>
             <a:r>
-              <a:rPr lang="en-US" dirty="0" err="1"/>
+              <a:rPr lang="en-US" b="1" dirty="0" err="1"/>
               <a:t>verinin</a:t>
             </a:r>
             <a:r>
-              <a:rPr lang="en-US" dirty="0"/>
-              <a:t> </a:t>
-            </a:r>
-            <a:r>
-              <a:rPr lang="en-US" dirty="0" err="1"/>
+              <a:rPr lang="en-US" b="1" dirty="0"/>
+              <a:t> </a:t>
+            </a:r>
+            <a:r>
+              <a:rPr lang="en-US" b="1" dirty="0" err="1"/>
               <a:t>fiziksel</a:t>
             </a:r>
             <a:r>
-              <a:rPr lang="en-US" dirty="0"/>
-              <a:t> </a:t>
-            </a:r>
-            <a:r>
-              <a:rPr lang="en-US" dirty="0" err="1"/>
+              <a:rPr lang="en-US" b="1" dirty="0"/>
+              <a:t> </a:t>
+            </a:r>
+            <a:r>
+              <a:rPr lang="en-US" b="1" dirty="0" err="1"/>
               <a:t>olarak</a:t>
             </a:r>
             <a:r>
-              <a:rPr lang="en-US" dirty="0"/>
-              <a:t> </a:t>
-            </a:r>
-            <a:r>
-              <a:rPr lang="en-US" dirty="0" err="1"/>
+              <a:rPr lang="en-US" b="1" dirty="0"/>
+              <a:t> </a:t>
+            </a:r>
+            <a:r>
+              <a:rPr lang="en-US" b="1" dirty="0" err="1"/>
               <a:t>saklanma</a:t>
             </a:r>
             <a:r>
-              <a:rPr lang="en-US" dirty="0"/>
-              <a:t> </a:t>
-            </a:r>
-            <a:r>
-              <a:rPr lang="en-US" dirty="0" err="1"/>
+              <a:rPr lang="en-US" b="1" dirty="0"/>
+              <a:t> </a:t>
+            </a:r>
+            <a:r>
+              <a:rPr lang="en-US" b="1" dirty="0" err="1"/>
               <a:t>şekli</a:t>
             </a:r>
             <a:r>
-              <a:rPr lang="en-US" dirty="0"/>
-              <a:t> </a:t>
-            </a:r>
-            <a:r>
-              <a:rPr lang="en-US" dirty="0" err="1"/>
+              <a:rPr lang="en-US" b="1" dirty="0"/>
+              <a:t> </a:t>
+            </a:r>
+            <a:r>
+              <a:rPr lang="en-US" b="1" dirty="0" err="1"/>
               <a:t>mantıksal</a:t>
             </a:r>
             <a:r>
-              <a:rPr lang="en-US" dirty="0"/>
-              <a:t> </a:t>
-            </a:r>
-            <a:r>
-              <a:rPr lang="en-US" dirty="0" err="1"/>
+              <a:rPr lang="en-US" b="1" dirty="0"/>
+              <a:t> </a:t>
+            </a:r>
+            <a:r>
+              <a:rPr lang="en-US" b="1" dirty="0" err="1"/>
               <a:t>yapıya</a:t>
             </a:r>
             <a:r>
-              <a:rPr lang="en-US" dirty="0"/>
-              <a:t> </a:t>
-            </a:r>
-            <a:r>
-              <a:rPr lang="en-US" dirty="0" err="1"/>
+              <a:rPr lang="en-US" b="1" dirty="0"/>
+              <a:t> </a:t>
+            </a:r>
+            <a:r>
+              <a:rPr lang="en-US" b="1" dirty="0" err="1"/>
               <a:t>erişimi</a:t>
             </a:r>
             <a:r>
-              <a:rPr lang="en-US" dirty="0"/>
-              <a:t> </a:t>
-            </a:r>
-            <a:r>
-              <a:rPr lang="en-US" dirty="0" err="1"/>
+              <a:rPr lang="en-US" b="1" dirty="0"/>
+              <a:t> </a:t>
+            </a:r>
+            <a:r>
+              <a:rPr lang="en-US" b="1" dirty="0" err="1"/>
               <a:t>etkilemez</a:t>
             </a:r>
             <a:r>
-              <a:rPr lang="en-US" dirty="0"/>
+              <a:rPr lang="en-US" b="1" dirty="0"/>
               <a:t>.</a:t>
             </a:r>
-            <a:endParaRPr lang="tr-TR" dirty="0"/>
+            <a:endParaRPr lang="tr-TR" b="1" dirty="0"/>
           </a:p>
           <a:p>
             <a:pPr algn="just"/>
             <a:r>
-              <a:rPr lang="en-US" dirty="0" err="1"/>
+              <a:rPr lang="en-US" b="1" dirty="0" err="1"/>
               <a:t>Fiziksel</a:t>
             </a:r>
             <a:r>
-              <a:rPr lang="en-US" dirty="0"/>
-              <a:t> </a:t>
-            </a:r>
-            <a:r>
-              <a:rPr lang="en-US" dirty="0" err="1"/>
+              <a:rPr lang="en-US" b="1" dirty="0"/>
+              <a:t> </a:t>
+            </a:r>
+            <a:r>
+              <a:rPr lang="en-US" b="1" dirty="0" err="1"/>
               <a:t>bölüm</a:t>
             </a:r>
             <a:r>
@@ -5153,19 +5063,19 @@
           <a:p>
             <a:pPr algn="just"/>
             <a:r>
-              <a:rPr lang="en-US" dirty="0" err="1"/>
+              <a:rPr lang="en-US" b="1" dirty="0" err="1"/>
               <a:t>Mantıksal</a:t>
             </a:r>
             <a:r>
-              <a:rPr lang="en-US" dirty="0"/>
-              <a:t> </a:t>
-            </a:r>
-            <a:r>
-              <a:rPr lang="en-US" dirty="0" err="1"/>
+              <a:rPr lang="en-US" b="1" dirty="0"/>
+              <a:t> </a:t>
+            </a:r>
+            <a:r>
+              <a:rPr lang="en-US" b="1" dirty="0" err="1"/>
               <a:t>Bölüm</a:t>
             </a:r>
             <a:r>
-              <a:rPr lang="en-US" dirty="0"/>
+              <a:rPr lang="en-US" b="1" dirty="0"/>
               <a:t> </a:t>
             </a:r>
             <a:r>
@@ -5529,986 +5439,538 @@
           <a:p>
             <a:pPr algn="just"/>
             <a:r>
-              <a:rPr lang="en-US" dirty="0" err="1">
-                <a:solidFill>
-                  <a:srgbClr val="002060"/>
-                </a:solidFill>
-              </a:rPr>
+              <a:rPr lang="en-US" dirty="0" err="1"/>
               <a:t>Oracle'da</a:t>
             </a:r>
             <a:r>
-              <a:rPr lang="en-US" dirty="0">
-                <a:solidFill>
-                  <a:srgbClr val="002060"/>
-                </a:solidFill>
-              </a:rPr>
+              <a:rPr lang="en-US" dirty="0"/>
               <a:t> 2 </a:t>
             </a:r>
             <a:r>
-              <a:rPr lang="en-US" dirty="0" err="1">
-                <a:solidFill>
-                  <a:srgbClr val="002060"/>
-                </a:solidFill>
-              </a:rPr>
+              <a:rPr lang="en-US" dirty="0" err="1"/>
               <a:t>tane</a:t>
             </a:r>
             <a:r>
-              <a:rPr lang="en-US" dirty="0">
-                <a:solidFill>
-                  <a:srgbClr val="002060"/>
-                </a:solidFill>
-              </a:rPr>
-              <a:t> </a:t>
-            </a:r>
-            <a:r>
-              <a:rPr lang="en-US" dirty="0" err="1">
-                <a:solidFill>
-                  <a:srgbClr val="002060"/>
-                </a:solidFill>
-              </a:rPr>
+              <a:rPr lang="en-US" dirty="0"/>
+              <a:t> </a:t>
+            </a:r>
+            <a:r>
+              <a:rPr lang="en-US" dirty="0" err="1"/>
               <a:t>hafıza</a:t>
             </a:r>
             <a:r>
-              <a:rPr lang="en-US" dirty="0">
-                <a:solidFill>
-                  <a:srgbClr val="002060"/>
-                </a:solidFill>
-              </a:rPr>
-              <a:t> </a:t>
-            </a:r>
-            <a:r>
-              <a:rPr lang="en-US" dirty="0" err="1">
-                <a:solidFill>
-                  <a:srgbClr val="002060"/>
-                </a:solidFill>
-              </a:rPr>
+              <a:rPr lang="en-US" dirty="0"/>
+              <a:t> </a:t>
+            </a:r>
+            <a:r>
+              <a:rPr lang="en-US" dirty="0" err="1"/>
               <a:t>yapısı</a:t>
             </a:r>
             <a:r>
-              <a:rPr lang="en-US" dirty="0">
-                <a:solidFill>
-                  <a:srgbClr val="002060"/>
-                </a:solidFill>
-              </a:rPr>
-              <a:t> </a:t>
-            </a:r>
-            <a:r>
-              <a:rPr lang="en-US" dirty="0" err="1">
-                <a:solidFill>
-                  <a:srgbClr val="002060"/>
-                </a:solidFill>
-              </a:rPr>
+              <a:rPr lang="en-US" dirty="0"/>
+              <a:t> </a:t>
+            </a:r>
+            <a:r>
+              <a:rPr lang="en-US" dirty="0" err="1"/>
               <a:t>mevcuttur</a:t>
             </a:r>
             <a:r>
-              <a:rPr lang="en-US" dirty="0">
-                <a:solidFill>
-                  <a:srgbClr val="002060"/>
-                </a:solidFill>
-              </a:rPr>
+              <a:rPr lang="en-US" dirty="0"/>
               <a:t>. </a:t>
             </a:r>
-            <a:r>
-              <a:rPr lang="en-US" dirty="0" err="1">
-                <a:solidFill>
-                  <a:srgbClr val="002060"/>
-                </a:solidFill>
-              </a:rPr>
+            <a:endParaRPr lang="tr-TR" dirty="0"/>
+          </a:p>
+          <a:p>
+            <a:pPr algn="just"/>
+            <a:r>
+              <a:rPr lang="en-US" dirty="0" err="1"/>
               <a:t>Bunlar</a:t>
             </a:r>
             <a:r>
-              <a:rPr lang="en-US" dirty="0">
-                <a:solidFill>
-                  <a:srgbClr val="002060"/>
-                </a:solidFill>
-              </a:rPr>
-              <a:t> da PGA(Program Global Area) </a:t>
-            </a:r>
-            <a:r>
-              <a:rPr lang="en-US" dirty="0" err="1">
-                <a:solidFill>
-                  <a:srgbClr val="002060"/>
-                </a:solidFill>
-              </a:rPr>
+              <a:rPr lang="en-US" dirty="0"/>
+              <a:t> da </a:t>
+            </a:r>
+            <a:r>
+              <a:rPr lang="en-US" b="1" dirty="0"/>
+              <a:t>PGA</a:t>
+            </a:r>
+            <a:r>
+              <a:rPr lang="tr-TR" dirty="0"/>
+              <a:t> </a:t>
+            </a:r>
+            <a:r>
+              <a:rPr lang="en-US" dirty="0"/>
+              <a:t>(Program Global Area) </a:t>
+            </a:r>
+            <a:r>
+              <a:rPr lang="en-US" dirty="0" err="1"/>
               <a:t>ve</a:t>
             </a:r>
             <a:r>
-              <a:rPr lang="en-US" dirty="0">
-                <a:solidFill>
-                  <a:srgbClr val="002060"/>
-                </a:solidFill>
-              </a:rPr>
-              <a:t> SGA( System Global Area)'</a:t>
-            </a:r>
-            <a:r>
-              <a:rPr lang="en-US" dirty="0" err="1">
-                <a:solidFill>
-                  <a:srgbClr val="002060"/>
-                </a:solidFill>
-              </a:rPr>
+              <a:rPr lang="en-US" dirty="0"/>
+              <a:t> </a:t>
+            </a:r>
+            <a:r>
+              <a:rPr lang="en-US" b="1" dirty="0"/>
+              <a:t>SGA</a:t>
+            </a:r>
+            <a:r>
+              <a:rPr lang="tr-TR" dirty="0"/>
+              <a:t> </a:t>
+            </a:r>
+            <a:r>
+              <a:rPr lang="en-US" dirty="0"/>
+              <a:t>( System Global Area)'</a:t>
+            </a:r>
+            <a:r>
+              <a:rPr lang="en-US" dirty="0" err="1"/>
               <a:t>dır</a:t>
             </a:r>
             <a:r>
-              <a:rPr lang="en-US" dirty="0">
-                <a:solidFill>
-                  <a:srgbClr val="002060"/>
-                </a:solidFill>
-              </a:rPr>
+              <a:rPr lang="en-US" dirty="0"/>
               <a:t>.</a:t>
             </a:r>
-            <a:endParaRPr lang="tr-TR" dirty="0">
-              <a:solidFill>
-                <a:srgbClr val="002060"/>
-              </a:solidFill>
-            </a:endParaRPr>
+            <a:endParaRPr lang="tr-TR" dirty="0"/>
           </a:p>
           <a:p>
             <a:pPr algn="just"/>
             <a:r>
-              <a:rPr lang="en-US" dirty="0">
-                <a:solidFill>
-                  <a:srgbClr val="002060"/>
-                </a:solidFill>
-              </a:rPr>
-              <a:t>PGA, </a:t>
-            </a:r>
-            <a:r>
-              <a:rPr lang="en-US" dirty="0" err="1">
-                <a:solidFill>
-                  <a:srgbClr val="002060"/>
-                </a:solidFill>
-              </a:rPr>
+              <a:rPr lang="en-US" b="1" dirty="0"/>
+              <a:t>PGA</a:t>
+            </a:r>
+            <a:r>
+              <a:rPr lang="en-US" dirty="0"/>
+              <a:t>, </a:t>
+            </a:r>
+            <a:r>
+              <a:rPr lang="en-US" dirty="0" err="1"/>
               <a:t>sunucu</a:t>
             </a:r>
             <a:r>
-              <a:rPr lang="en-US" dirty="0">
-                <a:solidFill>
-                  <a:srgbClr val="002060"/>
-                </a:solidFill>
-              </a:rPr>
-              <a:t> </a:t>
-            </a:r>
-            <a:r>
-              <a:rPr lang="en-US" dirty="0" err="1">
-                <a:solidFill>
-                  <a:srgbClr val="002060"/>
-                </a:solidFill>
-              </a:rPr>
+              <a:rPr lang="en-US" dirty="0"/>
+              <a:t> </a:t>
+            </a:r>
+            <a:r>
+              <a:rPr lang="en-US" dirty="0" err="1"/>
               <a:t>işlemleri</a:t>
             </a:r>
             <a:r>
-              <a:rPr lang="en-US" dirty="0">
-                <a:solidFill>
-                  <a:srgbClr val="002060"/>
-                </a:solidFill>
-              </a:rPr>
-              <a:t> </a:t>
-            </a:r>
-            <a:r>
-              <a:rPr lang="en-US" dirty="0" err="1">
-                <a:solidFill>
-                  <a:srgbClr val="002060"/>
-                </a:solidFill>
-              </a:rPr>
+              <a:rPr lang="en-US" dirty="0"/>
+              <a:t> </a:t>
+            </a:r>
+            <a:r>
+              <a:rPr lang="en-US" dirty="0" err="1"/>
               <a:t>için</a:t>
             </a:r>
             <a:r>
-              <a:rPr lang="en-US" dirty="0">
-                <a:solidFill>
-                  <a:srgbClr val="002060"/>
-                </a:solidFill>
-              </a:rPr>
-              <a:t> </a:t>
-            </a:r>
-            <a:r>
-              <a:rPr lang="en-US" dirty="0" err="1">
-                <a:solidFill>
-                  <a:srgbClr val="002060"/>
-                </a:solidFill>
-              </a:rPr>
+              <a:rPr lang="en-US" dirty="0"/>
+              <a:t> </a:t>
+            </a:r>
+            <a:r>
+              <a:rPr lang="en-US" dirty="0" err="1"/>
               <a:t>gereken</a:t>
             </a:r>
             <a:r>
-              <a:rPr lang="en-US" dirty="0">
-                <a:solidFill>
-                  <a:srgbClr val="002060"/>
-                </a:solidFill>
-              </a:rPr>
-              <a:t> </a:t>
-            </a:r>
-            <a:r>
-              <a:rPr lang="en-US" dirty="0" err="1">
-                <a:solidFill>
-                  <a:srgbClr val="002060"/>
-                </a:solidFill>
-              </a:rPr>
+              <a:rPr lang="en-US" dirty="0"/>
+              <a:t> </a:t>
+            </a:r>
+            <a:r>
+              <a:rPr lang="en-US" dirty="0" err="1"/>
               <a:t>veri</a:t>
             </a:r>
             <a:r>
-              <a:rPr lang="en-US" dirty="0">
-                <a:solidFill>
-                  <a:srgbClr val="002060"/>
-                </a:solidFill>
-              </a:rPr>
-              <a:t> </a:t>
-            </a:r>
-            <a:r>
-              <a:rPr lang="en-US" dirty="0" err="1">
-                <a:solidFill>
-                  <a:srgbClr val="002060"/>
-                </a:solidFill>
-              </a:rPr>
+              <a:rPr lang="en-US" dirty="0"/>
+              <a:t> </a:t>
+            </a:r>
+            <a:r>
+              <a:rPr lang="en-US" dirty="0" err="1"/>
               <a:t>ve</a:t>
             </a:r>
             <a:r>
-              <a:rPr lang="en-US" dirty="0">
-                <a:solidFill>
-                  <a:srgbClr val="002060"/>
-                </a:solidFill>
-              </a:rPr>
-              <a:t> </a:t>
-            </a:r>
-            <a:r>
-              <a:rPr lang="en-US" dirty="0" err="1">
-                <a:solidFill>
-                  <a:srgbClr val="002060"/>
-                </a:solidFill>
-              </a:rPr>
+              <a:rPr lang="en-US" dirty="0"/>
+              <a:t> </a:t>
+            </a:r>
+            <a:r>
+              <a:rPr lang="en-US" dirty="0" err="1"/>
               <a:t>kontrol</a:t>
             </a:r>
             <a:r>
-              <a:rPr lang="en-US" dirty="0">
-                <a:solidFill>
-                  <a:srgbClr val="002060"/>
-                </a:solidFill>
-              </a:rPr>
-              <a:t> </a:t>
-            </a:r>
-            <a:r>
-              <a:rPr lang="en-US" dirty="0" err="1">
-                <a:solidFill>
-                  <a:srgbClr val="002060"/>
-                </a:solidFill>
-              </a:rPr>
+              <a:rPr lang="en-US" dirty="0"/>
+              <a:t> </a:t>
+            </a:r>
+            <a:r>
+              <a:rPr lang="en-US" dirty="0" err="1"/>
               <a:t>bilgilerini</a:t>
             </a:r>
             <a:r>
-              <a:rPr lang="en-US" dirty="0">
-                <a:solidFill>
-                  <a:srgbClr val="002060"/>
-                </a:solidFill>
-              </a:rPr>
-              <a:t> </a:t>
-            </a:r>
-            <a:r>
-              <a:rPr lang="en-US" dirty="0" err="1">
-                <a:solidFill>
-                  <a:srgbClr val="002060"/>
-                </a:solidFill>
-              </a:rPr>
+              <a:rPr lang="en-US" dirty="0"/>
+              <a:t> </a:t>
+            </a:r>
+            <a:r>
+              <a:rPr lang="en-US" dirty="0" err="1"/>
               <a:t>tutmak</a:t>
             </a:r>
             <a:r>
-              <a:rPr lang="en-US" dirty="0">
-                <a:solidFill>
-                  <a:srgbClr val="002060"/>
-                </a:solidFill>
-              </a:rPr>
-              <a:t> </a:t>
-            </a:r>
-            <a:r>
-              <a:rPr lang="en-US" dirty="0" err="1">
-                <a:solidFill>
-                  <a:srgbClr val="002060"/>
-                </a:solidFill>
-              </a:rPr>
+              <a:rPr lang="en-US" dirty="0"/>
+              <a:t> </a:t>
+            </a:r>
+            <a:r>
+              <a:rPr lang="en-US" dirty="0" err="1"/>
               <a:t>için</a:t>
             </a:r>
             <a:r>
-              <a:rPr lang="en-US" dirty="0">
-                <a:solidFill>
-                  <a:srgbClr val="002060"/>
-                </a:solidFill>
-              </a:rPr>
-              <a:t> </a:t>
-            </a:r>
-            <a:r>
-              <a:rPr lang="en-US" dirty="0" err="1">
-                <a:solidFill>
-                  <a:srgbClr val="002060"/>
-                </a:solidFill>
-              </a:rPr>
+              <a:rPr lang="en-US" dirty="0"/>
+              <a:t> </a:t>
+            </a:r>
+            <a:r>
+              <a:rPr lang="en-US" dirty="0" err="1"/>
               <a:t>tahsis</a:t>
             </a:r>
             <a:r>
-              <a:rPr lang="en-US" dirty="0">
-                <a:solidFill>
-                  <a:srgbClr val="002060"/>
-                </a:solidFill>
-              </a:rPr>
-              <a:t> </a:t>
-            </a:r>
-            <a:r>
-              <a:rPr lang="en-US" dirty="0" err="1">
-                <a:solidFill>
-                  <a:srgbClr val="002060"/>
-                </a:solidFill>
-              </a:rPr>
+              <a:rPr lang="en-US" dirty="0"/>
+              <a:t> </a:t>
+            </a:r>
+            <a:r>
+              <a:rPr lang="en-US" dirty="0" err="1"/>
               <a:t>edilen</a:t>
             </a:r>
             <a:r>
-              <a:rPr lang="en-US" dirty="0">
-                <a:solidFill>
-                  <a:srgbClr val="002060"/>
-                </a:solidFill>
-              </a:rPr>
+              <a:rPr lang="en-US" dirty="0"/>
               <a:t> tampon </a:t>
             </a:r>
             <a:r>
-              <a:rPr lang="en-US" dirty="0" err="1">
-                <a:solidFill>
-                  <a:srgbClr val="002060"/>
-                </a:solidFill>
-              </a:rPr>
+              <a:rPr lang="en-US" dirty="0" err="1"/>
               <a:t>bellektir</a:t>
             </a:r>
             <a:r>
-              <a:rPr lang="en-US" dirty="0">
-                <a:solidFill>
-                  <a:srgbClr val="002060"/>
-                </a:solidFill>
-              </a:rPr>
+              <a:rPr lang="en-US" dirty="0"/>
               <a:t>. Oracle </a:t>
             </a:r>
             <a:r>
-              <a:rPr lang="en-US" dirty="0" err="1">
-                <a:solidFill>
-                  <a:srgbClr val="002060"/>
-                </a:solidFill>
-              </a:rPr>
+              <a:rPr lang="en-US" dirty="0" err="1"/>
               <a:t>tarafından</a:t>
             </a:r>
             <a:r>
-              <a:rPr lang="en-US" dirty="0">
-                <a:solidFill>
-                  <a:srgbClr val="002060"/>
-                </a:solidFill>
-              </a:rPr>
-              <a:t> </a:t>
-            </a:r>
-            <a:r>
-              <a:rPr lang="en-US" dirty="0" err="1">
-                <a:solidFill>
-                  <a:srgbClr val="002060"/>
-                </a:solidFill>
-              </a:rPr>
+              <a:rPr lang="en-US" dirty="0"/>
+              <a:t> </a:t>
+            </a:r>
+            <a:r>
+              <a:rPr lang="en-US" dirty="0" err="1"/>
               <a:t>bir</a:t>
             </a:r>
             <a:r>
-              <a:rPr lang="en-US" dirty="0">
-                <a:solidFill>
-                  <a:srgbClr val="002060"/>
-                </a:solidFill>
-              </a:rPr>
-              <a:t> </a:t>
-            </a:r>
-            <a:r>
-              <a:rPr lang="en-US" dirty="0" err="1">
-                <a:solidFill>
-                  <a:srgbClr val="002060"/>
-                </a:solidFill>
-              </a:rPr>
+              <a:rPr lang="en-US" dirty="0"/>
+              <a:t> </a:t>
+            </a:r>
+            <a:r>
+              <a:rPr lang="en-US" dirty="0" err="1"/>
               <a:t>sunucu</a:t>
             </a:r>
             <a:r>
-              <a:rPr lang="en-US" dirty="0">
-                <a:solidFill>
-                  <a:srgbClr val="002060"/>
-                </a:solidFill>
-              </a:rPr>
-              <a:t> </a:t>
-            </a:r>
-            <a:r>
-              <a:rPr lang="en-US" dirty="0" err="1">
-                <a:solidFill>
-                  <a:srgbClr val="002060"/>
-                </a:solidFill>
-              </a:rPr>
+              <a:rPr lang="en-US" dirty="0"/>
+              <a:t> </a:t>
+            </a:r>
+            <a:r>
+              <a:rPr lang="en-US" dirty="0" err="1"/>
               <a:t>işlemi</a:t>
             </a:r>
             <a:r>
-              <a:rPr lang="en-US" dirty="0">
-                <a:solidFill>
-                  <a:srgbClr val="002060"/>
-                </a:solidFill>
-              </a:rPr>
-              <a:t> </a:t>
-            </a:r>
-            <a:r>
-              <a:rPr lang="en-US" dirty="0" err="1">
-                <a:solidFill>
-                  <a:srgbClr val="002060"/>
-                </a:solidFill>
-              </a:rPr>
+              <a:rPr lang="en-US" dirty="0"/>
+              <a:t> </a:t>
+            </a:r>
+            <a:r>
+              <a:rPr lang="en-US" dirty="0" err="1"/>
               <a:t>başladığında</a:t>
             </a:r>
             <a:r>
-              <a:rPr lang="en-US" dirty="0">
-                <a:solidFill>
-                  <a:srgbClr val="002060"/>
-                </a:solidFill>
-              </a:rPr>
-              <a:t> </a:t>
-            </a:r>
-            <a:r>
-              <a:rPr lang="en-US" dirty="0" err="1">
-                <a:solidFill>
-                  <a:srgbClr val="002060"/>
-                </a:solidFill>
-              </a:rPr>
+              <a:rPr lang="en-US" dirty="0"/>
+              <a:t> </a:t>
+            </a:r>
+            <a:r>
+              <a:rPr lang="en-US" dirty="0" err="1"/>
               <a:t>otomatik</a:t>
             </a:r>
             <a:r>
-              <a:rPr lang="en-US" dirty="0">
-                <a:solidFill>
-                  <a:srgbClr val="002060"/>
-                </a:solidFill>
-              </a:rPr>
-              <a:t> </a:t>
-            </a:r>
-            <a:r>
-              <a:rPr lang="en-US" dirty="0" err="1">
-                <a:solidFill>
-                  <a:srgbClr val="002060"/>
-                </a:solidFill>
-              </a:rPr>
+              <a:rPr lang="en-US" dirty="0"/>
+              <a:t> </a:t>
+            </a:r>
+            <a:r>
+              <a:rPr lang="en-US" dirty="0" err="1"/>
               <a:t>olarak</a:t>
             </a:r>
             <a:r>
-              <a:rPr lang="en-US" dirty="0">
-                <a:solidFill>
-                  <a:srgbClr val="002060"/>
-                </a:solidFill>
-              </a:rPr>
-              <a:t> </a:t>
-            </a:r>
-            <a:r>
-              <a:rPr lang="en-US" dirty="0" err="1">
-                <a:solidFill>
-                  <a:srgbClr val="002060"/>
-                </a:solidFill>
-              </a:rPr>
+              <a:rPr lang="en-US" dirty="0"/>
+              <a:t> </a:t>
+            </a:r>
+            <a:r>
+              <a:rPr lang="en-US" dirty="0" err="1"/>
               <a:t>tahsis</a:t>
             </a:r>
             <a:r>
-              <a:rPr lang="en-US" dirty="0">
-                <a:solidFill>
-                  <a:srgbClr val="002060"/>
-                </a:solidFill>
-              </a:rPr>
-              <a:t> </a:t>
-            </a:r>
-            <a:r>
-              <a:rPr lang="en-US" dirty="0" err="1">
-                <a:solidFill>
-                  <a:srgbClr val="002060"/>
-                </a:solidFill>
-              </a:rPr>
+              <a:rPr lang="en-US" dirty="0"/>
+              <a:t> </a:t>
+            </a:r>
+            <a:r>
+              <a:rPr lang="en-US" dirty="0" err="1"/>
               <a:t>edilir</a:t>
             </a:r>
             <a:r>
-              <a:rPr lang="en-US" dirty="0">
-                <a:solidFill>
-                  <a:srgbClr val="002060"/>
-                </a:solidFill>
-              </a:rPr>
+              <a:rPr lang="en-US" dirty="0"/>
               <a:t>. </a:t>
             </a:r>
             <a:r>
-              <a:rPr lang="en-US" dirty="0" err="1">
-                <a:solidFill>
-                  <a:srgbClr val="002060"/>
-                </a:solidFill>
-              </a:rPr>
+              <a:rPr lang="en-US" dirty="0" err="1"/>
               <a:t>İçinde</a:t>
             </a:r>
             <a:r>
-              <a:rPr lang="en-US" dirty="0">
-                <a:solidFill>
-                  <a:srgbClr val="002060"/>
-                </a:solidFill>
-              </a:rPr>
-              <a:t> </a:t>
-            </a:r>
-            <a:r>
-              <a:rPr lang="en-US" dirty="0" err="1">
-                <a:solidFill>
-                  <a:srgbClr val="002060"/>
-                </a:solidFill>
-              </a:rPr>
+              <a:rPr lang="en-US" dirty="0"/>
+              <a:t> </a:t>
+            </a:r>
+            <a:r>
+              <a:rPr lang="en-US" dirty="0" err="1"/>
               <a:t>tutulacak</a:t>
             </a:r>
             <a:r>
-              <a:rPr lang="en-US" dirty="0">
-                <a:solidFill>
-                  <a:srgbClr val="002060"/>
-                </a:solidFill>
-              </a:rPr>
-              <a:t> </a:t>
-            </a:r>
-            <a:r>
-              <a:rPr lang="en-US" dirty="0" err="1">
-                <a:solidFill>
-                  <a:srgbClr val="002060"/>
-                </a:solidFill>
-              </a:rPr>
+              <a:rPr lang="en-US" dirty="0"/>
+              <a:t> </a:t>
+            </a:r>
+            <a:r>
+              <a:rPr lang="en-US" dirty="0" err="1"/>
               <a:t>bilgi</a:t>
             </a:r>
             <a:r>
-              <a:rPr lang="en-US" dirty="0">
-                <a:solidFill>
-                  <a:srgbClr val="002060"/>
-                </a:solidFill>
-              </a:rPr>
+              <a:rPr lang="en-US" dirty="0"/>
               <a:t> oracle </a:t>
             </a:r>
             <a:r>
-              <a:rPr lang="en-US" dirty="0" err="1">
-                <a:solidFill>
-                  <a:srgbClr val="002060"/>
-                </a:solidFill>
-              </a:rPr>
+              <a:rPr lang="en-US" dirty="0" err="1"/>
               <a:t>konfigürasyonuna</a:t>
             </a:r>
             <a:r>
-              <a:rPr lang="en-US" dirty="0">
-                <a:solidFill>
-                  <a:srgbClr val="002060"/>
-                </a:solidFill>
-              </a:rPr>
-              <a:t> </a:t>
-            </a:r>
-            <a:r>
-              <a:rPr lang="en-US" dirty="0" err="1">
-                <a:solidFill>
-                  <a:srgbClr val="002060"/>
-                </a:solidFill>
-              </a:rPr>
+              <a:rPr lang="en-US" dirty="0"/>
+              <a:t> </a:t>
+            </a:r>
+            <a:r>
+              <a:rPr lang="en-US" dirty="0" err="1"/>
               <a:t>bağlıdır</a:t>
             </a:r>
             <a:r>
-              <a:rPr lang="en-US" dirty="0">
-                <a:solidFill>
-                  <a:srgbClr val="002060"/>
-                </a:solidFill>
-              </a:rPr>
-              <a:t>. SGA, </a:t>
-            </a:r>
-            <a:r>
-              <a:rPr lang="en-US" dirty="0" err="1">
-                <a:solidFill>
-                  <a:srgbClr val="002060"/>
-                </a:solidFill>
-              </a:rPr>
+              <a:rPr lang="en-US" dirty="0"/>
+              <a:t>. </a:t>
+            </a:r>
+            <a:endParaRPr lang="tr-TR" dirty="0"/>
+          </a:p>
+          <a:p>
+            <a:pPr algn="just"/>
+            <a:r>
+              <a:rPr lang="en-US" b="1" dirty="0"/>
+              <a:t>SGA</a:t>
+            </a:r>
+            <a:r>
+              <a:rPr lang="en-US" dirty="0"/>
+              <a:t>, </a:t>
+            </a:r>
+            <a:r>
+              <a:rPr lang="en-US" dirty="0" err="1"/>
               <a:t>Hafızanın</a:t>
             </a:r>
             <a:r>
-              <a:rPr lang="en-US" dirty="0">
-                <a:solidFill>
-                  <a:srgbClr val="002060"/>
-                </a:solidFill>
-              </a:rPr>
-              <a:t> </a:t>
-            </a:r>
-            <a:r>
-              <a:rPr lang="en-US" dirty="0" err="1">
-                <a:solidFill>
-                  <a:srgbClr val="002060"/>
-                </a:solidFill>
-              </a:rPr>
+              <a:rPr lang="en-US" dirty="0"/>
+              <a:t> </a:t>
+            </a:r>
+            <a:r>
+              <a:rPr lang="en-US" dirty="0" err="1"/>
               <a:t>veritabanı</a:t>
             </a:r>
             <a:r>
-              <a:rPr lang="en-US" dirty="0">
-                <a:solidFill>
-                  <a:srgbClr val="002060"/>
-                </a:solidFill>
-              </a:rPr>
-              <a:t> </a:t>
-            </a:r>
-            <a:r>
-              <a:rPr lang="en-US" dirty="0" err="1">
-                <a:solidFill>
-                  <a:srgbClr val="002060"/>
-                </a:solidFill>
-              </a:rPr>
+              <a:rPr lang="en-US" dirty="0"/>
+              <a:t> </a:t>
+            </a:r>
+            <a:r>
+              <a:rPr lang="en-US" dirty="0" err="1"/>
               <a:t>instance'ı</a:t>
             </a:r>
             <a:r>
-              <a:rPr lang="en-US" dirty="0">
-                <a:solidFill>
-                  <a:srgbClr val="002060"/>
-                </a:solidFill>
-              </a:rPr>
-              <a:t> </a:t>
-            </a:r>
-            <a:r>
-              <a:rPr lang="en-US" dirty="0" err="1">
-                <a:solidFill>
-                  <a:srgbClr val="002060"/>
-                </a:solidFill>
-              </a:rPr>
+              <a:rPr lang="en-US" dirty="0"/>
+              <a:t> </a:t>
+            </a:r>
+            <a:r>
+              <a:rPr lang="en-US" dirty="0" err="1"/>
               <a:t>ile</a:t>
             </a:r>
             <a:r>
-              <a:rPr lang="en-US" dirty="0">
-                <a:solidFill>
-                  <a:srgbClr val="002060"/>
-                </a:solidFill>
-              </a:rPr>
-              <a:t> </a:t>
-            </a:r>
-            <a:r>
-              <a:rPr lang="en-US" dirty="0" err="1">
-                <a:solidFill>
-                  <a:srgbClr val="002060"/>
-                </a:solidFill>
-              </a:rPr>
+              <a:rPr lang="en-US" dirty="0"/>
+              <a:t> </a:t>
+            </a:r>
+            <a:r>
+              <a:rPr lang="en-US" dirty="0" err="1"/>
               <a:t>ilgili</a:t>
             </a:r>
             <a:r>
-              <a:rPr lang="en-US" dirty="0">
-                <a:solidFill>
-                  <a:srgbClr val="002060"/>
-                </a:solidFill>
-              </a:rPr>
-              <a:t> </a:t>
-            </a:r>
-            <a:r>
-              <a:rPr lang="en-US" dirty="0" err="1">
-                <a:solidFill>
-                  <a:srgbClr val="002060"/>
-                </a:solidFill>
-              </a:rPr>
+              <a:rPr lang="en-US" dirty="0"/>
+              <a:t> </a:t>
+            </a:r>
+            <a:r>
+              <a:rPr lang="en-US" dirty="0" err="1"/>
               <a:t>veri</a:t>
             </a:r>
             <a:r>
-              <a:rPr lang="en-US" dirty="0">
-                <a:solidFill>
-                  <a:srgbClr val="002060"/>
-                </a:solidFill>
-              </a:rPr>
-              <a:t> </a:t>
-            </a:r>
-            <a:r>
-              <a:rPr lang="en-US" dirty="0" err="1">
-                <a:solidFill>
-                  <a:srgbClr val="002060"/>
-                </a:solidFill>
-              </a:rPr>
+              <a:rPr lang="en-US" dirty="0"/>
+              <a:t> </a:t>
+            </a:r>
+            <a:r>
+              <a:rPr lang="en-US" dirty="0" err="1"/>
               <a:t>ve</a:t>
             </a:r>
             <a:r>
-              <a:rPr lang="en-US" dirty="0">
-                <a:solidFill>
-                  <a:srgbClr val="002060"/>
-                </a:solidFill>
-              </a:rPr>
-              <a:t> </a:t>
-            </a:r>
-            <a:r>
-              <a:rPr lang="en-US" dirty="0" err="1">
-                <a:solidFill>
-                  <a:srgbClr val="002060"/>
-                </a:solidFill>
-              </a:rPr>
+              <a:rPr lang="en-US" dirty="0"/>
+              <a:t> </a:t>
+            </a:r>
+            <a:r>
+              <a:rPr lang="en-US" dirty="0" err="1"/>
               <a:t>kontrol</a:t>
             </a:r>
             <a:r>
-              <a:rPr lang="en-US" dirty="0">
-                <a:solidFill>
-                  <a:srgbClr val="002060"/>
-                </a:solidFill>
-              </a:rPr>
-              <a:t> </a:t>
-            </a:r>
-            <a:r>
-              <a:rPr lang="en-US" dirty="0" err="1">
-                <a:solidFill>
-                  <a:srgbClr val="002060"/>
-                </a:solidFill>
-              </a:rPr>
+              <a:rPr lang="en-US" dirty="0"/>
+              <a:t> </a:t>
+            </a:r>
+            <a:r>
+              <a:rPr lang="en-US" dirty="0" err="1"/>
               <a:t>bilgisinin</a:t>
             </a:r>
             <a:r>
-              <a:rPr lang="en-US" dirty="0">
-                <a:solidFill>
-                  <a:srgbClr val="002060"/>
-                </a:solidFill>
-              </a:rPr>
-              <a:t> </a:t>
-            </a:r>
-            <a:r>
-              <a:rPr lang="en-US" dirty="0" err="1">
-                <a:solidFill>
-                  <a:srgbClr val="002060"/>
-                </a:solidFill>
-              </a:rPr>
+              <a:rPr lang="en-US" dirty="0"/>
+              <a:t> </a:t>
+            </a:r>
+            <a:r>
+              <a:rPr lang="en-US" dirty="0" err="1"/>
               <a:t>bulunduğu</a:t>
             </a:r>
             <a:r>
-              <a:rPr lang="en-US" dirty="0">
-                <a:solidFill>
-                  <a:srgbClr val="002060"/>
-                </a:solidFill>
-              </a:rPr>
-              <a:t> </a:t>
-            </a:r>
-            <a:r>
-              <a:rPr lang="en-US" dirty="0" err="1">
-                <a:solidFill>
-                  <a:srgbClr val="002060"/>
-                </a:solidFill>
-              </a:rPr>
+              <a:rPr lang="en-US" dirty="0"/>
+              <a:t> </a:t>
+            </a:r>
+            <a:r>
+              <a:rPr lang="en-US" dirty="0" err="1"/>
               <a:t>yerdir</a:t>
             </a:r>
             <a:r>
-              <a:rPr lang="en-US" dirty="0">
-                <a:solidFill>
-                  <a:srgbClr val="002060"/>
-                </a:solidFill>
-              </a:rPr>
+              <a:rPr lang="en-US" dirty="0"/>
               <a:t>. SGA </a:t>
             </a:r>
             <a:r>
-              <a:rPr lang="en-US" dirty="0" err="1">
-                <a:solidFill>
-                  <a:srgbClr val="002060"/>
-                </a:solidFill>
-              </a:rPr>
+              <a:rPr lang="en-US" dirty="0" err="1"/>
               <a:t>tek</a:t>
             </a:r>
             <a:r>
-              <a:rPr lang="en-US" dirty="0">
-                <a:solidFill>
-                  <a:srgbClr val="002060"/>
-                </a:solidFill>
-              </a:rPr>
-              <a:t> </a:t>
-            </a:r>
-            <a:r>
-              <a:rPr lang="en-US" dirty="0" err="1">
-                <a:solidFill>
-                  <a:srgbClr val="002060"/>
-                </a:solidFill>
-              </a:rPr>
+              <a:rPr lang="en-US" dirty="0"/>
+              <a:t> </a:t>
+            </a:r>
+            <a:r>
+              <a:rPr lang="en-US" dirty="0" err="1"/>
               <a:t>bir</a:t>
             </a:r>
             <a:r>
-              <a:rPr lang="en-US" dirty="0">
-                <a:solidFill>
-                  <a:srgbClr val="002060"/>
-                </a:solidFill>
-              </a:rPr>
+              <a:rPr lang="en-US" dirty="0"/>
               <a:t> oracle </a:t>
             </a:r>
             <a:r>
-              <a:rPr lang="en-US" dirty="0" err="1">
-                <a:solidFill>
-                  <a:srgbClr val="002060"/>
-                </a:solidFill>
-              </a:rPr>
+              <a:rPr lang="en-US" dirty="0" err="1"/>
               <a:t>instance'in</a:t>
             </a:r>
             <a:r>
-              <a:rPr lang="en-US" dirty="0">
-                <a:solidFill>
-                  <a:srgbClr val="002060"/>
-                </a:solidFill>
-              </a:rPr>
-              <a:t> </a:t>
-            </a:r>
-            <a:r>
-              <a:rPr lang="en-US" dirty="0" err="1">
-                <a:solidFill>
-                  <a:srgbClr val="002060"/>
-                </a:solidFill>
-              </a:rPr>
+              <a:rPr lang="en-US" dirty="0"/>
+              <a:t> </a:t>
+            </a:r>
+            <a:r>
+              <a:rPr lang="en-US" dirty="0" err="1"/>
               <a:t>ihtiyaç</a:t>
             </a:r>
             <a:r>
-              <a:rPr lang="en-US" dirty="0">
-                <a:solidFill>
-                  <a:srgbClr val="002060"/>
-                </a:solidFill>
-              </a:rPr>
-              <a:t> </a:t>
-            </a:r>
-            <a:r>
-              <a:rPr lang="en-US" dirty="0" err="1">
-                <a:solidFill>
-                  <a:srgbClr val="002060"/>
-                </a:solidFill>
-              </a:rPr>
+              <a:rPr lang="en-US" dirty="0"/>
+              <a:t> </a:t>
+            </a:r>
+            <a:r>
+              <a:rPr lang="en-US" dirty="0" err="1"/>
               <a:t>duyduğu</a:t>
             </a:r>
             <a:r>
-              <a:rPr lang="en-US" dirty="0">
-                <a:solidFill>
-                  <a:srgbClr val="002060"/>
-                </a:solidFill>
-              </a:rPr>
-              <a:t> </a:t>
-            </a:r>
-            <a:r>
-              <a:rPr lang="en-US" dirty="0" err="1">
-                <a:solidFill>
-                  <a:srgbClr val="002060"/>
-                </a:solidFill>
-              </a:rPr>
+              <a:rPr lang="en-US" dirty="0"/>
+              <a:t> </a:t>
+            </a:r>
+            <a:r>
+              <a:rPr lang="en-US" dirty="0" err="1"/>
               <a:t>veri</a:t>
             </a:r>
             <a:r>
-              <a:rPr lang="en-US" dirty="0">
-                <a:solidFill>
-                  <a:srgbClr val="002060"/>
-                </a:solidFill>
-              </a:rPr>
-              <a:t> </a:t>
-            </a:r>
-            <a:r>
-              <a:rPr lang="en-US" dirty="0" err="1">
-                <a:solidFill>
-                  <a:srgbClr val="002060"/>
-                </a:solidFill>
-              </a:rPr>
+              <a:rPr lang="en-US" dirty="0"/>
+              <a:t> </a:t>
+            </a:r>
+            <a:r>
+              <a:rPr lang="en-US" dirty="0" err="1"/>
               <a:t>ve</a:t>
             </a:r>
             <a:r>
-              <a:rPr lang="en-US" dirty="0">
-                <a:solidFill>
-                  <a:srgbClr val="002060"/>
-                </a:solidFill>
-              </a:rPr>
-              <a:t> </a:t>
-            </a:r>
-            <a:r>
-              <a:rPr lang="en-US" dirty="0" err="1">
-                <a:solidFill>
-                  <a:srgbClr val="002060"/>
-                </a:solidFill>
-              </a:rPr>
+              <a:rPr lang="en-US" dirty="0"/>
+              <a:t> </a:t>
+            </a:r>
+            <a:r>
+              <a:rPr lang="en-US" dirty="0" err="1"/>
               <a:t>kontrol</a:t>
             </a:r>
             <a:r>
-              <a:rPr lang="en-US" dirty="0">
-                <a:solidFill>
-                  <a:srgbClr val="002060"/>
-                </a:solidFill>
-              </a:rPr>
-              <a:t> </a:t>
-            </a:r>
-            <a:r>
-              <a:rPr lang="en-US" dirty="0" err="1">
-                <a:solidFill>
-                  <a:srgbClr val="002060"/>
-                </a:solidFill>
-              </a:rPr>
+              <a:rPr lang="en-US" dirty="0"/>
+              <a:t> </a:t>
+            </a:r>
+            <a:r>
+              <a:rPr lang="en-US" dirty="0" err="1"/>
               <a:t>bilgilerinin</a:t>
             </a:r>
             <a:r>
-              <a:rPr lang="en-US" dirty="0">
-                <a:solidFill>
-                  <a:srgbClr val="002060"/>
-                </a:solidFill>
-              </a:rPr>
-              <a:t> </a:t>
-            </a:r>
-            <a:r>
-              <a:rPr lang="en-US" dirty="0" err="1">
-                <a:solidFill>
-                  <a:srgbClr val="002060"/>
-                </a:solidFill>
-              </a:rPr>
+              <a:rPr lang="en-US" dirty="0"/>
+              <a:t> </a:t>
+            </a:r>
+            <a:r>
+              <a:rPr lang="en-US" dirty="0" err="1"/>
               <a:t>tutulduğu</a:t>
             </a:r>
             <a:r>
-              <a:rPr lang="en-US" dirty="0">
-                <a:solidFill>
-                  <a:srgbClr val="002060"/>
-                </a:solidFill>
-              </a:rPr>
-              <a:t> </a:t>
-            </a:r>
-            <a:r>
-              <a:rPr lang="en-US" dirty="0" err="1">
-                <a:solidFill>
-                  <a:srgbClr val="002060"/>
-                </a:solidFill>
-              </a:rPr>
+              <a:rPr lang="en-US" dirty="0"/>
+              <a:t> </a:t>
+            </a:r>
+            <a:r>
+              <a:rPr lang="en-US" dirty="0" err="1"/>
               <a:t>paylaşıma</a:t>
             </a:r>
             <a:r>
-              <a:rPr lang="en-US" dirty="0">
-                <a:solidFill>
-                  <a:srgbClr val="002060"/>
-                </a:solidFill>
-              </a:rPr>
-              <a:t> </a:t>
-            </a:r>
-            <a:r>
-              <a:rPr lang="en-US" dirty="0" err="1">
-                <a:solidFill>
-                  <a:srgbClr val="002060"/>
-                </a:solidFill>
-              </a:rPr>
+              <a:rPr lang="en-US" dirty="0"/>
+              <a:t> </a:t>
+            </a:r>
+            <a:r>
+              <a:rPr lang="en-US" dirty="0" err="1"/>
               <a:t>açık</a:t>
             </a:r>
             <a:r>
-              <a:rPr lang="en-US" dirty="0">
-                <a:solidFill>
-                  <a:srgbClr val="002060"/>
-                </a:solidFill>
-              </a:rPr>
-              <a:t> </a:t>
-            </a:r>
-            <a:r>
-              <a:rPr lang="en-US" dirty="0" err="1">
-                <a:solidFill>
-                  <a:srgbClr val="002060"/>
-                </a:solidFill>
-              </a:rPr>
+              <a:rPr lang="en-US" dirty="0"/>
+              <a:t> </a:t>
+            </a:r>
+            <a:r>
+              <a:rPr lang="en-US" dirty="0" err="1"/>
               <a:t>bellek</a:t>
             </a:r>
             <a:r>
-              <a:rPr lang="en-US" dirty="0">
-                <a:solidFill>
-                  <a:srgbClr val="002060"/>
-                </a:solidFill>
-              </a:rPr>
-              <a:t> </a:t>
-            </a:r>
-            <a:r>
-              <a:rPr lang="en-US" dirty="0" err="1">
-                <a:solidFill>
-                  <a:srgbClr val="002060"/>
-                </a:solidFill>
-              </a:rPr>
+              <a:rPr lang="en-US" dirty="0"/>
+              <a:t> </a:t>
+            </a:r>
+            <a:r>
+              <a:rPr lang="en-US" dirty="0" err="1"/>
               <a:t>alanıdır</a:t>
             </a:r>
             <a:r>
-              <a:rPr lang="tr-TR" dirty="0">
-                <a:solidFill>
-                  <a:srgbClr val="002060"/>
-                </a:solidFill>
-              </a:rPr>
+              <a:rPr lang="tr-TR" dirty="0"/>
               <a:t>.</a:t>
             </a:r>
-            <a:endParaRPr lang="en-US" dirty="0">
-              <a:solidFill>
-                <a:srgbClr val="002060"/>
-              </a:solidFill>
-            </a:endParaRPr>
+            <a:endParaRPr lang="en-US" dirty="0"/>
           </a:p>
         </p:txBody>
       </p:sp>
@@ -6572,8 +6034,12 @@
           <a:p>
             <a:pPr algn="just"/>
             <a:r>
+              <a:rPr lang="en-US" sz="2000" b="1" dirty="0" err="1"/>
+              <a:t>SGA</a:t>
+            </a:r>
+            <a:r>
               <a:rPr lang="en-US" sz="2000" dirty="0" err="1"/>
-              <a:t>SGA’yı</a:t>
+              <a:t>’yı</a:t>
             </a:r>
             <a:r>
               <a:rPr lang="en-US" sz="2000" dirty="0"/>

--- a/Slides/Oracle DB & SQL Developer - Bolum I.pptx
+++ b/Slides/Oracle DB & SQL Developer - Bolum I.pptx
@@ -267,7 +267,7 @@
           <a:p>
             <a:fld id="{1EF65BA3-D42C-4D83-83AF-D4390FDCAD1F}" type="datetimeFigureOut">
               <a:rPr lang="en-US" smtClean="0"/>
-              <a:t>5/4/2023</a:t>
+              <a:t>5/10/2023</a:t>
             </a:fld>
             <a:endParaRPr lang="en-US"/>
           </a:p>
@@ -465,7 +465,7 @@
           <a:p>
             <a:fld id="{1EF65BA3-D42C-4D83-83AF-D4390FDCAD1F}" type="datetimeFigureOut">
               <a:rPr lang="en-US" smtClean="0"/>
-              <a:t>5/4/2023</a:t>
+              <a:t>5/10/2023</a:t>
             </a:fld>
             <a:endParaRPr lang="en-US"/>
           </a:p>
@@ -673,7 +673,7 @@
           <a:p>
             <a:fld id="{1EF65BA3-D42C-4D83-83AF-D4390FDCAD1F}" type="datetimeFigureOut">
               <a:rPr lang="en-US" smtClean="0"/>
-              <a:t>5/4/2023</a:t>
+              <a:t>5/10/2023</a:t>
             </a:fld>
             <a:endParaRPr lang="en-US"/>
           </a:p>
@@ -871,7 +871,7 @@
           <a:p>
             <a:fld id="{1EF65BA3-D42C-4D83-83AF-D4390FDCAD1F}" type="datetimeFigureOut">
               <a:rPr lang="en-US" smtClean="0"/>
-              <a:t>5/4/2023</a:t>
+              <a:t>5/10/2023</a:t>
             </a:fld>
             <a:endParaRPr lang="en-US"/>
           </a:p>
@@ -1146,7 +1146,7 @@
           <a:p>
             <a:fld id="{1EF65BA3-D42C-4D83-83AF-D4390FDCAD1F}" type="datetimeFigureOut">
               <a:rPr lang="en-US" smtClean="0"/>
-              <a:t>5/4/2023</a:t>
+              <a:t>5/10/2023</a:t>
             </a:fld>
             <a:endParaRPr lang="en-US"/>
           </a:p>
@@ -1411,7 +1411,7 @@
           <a:p>
             <a:fld id="{1EF65BA3-D42C-4D83-83AF-D4390FDCAD1F}" type="datetimeFigureOut">
               <a:rPr lang="en-US" smtClean="0"/>
-              <a:t>5/4/2023</a:t>
+              <a:t>5/10/2023</a:t>
             </a:fld>
             <a:endParaRPr lang="en-US"/>
           </a:p>
@@ -1823,7 +1823,7 @@
           <a:p>
             <a:fld id="{1EF65BA3-D42C-4D83-83AF-D4390FDCAD1F}" type="datetimeFigureOut">
               <a:rPr lang="en-US" smtClean="0"/>
-              <a:t>5/4/2023</a:t>
+              <a:t>5/10/2023</a:t>
             </a:fld>
             <a:endParaRPr lang="en-US"/>
           </a:p>
@@ -1964,7 +1964,7 @@
           <a:p>
             <a:fld id="{1EF65BA3-D42C-4D83-83AF-D4390FDCAD1F}" type="datetimeFigureOut">
               <a:rPr lang="en-US" smtClean="0"/>
-              <a:t>5/4/2023</a:t>
+              <a:t>5/10/2023</a:t>
             </a:fld>
             <a:endParaRPr lang="en-US"/>
           </a:p>
@@ -2077,7 +2077,7 @@
           <a:p>
             <a:fld id="{1EF65BA3-D42C-4D83-83AF-D4390FDCAD1F}" type="datetimeFigureOut">
               <a:rPr lang="en-US" smtClean="0"/>
-              <a:t>5/4/2023</a:t>
+              <a:t>5/10/2023</a:t>
             </a:fld>
             <a:endParaRPr lang="en-US"/>
           </a:p>
@@ -2388,7 +2388,7 @@
           <a:p>
             <a:fld id="{1EF65BA3-D42C-4D83-83AF-D4390FDCAD1F}" type="datetimeFigureOut">
               <a:rPr lang="en-US" smtClean="0"/>
-              <a:t>5/4/2023</a:t>
+              <a:t>5/10/2023</a:t>
             </a:fld>
             <a:endParaRPr lang="en-US"/>
           </a:p>
@@ -2676,7 +2676,7 @@
           <a:p>
             <a:fld id="{1EF65BA3-D42C-4D83-83AF-D4390FDCAD1F}" type="datetimeFigureOut">
               <a:rPr lang="en-US" smtClean="0"/>
-              <a:t>5/4/2023</a:t>
+              <a:t>5/10/2023</a:t>
             </a:fld>
             <a:endParaRPr lang="en-US"/>
           </a:p>
@@ -2917,7 +2917,7 @@
           <a:p>
             <a:fld id="{1EF65BA3-D42C-4D83-83AF-D4390FDCAD1F}" type="datetimeFigureOut">
               <a:rPr lang="en-US" smtClean="0"/>
-              <a:t>5/4/2023</a:t>
+              <a:t>5/10/2023</a:t>
             </a:fld>
             <a:endParaRPr lang="en-US"/>
           </a:p>
@@ -3703,6 +3703,42 @@
           </a:p>
         </p:txBody>
       </p:sp>
+      <p:pic>
+        <p:nvPicPr>
+          <p:cNvPr id="5" name="Picture 4">
+            <a:extLst>
+              <a:ext uri="{FF2B5EF4-FFF2-40B4-BE49-F238E27FC236}">
+                <a16:creationId xmlns:a16="http://schemas.microsoft.com/office/drawing/2014/main" id="{14FD1282-6008-6868-5AB0-B2F88A54371B}"/>
+              </a:ext>
+            </a:extLst>
+          </p:cNvPr>
+          <p:cNvPicPr>
+            <a:picLocks noChangeAspect="1"/>
+          </p:cNvPicPr>
+          <p:nvPr/>
+        </p:nvPicPr>
+        <p:blipFill>
+          <a:blip r:embed="rId2">
+            <a:extLst>
+              <a:ext uri="{28A0092B-C50C-407E-A947-70E740481C1C}">
+                <a14:useLocalDpi xmlns:a14="http://schemas.microsoft.com/office/drawing/2010/main" val="0"/>
+              </a:ext>
+            </a:extLst>
+          </a:blip>
+          <a:stretch>
+            <a:fillRect/>
+          </a:stretch>
+        </p:blipFill>
+        <p:spPr>
+          <a:xfrm>
+            <a:off x="10486862" y="1"/>
+            <a:ext cx="1705138" cy="949314"/>
+          </a:xfrm>
+          <a:prstGeom prst="rect">
+            <a:avLst/>
+          </a:prstGeom>
+        </p:spPr>
+      </p:pic>
     </p:spTree>
     <p:extLst>
       <p:ext uri="{BB962C8B-B14F-4D97-AF65-F5344CB8AC3E}">
@@ -3964,6 +4000,42 @@
           </a:p>
         </p:txBody>
       </p:sp>
+      <p:pic>
+        <p:nvPicPr>
+          <p:cNvPr id="4" name="Picture 3">
+            <a:extLst>
+              <a:ext uri="{FF2B5EF4-FFF2-40B4-BE49-F238E27FC236}">
+                <a16:creationId xmlns:a16="http://schemas.microsoft.com/office/drawing/2014/main" id="{ED3206D2-366D-13A3-83AA-E06F0C5E481E}"/>
+              </a:ext>
+            </a:extLst>
+          </p:cNvPr>
+          <p:cNvPicPr>
+            <a:picLocks noChangeAspect="1"/>
+          </p:cNvPicPr>
+          <p:nvPr/>
+        </p:nvPicPr>
+        <p:blipFill>
+          <a:blip r:embed="rId6">
+            <a:extLst>
+              <a:ext uri="{28A0092B-C50C-407E-A947-70E740481C1C}">
+                <a14:useLocalDpi xmlns:a14="http://schemas.microsoft.com/office/drawing/2010/main" val="0"/>
+              </a:ext>
+            </a:extLst>
+          </a:blip>
+          <a:stretch>
+            <a:fillRect/>
+          </a:stretch>
+        </p:blipFill>
+        <p:spPr>
+          <a:xfrm>
+            <a:off x="10486862" y="1"/>
+            <a:ext cx="1705138" cy="949314"/>
+          </a:xfrm>
+          <a:prstGeom prst="rect">
+            <a:avLst/>
+          </a:prstGeom>
+        </p:spPr>
+      </p:pic>
     </p:spTree>
     <p:extLst>
       <p:ext uri="{BB962C8B-B14F-4D97-AF65-F5344CB8AC3E}">
@@ -4167,7 +4239,7 @@
             </a:r>
             <a:r>
               <a:rPr lang="en-US" dirty="0"/>
-              <a:t>.(</a:t>
+              <a:t> (</a:t>
             </a:r>
             <a:r>
               <a:rPr lang="en-US" dirty="0" err="1"/>
@@ -4258,7 +4330,7 @@
             </a:r>
             <a:r>
               <a:rPr lang="en-US" dirty="0"/>
-              <a:t>. (Transaction) </a:t>
+              <a:t> (Transaction) </a:t>
             </a:r>
           </a:p>
           <a:p>
@@ -4619,6 +4691,42 @@
           </a:p>
         </p:txBody>
       </p:sp>
+      <p:pic>
+        <p:nvPicPr>
+          <p:cNvPr id="4" name="Picture 3">
+            <a:extLst>
+              <a:ext uri="{FF2B5EF4-FFF2-40B4-BE49-F238E27FC236}">
+                <a16:creationId xmlns:a16="http://schemas.microsoft.com/office/drawing/2014/main" id="{528C90E1-2A80-74A0-572D-8DEAEF885D51}"/>
+              </a:ext>
+            </a:extLst>
+          </p:cNvPr>
+          <p:cNvPicPr>
+            <a:picLocks noChangeAspect="1"/>
+          </p:cNvPicPr>
+          <p:nvPr/>
+        </p:nvPicPr>
+        <p:blipFill>
+          <a:blip r:embed="rId2">
+            <a:extLst>
+              <a:ext uri="{28A0092B-C50C-407E-A947-70E740481C1C}">
+                <a14:useLocalDpi xmlns:a14="http://schemas.microsoft.com/office/drawing/2010/main" val="0"/>
+              </a:ext>
+            </a:extLst>
+          </a:blip>
+          <a:stretch>
+            <a:fillRect/>
+          </a:stretch>
+        </p:blipFill>
+        <p:spPr>
+          <a:xfrm>
+            <a:off x="10486862" y="1"/>
+            <a:ext cx="1705138" cy="949314"/>
+          </a:xfrm>
+          <a:prstGeom prst="rect">
+            <a:avLst/>
+          </a:prstGeom>
+        </p:spPr>
+      </p:pic>
     </p:spTree>
     <p:extLst>
       <p:ext uri="{BB962C8B-B14F-4D97-AF65-F5344CB8AC3E}">
@@ -5249,6 +5357,42 @@
           </a:p>
         </p:txBody>
       </p:sp>
+      <p:pic>
+        <p:nvPicPr>
+          <p:cNvPr id="4" name="Picture 3">
+            <a:extLst>
+              <a:ext uri="{FF2B5EF4-FFF2-40B4-BE49-F238E27FC236}">
+                <a16:creationId xmlns:a16="http://schemas.microsoft.com/office/drawing/2014/main" id="{9405A0C5-7DC9-0FE2-A31D-3521E590D398}"/>
+              </a:ext>
+            </a:extLst>
+          </p:cNvPr>
+          <p:cNvPicPr>
+            <a:picLocks noChangeAspect="1"/>
+          </p:cNvPicPr>
+          <p:nvPr/>
+        </p:nvPicPr>
+        <p:blipFill>
+          <a:blip r:embed="rId2">
+            <a:extLst>
+              <a:ext uri="{28A0092B-C50C-407E-A947-70E740481C1C}">
+                <a14:useLocalDpi xmlns:a14="http://schemas.microsoft.com/office/drawing/2010/main" val="0"/>
+              </a:ext>
+            </a:extLst>
+          </a:blip>
+          <a:stretch>
+            <a:fillRect/>
+          </a:stretch>
+        </p:blipFill>
+        <p:spPr>
+          <a:xfrm>
+            <a:off x="10486862" y="1"/>
+            <a:ext cx="1705138" cy="949314"/>
+          </a:xfrm>
+          <a:prstGeom prst="rect">
+            <a:avLst/>
+          </a:prstGeom>
+        </p:spPr>
+      </p:pic>
     </p:spTree>
     <p:extLst>
       <p:ext uri="{BB962C8B-B14F-4D97-AF65-F5344CB8AC3E}">
@@ -5303,6 +5447,42 @@
           <a:xfrm>
             <a:off x="1597481" y="1044941"/>
             <a:ext cx="9653968" cy="4768118"/>
+          </a:xfrm>
+          <a:prstGeom prst="rect">
+            <a:avLst/>
+          </a:prstGeom>
+        </p:spPr>
+      </p:pic>
+      <p:pic>
+        <p:nvPicPr>
+          <p:cNvPr id="2" name="Picture 1">
+            <a:extLst>
+              <a:ext uri="{FF2B5EF4-FFF2-40B4-BE49-F238E27FC236}">
+                <a16:creationId xmlns:a16="http://schemas.microsoft.com/office/drawing/2014/main" id="{990A966E-1D91-AA72-290B-273B88ACD92D}"/>
+              </a:ext>
+            </a:extLst>
+          </p:cNvPr>
+          <p:cNvPicPr>
+            <a:picLocks noChangeAspect="1"/>
+          </p:cNvPicPr>
+          <p:nvPr/>
+        </p:nvPicPr>
+        <p:blipFill>
+          <a:blip r:embed="rId3">
+            <a:extLst>
+              <a:ext uri="{28A0092B-C50C-407E-A947-70E740481C1C}">
+                <a14:useLocalDpi xmlns:a14="http://schemas.microsoft.com/office/drawing/2010/main" val="0"/>
+              </a:ext>
+            </a:extLst>
+          </a:blip>
+          <a:stretch>
+            <a:fillRect/>
+          </a:stretch>
+        </p:blipFill>
+        <p:spPr>
+          <a:xfrm>
+            <a:off x="10486862" y="1"/>
+            <a:ext cx="1705138" cy="949314"/>
           </a:xfrm>
           <a:prstGeom prst="rect">
             <a:avLst/>
@@ -5520,7 +5700,7 @@
             </a:r>
             <a:r>
               <a:rPr lang="en-US" dirty="0"/>
-              <a:t>( System Global Area)'</a:t>
+              <a:t>(System Global Area)'</a:t>
             </a:r>
             <a:r>
               <a:rPr lang="en-US" dirty="0" err="1"/>
@@ -5636,10 +5816,14 @@
             </a:r>
             <a:r>
               <a:rPr lang="en-US" dirty="0"/>
-              <a:t> tampon </a:t>
-            </a:r>
-            <a:r>
-              <a:rPr lang="en-US" dirty="0" err="1"/>
+              <a:t> </a:t>
+            </a:r>
+            <a:r>
+              <a:rPr lang="en-US" b="1" dirty="0"/>
+              <a:t>tampon </a:t>
+            </a:r>
+            <a:r>
+              <a:rPr lang="en-US" b="1" dirty="0" err="1"/>
               <a:t>bellektir</a:t>
             </a:r>
             <a:r>
@@ -5687,7 +5871,7 @@
               <a:t> </a:t>
             </a:r>
             <a:r>
-              <a:rPr lang="en-US" dirty="0" err="1"/>
+              <a:rPr lang="en-US" b="1" dirty="0" err="1"/>
               <a:t>otomatik</a:t>
             </a:r>
             <a:r>
@@ -5787,7 +5971,7 @@
               <a:t> </a:t>
             </a:r>
             <a:r>
-              <a:rPr lang="en-US" dirty="0" err="1"/>
+              <a:rPr lang="en-US" b="1" dirty="0" err="1"/>
               <a:t>instance'ı</a:t>
             </a:r>
             <a:r>
@@ -5939,31 +6123,31 @@
               <a:t> </a:t>
             </a:r>
             <a:r>
-              <a:rPr lang="en-US" dirty="0" err="1"/>
+              <a:rPr lang="en-US" b="1" dirty="0" err="1"/>
               <a:t>paylaşıma</a:t>
             </a:r>
             <a:r>
-              <a:rPr lang="en-US" dirty="0"/>
-              <a:t> </a:t>
-            </a:r>
-            <a:r>
-              <a:rPr lang="en-US" dirty="0" err="1"/>
+              <a:rPr lang="en-US" b="1" dirty="0"/>
+              <a:t> </a:t>
+            </a:r>
+            <a:r>
+              <a:rPr lang="en-US" b="1" dirty="0" err="1"/>
               <a:t>açık</a:t>
             </a:r>
             <a:r>
-              <a:rPr lang="en-US" dirty="0"/>
-              <a:t> </a:t>
-            </a:r>
-            <a:r>
-              <a:rPr lang="en-US" dirty="0" err="1"/>
+              <a:rPr lang="en-US" b="1" dirty="0"/>
+              <a:t> </a:t>
+            </a:r>
+            <a:r>
+              <a:rPr lang="en-US" b="1" dirty="0" err="1"/>
               <a:t>bellek</a:t>
             </a:r>
             <a:r>
-              <a:rPr lang="en-US" dirty="0"/>
-              <a:t> </a:t>
-            </a:r>
-            <a:r>
-              <a:rPr lang="en-US" dirty="0" err="1"/>
+              <a:rPr lang="en-US" b="1" dirty="0"/>
+              <a:t> </a:t>
+            </a:r>
+            <a:r>
+              <a:rPr lang="en-US" b="1" dirty="0" err="1"/>
               <a:t>alanıdır</a:t>
             </a:r>
             <a:r>
@@ -5974,6 +6158,42 @@
           </a:p>
         </p:txBody>
       </p:sp>
+      <p:pic>
+        <p:nvPicPr>
+          <p:cNvPr id="4" name="Picture 3">
+            <a:extLst>
+              <a:ext uri="{FF2B5EF4-FFF2-40B4-BE49-F238E27FC236}">
+                <a16:creationId xmlns:a16="http://schemas.microsoft.com/office/drawing/2014/main" id="{1A173BA2-D621-0F95-9D48-6CEBCD03B2D6}"/>
+              </a:ext>
+            </a:extLst>
+          </p:cNvPr>
+          <p:cNvPicPr>
+            <a:picLocks noChangeAspect="1"/>
+          </p:cNvPicPr>
+          <p:nvPr/>
+        </p:nvPicPr>
+        <p:blipFill>
+          <a:blip r:embed="rId2">
+            <a:extLst>
+              <a:ext uri="{28A0092B-C50C-407E-A947-70E740481C1C}">
+                <a14:useLocalDpi xmlns:a14="http://schemas.microsoft.com/office/drawing/2010/main" val="0"/>
+              </a:ext>
+            </a:extLst>
+          </a:blip>
+          <a:stretch>
+            <a:fillRect/>
+          </a:stretch>
+        </p:blipFill>
+        <p:spPr>
+          <a:xfrm>
+            <a:off x="10486862" y="1"/>
+            <a:ext cx="1705138" cy="949314"/>
+          </a:xfrm>
+          <a:prstGeom prst="rect">
+            <a:avLst/>
+          </a:prstGeom>
+        </p:spPr>
+      </p:pic>
     </p:spTree>
     <p:extLst>
       <p:ext uri="{BB962C8B-B14F-4D97-AF65-F5344CB8AC3E}">
@@ -6445,6 +6665,42 @@
           <a:xfrm>
             <a:off x="3608380" y="2690038"/>
             <a:ext cx="8211479" cy="3849944"/>
+          </a:xfrm>
+          <a:prstGeom prst="rect">
+            <a:avLst/>
+          </a:prstGeom>
+        </p:spPr>
+      </p:pic>
+      <p:pic>
+        <p:nvPicPr>
+          <p:cNvPr id="2" name="Picture 1">
+            <a:extLst>
+              <a:ext uri="{FF2B5EF4-FFF2-40B4-BE49-F238E27FC236}">
+                <a16:creationId xmlns:a16="http://schemas.microsoft.com/office/drawing/2014/main" id="{9E0B0443-1603-82FC-E6AF-68DCBA2FF0AC}"/>
+              </a:ext>
+            </a:extLst>
+          </p:cNvPr>
+          <p:cNvPicPr>
+            <a:picLocks noChangeAspect="1"/>
+          </p:cNvPicPr>
+          <p:nvPr/>
+        </p:nvPicPr>
+        <p:blipFill>
+          <a:blip r:embed="rId3">
+            <a:extLst>
+              <a:ext uri="{28A0092B-C50C-407E-A947-70E740481C1C}">
+                <a14:useLocalDpi xmlns:a14="http://schemas.microsoft.com/office/drawing/2010/main" val="0"/>
+              </a:ext>
+            </a:extLst>
+          </a:blip>
+          <a:stretch>
+            <a:fillRect/>
+          </a:stretch>
+        </p:blipFill>
+        <p:spPr>
+          <a:xfrm>
+            <a:off x="10486862" y="1"/>
+            <a:ext cx="1705138" cy="949314"/>
           </a:xfrm>
           <a:prstGeom prst="rect">
             <a:avLst/>
